--- a/慈繩愛索.pptx
+++ b/慈繩愛索.pptx
@@ -2,7 +2,7 @@
 <file path=ppt/presentation.xml><?xml version="1.0" encoding="utf-8"?>
 <p:presentation xmlns:a="http://schemas.openxmlformats.org/drawingml/2006/main" xmlns:r="http://schemas.openxmlformats.org/officeDocument/2006/relationships" xmlns:p="http://schemas.openxmlformats.org/presentationml/2006/main" saveSubsetFonts="1">
   <p:sldMasterIdLst>
-    <p:sldMasterId id="2147483648" r:id="rId1"/>
+    <p:sldMasterId id="2147483660" r:id="rId1"/>
   </p:sldMasterIdLst>
   <p:notesMasterIdLst>
     <p:notesMasterId r:id="rId7"/>
@@ -196,7 +196,8 @@
           <a:p>
             <a:fld id="{6B6397C6-598F-4D38-863F-7522ED672FE8}" type="datetimeFigureOut">
               <a:rPr lang="zh-TW" altLang="en-US" smtClean="0"/>
-              <a:t>2014/1/26</a:t>
+              <a:pPr/>
+              <a:t>2019/1/12</a:t>
             </a:fld>
             <a:endParaRPr lang="zh-TW" altLang="en-US"/>
           </a:p>
@@ -357,6 +358,7 @@
           <a:p>
             <a:fld id="{7D829A4D-517E-41F3-A8C4-E0D01DB45BCE}" type="slidenum">
               <a:rPr lang="zh-TW" altLang="en-US" smtClean="0"/>
+              <a:pPr/>
               <a:t>‹#›</a:t>
             </a:fld>
             <a:endParaRPr lang="zh-TW" altLang="en-US"/>
@@ -463,7 +465,7 @@
 
 <file path=ppt/slideLayouts/slideLayout1.xml><?xml version="1.0" encoding="utf-8"?>
 <p:sldLayout xmlns:a="http://schemas.openxmlformats.org/drawingml/2006/main" xmlns:r="http://schemas.openxmlformats.org/officeDocument/2006/relationships" xmlns:p="http://schemas.openxmlformats.org/presentationml/2006/main" type="title" preserve="1">
-  <p:cSld name="Title Slide">
+  <p:cSld name="標題投影片">
     <p:spTree>
       <p:nvGrpSpPr>
         <p:cNvPr id="1" name=""/>
@@ -480,7 +482,7 @@
       </p:grpSpPr>
       <p:sp>
         <p:nvSpPr>
-          <p:cNvPr id="2" name="Title 1"/>
+          <p:cNvPr id="2" name="標題 1"/>
           <p:cNvSpPr>
             <a:spLocks noGrp="1"/>
           </p:cNvSpPr>
@@ -499,16 +501,16 @@
           <a:lstStyle/>
           <a:p>
             <a:r>
-              <a:rPr lang="en-US" smtClean="0"/>
-              <a:t>Click to edit Master title style</a:t>
-            </a:r>
-            <a:endParaRPr lang="en-US"/>
-          </a:p>
-        </p:txBody>
-      </p:sp>
-      <p:sp>
-        <p:nvSpPr>
-          <p:cNvPr id="3" name="Subtitle 2"/>
+              <a:rPr lang="zh-TW" altLang="en-US" smtClean="0"/>
+              <a:t>按一下以編輯母片標題樣式</a:t>
+            </a:r>
+            <a:endParaRPr lang="zh-TW" altLang="en-US"/>
+          </a:p>
+        </p:txBody>
+      </p:sp>
+      <p:sp>
+        <p:nvSpPr>
+          <p:cNvPr id="3" name="副標題 2"/>
           <p:cNvSpPr>
             <a:spLocks noGrp="1"/>
           </p:cNvSpPr>
@@ -618,16 +620,16 @@
           </a:lstStyle>
           <a:p>
             <a:r>
-              <a:rPr lang="en-US" smtClean="0"/>
-              <a:t>Click to edit Master subtitle style</a:t>
-            </a:r>
-            <a:endParaRPr lang="en-US"/>
-          </a:p>
-        </p:txBody>
-      </p:sp>
-      <p:sp>
-        <p:nvSpPr>
-          <p:cNvPr id="4" name="Date Placeholder 3"/>
+              <a:rPr lang="zh-TW" altLang="en-US" smtClean="0"/>
+              <a:t>按一下以編輯母片副標題樣式</a:t>
+            </a:r>
+            <a:endParaRPr lang="zh-TW" altLang="en-US"/>
+          </a:p>
+        </p:txBody>
+      </p:sp>
+      <p:sp>
+        <p:nvSpPr>
+          <p:cNvPr id="4" name="日期版面配置區 3"/>
           <p:cNvSpPr>
             <a:spLocks noGrp="1"/>
           </p:cNvSpPr>
@@ -643,7 +645,7 @@
             <a:fld id="{966A72D3-5514-420D-9111-A867D6FCD5CB}" type="datetimeFigureOut">
               <a:rPr lang="en-US" smtClean="0"/>
               <a:pPr/>
-              <a:t>1/26/2014</a:t>
+              <a:t>1/12/2019</a:t>
             </a:fld>
             <a:endParaRPr lang="en-US"/>
           </a:p>
@@ -651,7 +653,7 @@
       </p:sp>
       <p:sp>
         <p:nvSpPr>
-          <p:cNvPr id="5" name="Footer Placeholder 4"/>
+          <p:cNvPr id="5" name="頁尾版面配置區 4"/>
           <p:cNvSpPr>
             <a:spLocks noGrp="1"/>
           </p:cNvSpPr>
@@ -670,7 +672,7 @@
       </p:sp>
       <p:sp>
         <p:nvSpPr>
-          <p:cNvPr id="6" name="Slide Number Placeholder 5"/>
+          <p:cNvPr id="6" name="投影片編號版面配置區 5"/>
           <p:cNvSpPr>
             <a:spLocks noGrp="1"/>
           </p:cNvSpPr>
@@ -702,7 +704,7 @@
 
 <file path=ppt/slideLayouts/slideLayout10.xml><?xml version="1.0" encoding="utf-8"?>
 <p:sldLayout xmlns:a="http://schemas.openxmlformats.org/drawingml/2006/main" xmlns:r="http://schemas.openxmlformats.org/officeDocument/2006/relationships" xmlns:p="http://schemas.openxmlformats.org/presentationml/2006/main" type="vertTx" preserve="1">
-  <p:cSld name="Title and Vertical Text">
+  <p:cSld name="標題及直排文字">
     <p:spTree>
       <p:nvGrpSpPr>
         <p:cNvPr id="1" name=""/>
@@ -719,7 +721,7 @@
       </p:grpSpPr>
       <p:sp>
         <p:nvSpPr>
-          <p:cNvPr id="2" name="Title 1"/>
+          <p:cNvPr id="2" name="標題 1"/>
           <p:cNvSpPr>
             <a:spLocks noGrp="1"/>
           </p:cNvSpPr>
@@ -733,16 +735,16 @@
           <a:lstStyle/>
           <a:p>
             <a:r>
-              <a:rPr lang="en-US" smtClean="0"/>
-              <a:t>Click to edit Master title style</a:t>
-            </a:r>
-            <a:endParaRPr lang="en-US"/>
-          </a:p>
-        </p:txBody>
-      </p:sp>
-      <p:sp>
-        <p:nvSpPr>
-          <p:cNvPr id="3" name="Vertical Text Placeholder 2"/>
+              <a:rPr lang="zh-TW" altLang="en-US" smtClean="0"/>
+              <a:t>按一下以編輯母片標題樣式</a:t>
+            </a:r>
+            <a:endParaRPr lang="zh-TW" altLang="en-US"/>
+          </a:p>
+        </p:txBody>
+      </p:sp>
+      <p:sp>
+        <p:nvSpPr>
+          <p:cNvPr id="3" name="直排文字版面配置區 2"/>
           <p:cNvSpPr>
             <a:spLocks noGrp="1"/>
           </p:cNvSpPr>
@@ -757,44 +759,44 @@
           <a:p>
             <a:pPr lvl="0"/>
             <a:r>
-              <a:rPr lang="en-US" smtClean="0"/>
-              <a:t>Click to edit Master text styles</a:t>
+              <a:rPr lang="zh-TW" altLang="en-US" smtClean="0"/>
+              <a:t>按一下以編輯母片文字樣式</a:t>
             </a:r>
           </a:p>
           <a:p>
             <a:pPr lvl="1"/>
             <a:r>
-              <a:rPr lang="en-US" smtClean="0"/>
-              <a:t>Second level</a:t>
+              <a:rPr lang="zh-TW" altLang="en-US" smtClean="0"/>
+              <a:t>第二層</a:t>
             </a:r>
           </a:p>
           <a:p>
             <a:pPr lvl="2"/>
             <a:r>
-              <a:rPr lang="en-US" smtClean="0"/>
-              <a:t>Third level</a:t>
+              <a:rPr lang="zh-TW" altLang="en-US" smtClean="0"/>
+              <a:t>第三層</a:t>
             </a:r>
           </a:p>
           <a:p>
             <a:pPr lvl="3"/>
             <a:r>
-              <a:rPr lang="en-US" smtClean="0"/>
-              <a:t>Fourth level</a:t>
+              <a:rPr lang="zh-TW" altLang="en-US" smtClean="0"/>
+              <a:t>第四層</a:t>
             </a:r>
           </a:p>
           <a:p>
             <a:pPr lvl="4"/>
             <a:r>
-              <a:rPr lang="en-US" smtClean="0"/>
-              <a:t>Fifth level</a:t>
-            </a:r>
-            <a:endParaRPr lang="en-US"/>
-          </a:p>
-        </p:txBody>
-      </p:sp>
-      <p:sp>
-        <p:nvSpPr>
-          <p:cNvPr id="4" name="Date Placeholder 3"/>
+              <a:rPr lang="zh-TW" altLang="en-US" smtClean="0"/>
+              <a:t>第五層</a:t>
+            </a:r>
+            <a:endParaRPr lang="zh-TW" altLang="en-US"/>
+          </a:p>
+        </p:txBody>
+      </p:sp>
+      <p:sp>
+        <p:nvSpPr>
+          <p:cNvPr id="4" name="日期版面配置區 3"/>
           <p:cNvSpPr>
             <a:spLocks noGrp="1"/>
           </p:cNvSpPr>
@@ -810,7 +812,7 @@
             <a:fld id="{966A72D3-5514-420D-9111-A867D6FCD5CB}" type="datetimeFigureOut">
               <a:rPr lang="en-US" smtClean="0"/>
               <a:pPr/>
-              <a:t>1/26/2014</a:t>
+              <a:t>1/12/2019</a:t>
             </a:fld>
             <a:endParaRPr lang="en-US"/>
           </a:p>
@@ -818,7 +820,7 @@
       </p:sp>
       <p:sp>
         <p:nvSpPr>
-          <p:cNvPr id="5" name="Footer Placeholder 4"/>
+          <p:cNvPr id="5" name="頁尾版面配置區 4"/>
           <p:cNvSpPr>
             <a:spLocks noGrp="1"/>
           </p:cNvSpPr>
@@ -837,7 +839,7 @@
       </p:sp>
       <p:sp>
         <p:nvSpPr>
-          <p:cNvPr id="6" name="Slide Number Placeholder 5"/>
+          <p:cNvPr id="6" name="投影片編號版面配置區 5"/>
           <p:cNvSpPr>
             <a:spLocks noGrp="1"/>
           </p:cNvSpPr>
@@ -869,7 +871,7 @@
 
 <file path=ppt/slideLayouts/slideLayout11.xml><?xml version="1.0" encoding="utf-8"?>
 <p:sldLayout xmlns:a="http://schemas.openxmlformats.org/drawingml/2006/main" xmlns:r="http://schemas.openxmlformats.org/officeDocument/2006/relationships" xmlns:p="http://schemas.openxmlformats.org/presentationml/2006/main" type="vertTitleAndTx" preserve="1">
-  <p:cSld name="Vertical Title and Text">
+  <p:cSld name="直排標題及文字">
     <p:spTree>
       <p:nvGrpSpPr>
         <p:cNvPr id="1" name=""/>
@@ -886,7 +888,7 @@
       </p:grpSpPr>
       <p:sp>
         <p:nvSpPr>
-          <p:cNvPr id="2" name="Vertical Title 1"/>
+          <p:cNvPr id="2" name="直排標題 1"/>
           <p:cNvSpPr>
             <a:spLocks noGrp="1"/>
           </p:cNvSpPr>
@@ -905,16 +907,16 @@
           <a:lstStyle/>
           <a:p>
             <a:r>
-              <a:rPr lang="en-US" smtClean="0"/>
-              <a:t>Click to edit Master title style</a:t>
-            </a:r>
-            <a:endParaRPr lang="en-US"/>
-          </a:p>
-        </p:txBody>
-      </p:sp>
-      <p:sp>
-        <p:nvSpPr>
-          <p:cNvPr id="3" name="Vertical Text Placeholder 2"/>
+              <a:rPr lang="zh-TW" altLang="en-US" smtClean="0"/>
+              <a:t>按一下以編輯母片標題樣式</a:t>
+            </a:r>
+            <a:endParaRPr lang="zh-TW" altLang="en-US"/>
+          </a:p>
+        </p:txBody>
+      </p:sp>
+      <p:sp>
+        <p:nvSpPr>
+          <p:cNvPr id="3" name="直排文字版面配置區 2"/>
           <p:cNvSpPr>
             <a:spLocks noGrp="1"/>
           </p:cNvSpPr>
@@ -934,44 +936,44 @@
           <a:p>
             <a:pPr lvl="0"/>
             <a:r>
-              <a:rPr lang="en-US" smtClean="0"/>
-              <a:t>Click to edit Master text styles</a:t>
+              <a:rPr lang="zh-TW" altLang="en-US" smtClean="0"/>
+              <a:t>按一下以編輯母片文字樣式</a:t>
             </a:r>
           </a:p>
           <a:p>
             <a:pPr lvl="1"/>
             <a:r>
-              <a:rPr lang="en-US" smtClean="0"/>
-              <a:t>Second level</a:t>
+              <a:rPr lang="zh-TW" altLang="en-US" smtClean="0"/>
+              <a:t>第二層</a:t>
             </a:r>
           </a:p>
           <a:p>
             <a:pPr lvl="2"/>
             <a:r>
-              <a:rPr lang="en-US" smtClean="0"/>
-              <a:t>Third level</a:t>
+              <a:rPr lang="zh-TW" altLang="en-US" smtClean="0"/>
+              <a:t>第三層</a:t>
             </a:r>
           </a:p>
           <a:p>
             <a:pPr lvl="3"/>
             <a:r>
-              <a:rPr lang="en-US" smtClean="0"/>
-              <a:t>Fourth level</a:t>
+              <a:rPr lang="zh-TW" altLang="en-US" smtClean="0"/>
+              <a:t>第四層</a:t>
             </a:r>
           </a:p>
           <a:p>
             <a:pPr lvl="4"/>
             <a:r>
-              <a:rPr lang="en-US" smtClean="0"/>
-              <a:t>Fifth level</a:t>
-            </a:r>
-            <a:endParaRPr lang="en-US"/>
-          </a:p>
-        </p:txBody>
-      </p:sp>
-      <p:sp>
-        <p:nvSpPr>
-          <p:cNvPr id="4" name="Date Placeholder 3"/>
+              <a:rPr lang="zh-TW" altLang="en-US" smtClean="0"/>
+              <a:t>第五層</a:t>
+            </a:r>
+            <a:endParaRPr lang="zh-TW" altLang="en-US"/>
+          </a:p>
+        </p:txBody>
+      </p:sp>
+      <p:sp>
+        <p:nvSpPr>
+          <p:cNvPr id="4" name="日期版面配置區 3"/>
           <p:cNvSpPr>
             <a:spLocks noGrp="1"/>
           </p:cNvSpPr>
@@ -987,7 +989,7 @@
             <a:fld id="{966A72D3-5514-420D-9111-A867D6FCD5CB}" type="datetimeFigureOut">
               <a:rPr lang="en-US" smtClean="0"/>
               <a:pPr/>
-              <a:t>1/26/2014</a:t>
+              <a:t>1/12/2019</a:t>
             </a:fld>
             <a:endParaRPr lang="en-US"/>
           </a:p>
@@ -995,7 +997,7 @@
       </p:sp>
       <p:sp>
         <p:nvSpPr>
-          <p:cNvPr id="5" name="Footer Placeholder 4"/>
+          <p:cNvPr id="5" name="頁尾版面配置區 4"/>
           <p:cNvSpPr>
             <a:spLocks noGrp="1"/>
           </p:cNvSpPr>
@@ -1014,7 +1016,7 @@
       </p:sp>
       <p:sp>
         <p:nvSpPr>
-          <p:cNvPr id="6" name="Slide Number Placeholder 5"/>
+          <p:cNvPr id="6" name="投影片編號版面配置區 5"/>
           <p:cNvSpPr>
             <a:spLocks noGrp="1"/>
           </p:cNvSpPr>
@@ -1046,7 +1048,7 @@
 
 <file path=ppt/slideLayouts/slideLayout2.xml><?xml version="1.0" encoding="utf-8"?>
 <p:sldLayout xmlns:a="http://schemas.openxmlformats.org/drawingml/2006/main" xmlns:r="http://schemas.openxmlformats.org/officeDocument/2006/relationships" xmlns:p="http://schemas.openxmlformats.org/presentationml/2006/main" type="obj" preserve="1">
-  <p:cSld name="Title and Content">
+  <p:cSld name="標題及物件">
     <p:spTree>
       <p:nvGrpSpPr>
         <p:cNvPr id="1" name=""/>
@@ -1063,7 +1065,7 @@
       </p:grpSpPr>
       <p:sp>
         <p:nvSpPr>
-          <p:cNvPr id="2" name="Title 1"/>
+          <p:cNvPr id="2" name="標題 1"/>
           <p:cNvSpPr>
             <a:spLocks noGrp="1"/>
           </p:cNvSpPr>
@@ -1077,16 +1079,16 @@
           <a:lstStyle/>
           <a:p>
             <a:r>
-              <a:rPr lang="en-US" smtClean="0"/>
-              <a:t>Click to edit Master title style</a:t>
-            </a:r>
-            <a:endParaRPr lang="en-US"/>
-          </a:p>
-        </p:txBody>
-      </p:sp>
-      <p:sp>
-        <p:nvSpPr>
-          <p:cNvPr id="3" name="Content Placeholder 2"/>
+              <a:rPr lang="zh-TW" altLang="en-US" smtClean="0"/>
+              <a:t>按一下以編輯母片標題樣式</a:t>
+            </a:r>
+            <a:endParaRPr lang="zh-TW" altLang="en-US"/>
+          </a:p>
+        </p:txBody>
+      </p:sp>
+      <p:sp>
+        <p:nvSpPr>
+          <p:cNvPr id="3" name="內容版面配置區 2"/>
           <p:cNvSpPr>
             <a:spLocks noGrp="1"/>
           </p:cNvSpPr>
@@ -1101,44 +1103,44 @@
           <a:p>
             <a:pPr lvl="0"/>
             <a:r>
-              <a:rPr lang="en-US" smtClean="0"/>
-              <a:t>Click to edit Master text styles</a:t>
+              <a:rPr lang="zh-TW" altLang="en-US" smtClean="0"/>
+              <a:t>按一下以編輯母片文字樣式</a:t>
             </a:r>
           </a:p>
           <a:p>
             <a:pPr lvl="1"/>
             <a:r>
-              <a:rPr lang="en-US" smtClean="0"/>
-              <a:t>Second level</a:t>
+              <a:rPr lang="zh-TW" altLang="en-US" smtClean="0"/>
+              <a:t>第二層</a:t>
             </a:r>
           </a:p>
           <a:p>
             <a:pPr lvl="2"/>
             <a:r>
-              <a:rPr lang="en-US" smtClean="0"/>
-              <a:t>Third level</a:t>
+              <a:rPr lang="zh-TW" altLang="en-US" smtClean="0"/>
+              <a:t>第三層</a:t>
             </a:r>
           </a:p>
           <a:p>
             <a:pPr lvl="3"/>
             <a:r>
-              <a:rPr lang="en-US" smtClean="0"/>
-              <a:t>Fourth level</a:t>
+              <a:rPr lang="zh-TW" altLang="en-US" smtClean="0"/>
+              <a:t>第四層</a:t>
             </a:r>
           </a:p>
           <a:p>
             <a:pPr lvl="4"/>
             <a:r>
-              <a:rPr lang="en-US" smtClean="0"/>
-              <a:t>Fifth level</a:t>
-            </a:r>
-            <a:endParaRPr lang="en-US"/>
-          </a:p>
-        </p:txBody>
-      </p:sp>
-      <p:sp>
-        <p:nvSpPr>
-          <p:cNvPr id="4" name="Date Placeholder 3"/>
+              <a:rPr lang="zh-TW" altLang="en-US" smtClean="0"/>
+              <a:t>第五層</a:t>
+            </a:r>
+            <a:endParaRPr lang="zh-TW" altLang="en-US"/>
+          </a:p>
+        </p:txBody>
+      </p:sp>
+      <p:sp>
+        <p:nvSpPr>
+          <p:cNvPr id="4" name="日期版面配置區 3"/>
           <p:cNvSpPr>
             <a:spLocks noGrp="1"/>
           </p:cNvSpPr>
@@ -1154,7 +1156,7 @@
             <a:fld id="{966A72D3-5514-420D-9111-A867D6FCD5CB}" type="datetimeFigureOut">
               <a:rPr lang="en-US" smtClean="0"/>
               <a:pPr/>
-              <a:t>1/26/2014</a:t>
+              <a:t>1/12/2019</a:t>
             </a:fld>
             <a:endParaRPr lang="en-US"/>
           </a:p>
@@ -1162,7 +1164,7 @@
       </p:sp>
       <p:sp>
         <p:nvSpPr>
-          <p:cNvPr id="5" name="Footer Placeholder 4"/>
+          <p:cNvPr id="5" name="頁尾版面配置區 4"/>
           <p:cNvSpPr>
             <a:spLocks noGrp="1"/>
           </p:cNvSpPr>
@@ -1181,7 +1183,7 @@
       </p:sp>
       <p:sp>
         <p:nvSpPr>
-          <p:cNvPr id="6" name="Slide Number Placeholder 5"/>
+          <p:cNvPr id="6" name="投影片編號版面配置區 5"/>
           <p:cNvSpPr>
             <a:spLocks noGrp="1"/>
           </p:cNvSpPr>
@@ -1213,7 +1215,7 @@
 
 <file path=ppt/slideLayouts/slideLayout3.xml><?xml version="1.0" encoding="utf-8"?>
 <p:sldLayout xmlns:a="http://schemas.openxmlformats.org/drawingml/2006/main" xmlns:r="http://schemas.openxmlformats.org/officeDocument/2006/relationships" xmlns:p="http://schemas.openxmlformats.org/presentationml/2006/main" type="secHead" preserve="1">
-  <p:cSld name="Section Header">
+  <p:cSld name="區段標題">
     <p:spTree>
       <p:nvGrpSpPr>
         <p:cNvPr id="1" name=""/>
@@ -1230,7 +1232,7 @@
       </p:grpSpPr>
       <p:sp>
         <p:nvSpPr>
-          <p:cNvPr id="2" name="Title 1"/>
+          <p:cNvPr id="2" name="標題 1"/>
           <p:cNvSpPr>
             <a:spLocks noGrp="1"/>
           </p:cNvSpPr>
@@ -1253,16 +1255,16 @@
           </a:lstStyle>
           <a:p>
             <a:r>
-              <a:rPr lang="en-US" smtClean="0"/>
-              <a:t>Click to edit Master title style</a:t>
-            </a:r>
-            <a:endParaRPr lang="en-US"/>
-          </a:p>
-        </p:txBody>
-      </p:sp>
-      <p:sp>
-        <p:nvSpPr>
-          <p:cNvPr id="3" name="Text Placeholder 2"/>
+              <a:rPr lang="zh-TW" altLang="en-US" smtClean="0"/>
+              <a:t>按一下以編輯母片標題樣式</a:t>
+            </a:r>
+            <a:endParaRPr lang="zh-TW" altLang="en-US"/>
+          </a:p>
+        </p:txBody>
+      </p:sp>
+      <p:sp>
+        <p:nvSpPr>
+          <p:cNvPr id="3" name="文字版面配置區 2"/>
           <p:cNvSpPr>
             <a:spLocks noGrp="1"/>
           </p:cNvSpPr>
@@ -1373,15 +1375,15 @@
           <a:p>
             <a:pPr lvl="0"/>
             <a:r>
-              <a:rPr lang="en-US" smtClean="0"/>
-              <a:t>Click to edit Master text styles</a:t>
-            </a:r>
-          </a:p>
-        </p:txBody>
-      </p:sp>
-      <p:sp>
-        <p:nvSpPr>
-          <p:cNvPr id="4" name="Date Placeholder 3"/>
+              <a:rPr lang="zh-TW" altLang="en-US" smtClean="0"/>
+              <a:t>按一下以編輯母片文字樣式</a:t>
+            </a:r>
+          </a:p>
+        </p:txBody>
+      </p:sp>
+      <p:sp>
+        <p:nvSpPr>
+          <p:cNvPr id="4" name="日期版面配置區 3"/>
           <p:cNvSpPr>
             <a:spLocks noGrp="1"/>
           </p:cNvSpPr>
@@ -1397,7 +1399,7 @@
             <a:fld id="{966A72D3-5514-420D-9111-A867D6FCD5CB}" type="datetimeFigureOut">
               <a:rPr lang="en-US" smtClean="0"/>
               <a:pPr/>
-              <a:t>1/26/2014</a:t>
+              <a:t>1/12/2019</a:t>
             </a:fld>
             <a:endParaRPr lang="en-US"/>
           </a:p>
@@ -1405,7 +1407,7 @@
       </p:sp>
       <p:sp>
         <p:nvSpPr>
-          <p:cNvPr id="5" name="Footer Placeholder 4"/>
+          <p:cNvPr id="5" name="頁尾版面配置區 4"/>
           <p:cNvSpPr>
             <a:spLocks noGrp="1"/>
           </p:cNvSpPr>
@@ -1424,7 +1426,7 @@
       </p:sp>
       <p:sp>
         <p:nvSpPr>
-          <p:cNvPr id="6" name="Slide Number Placeholder 5"/>
+          <p:cNvPr id="6" name="投影片編號版面配置區 5"/>
           <p:cNvSpPr>
             <a:spLocks noGrp="1"/>
           </p:cNvSpPr>
@@ -1456,7 +1458,7 @@
 
 <file path=ppt/slideLayouts/slideLayout4.xml><?xml version="1.0" encoding="utf-8"?>
 <p:sldLayout xmlns:a="http://schemas.openxmlformats.org/drawingml/2006/main" xmlns:r="http://schemas.openxmlformats.org/officeDocument/2006/relationships" xmlns:p="http://schemas.openxmlformats.org/presentationml/2006/main" type="twoObj" preserve="1">
-  <p:cSld name="Two Content">
+  <p:cSld name="兩項物件">
     <p:spTree>
       <p:nvGrpSpPr>
         <p:cNvPr id="1" name=""/>
@@ -1473,7 +1475,7 @@
       </p:grpSpPr>
       <p:sp>
         <p:nvSpPr>
-          <p:cNvPr id="2" name="Title 1"/>
+          <p:cNvPr id="2" name="標題 1"/>
           <p:cNvSpPr>
             <a:spLocks noGrp="1"/>
           </p:cNvSpPr>
@@ -1487,16 +1489,16 @@
           <a:lstStyle/>
           <a:p>
             <a:r>
-              <a:rPr lang="en-US" smtClean="0"/>
-              <a:t>Click to edit Master title style</a:t>
-            </a:r>
-            <a:endParaRPr lang="en-US"/>
-          </a:p>
-        </p:txBody>
-      </p:sp>
-      <p:sp>
-        <p:nvSpPr>
-          <p:cNvPr id="3" name="Content Placeholder 2"/>
+              <a:rPr lang="zh-TW" altLang="en-US" smtClean="0"/>
+              <a:t>按一下以編輯母片標題樣式</a:t>
+            </a:r>
+            <a:endParaRPr lang="zh-TW" altLang="en-US"/>
+          </a:p>
+        </p:txBody>
+      </p:sp>
+      <p:sp>
+        <p:nvSpPr>
+          <p:cNvPr id="3" name="內容版面配置區 2"/>
           <p:cNvSpPr>
             <a:spLocks noGrp="1"/>
           </p:cNvSpPr>
@@ -1544,44 +1546,44 @@
           <a:p>
             <a:pPr lvl="0"/>
             <a:r>
-              <a:rPr lang="en-US" smtClean="0"/>
-              <a:t>Click to edit Master text styles</a:t>
+              <a:rPr lang="zh-TW" altLang="en-US" smtClean="0"/>
+              <a:t>按一下以編輯母片文字樣式</a:t>
             </a:r>
           </a:p>
           <a:p>
             <a:pPr lvl="1"/>
             <a:r>
-              <a:rPr lang="en-US" smtClean="0"/>
-              <a:t>Second level</a:t>
+              <a:rPr lang="zh-TW" altLang="en-US" smtClean="0"/>
+              <a:t>第二層</a:t>
             </a:r>
           </a:p>
           <a:p>
             <a:pPr lvl="2"/>
             <a:r>
-              <a:rPr lang="en-US" smtClean="0"/>
-              <a:t>Third level</a:t>
+              <a:rPr lang="zh-TW" altLang="en-US" smtClean="0"/>
+              <a:t>第三層</a:t>
             </a:r>
           </a:p>
           <a:p>
             <a:pPr lvl="3"/>
             <a:r>
-              <a:rPr lang="en-US" smtClean="0"/>
-              <a:t>Fourth level</a:t>
+              <a:rPr lang="zh-TW" altLang="en-US" smtClean="0"/>
+              <a:t>第四層</a:t>
             </a:r>
           </a:p>
           <a:p>
             <a:pPr lvl="4"/>
             <a:r>
-              <a:rPr lang="en-US" smtClean="0"/>
-              <a:t>Fifth level</a:t>
-            </a:r>
-            <a:endParaRPr lang="en-US"/>
-          </a:p>
-        </p:txBody>
-      </p:sp>
-      <p:sp>
-        <p:nvSpPr>
-          <p:cNvPr id="4" name="Content Placeholder 3"/>
+              <a:rPr lang="zh-TW" altLang="en-US" smtClean="0"/>
+              <a:t>第五層</a:t>
+            </a:r>
+            <a:endParaRPr lang="zh-TW" altLang="en-US"/>
+          </a:p>
+        </p:txBody>
+      </p:sp>
+      <p:sp>
+        <p:nvSpPr>
+          <p:cNvPr id="4" name="內容版面配置區 3"/>
           <p:cNvSpPr>
             <a:spLocks noGrp="1"/>
           </p:cNvSpPr>
@@ -1629,44 +1631,44 @@
           <a:p>
             <a:pPr lvl="0"/>
             <a:r>
-              <a:rPr lang="en-US" smtClean="0"/>
-              <a:t>Click to edit Master text styles</a:t>
+              <a:rPr lang="zh-TW" altLang="en-US" smtClean="0"/>
+              <a:t>按一下以編輯母片文字樣式</a:t>
             </a:r>
           </a:p>
           <a:p>
             <a:pPr lvl="1"/>
             <a:r>
-              <a:rPr lang="en-US" smtClean="0"/>
-              <a:t>Second level</a:t>
+              <a:rPr lang="zh-TW" altLang="en-US" smtClean="0"/>
+              <a:t>第二層</a:t>
             </a:r>
           </a:p>
           <a:p>
             <a:pPr lvl="2"/>
             <a:r>
-              <a:rPr lang="en-US" smtClean="0"/>
-              <a:t>Third level</a:t>
+              <a:rPr lang="zh-TW" altLang="en-US" smtClean="0"/>
+              <a:t>第三層</a:t>
             </a:r>
           </a:p>
           <a:p>
             <a:pPr lvl="3"/>
             <a:r>
-              <a:rPr lang="en-US" smtClean="0"/>
-              <a:t>Fourth level</a:t>
+              <a:rPr lang="zh-TW" altLang="en-US" smtClean="0"/>
+              <a:t>第四層</a:t>
             </a:r>
           </a:p>
           <a:p>
             <a:pPr lvl="4"/>
             <a:r>
-              <a:rPr lang="en-US" smtClean="0"/>
-              <a:t>Fifth level</a:t>
-            </a:r>
-            <a:endParaRPr lang="en-US"/>
-          </a:p>
-        </p:txBody>
-      </p:sp>
-      <p:sp>
-        <p:nvSpPr>
-          <p:cNvPr id="5" name="Date Placeholder 4"/>
+              <a:rPr lang="zh-TW" altLang="en-US" smtClean="0"/>
+              <a:t>第五層</a:t>
+            </a:r>
+            <a:endParaRPr lang="zh-TW" altLang="en-US"/>
+          </a:p>
+        </p:txBody>
+      </p:sp>
+      <p:sp>
+        <p:nvSpPr>
+          <p:cNvPr id="5" name="日期版面配置區 4"/>
           <p:cNvSpPr>
             <a:spLocks noGrp="1"/>
           </p:cNvSpPr>
@@ -1682,7 +1684,7 @@
             <a:fld id="{966A72D3-5514-420D-9111-A867D6FCD5CB}" type="datetimeFigureOut">
               <a:rPr lang="en-US" smtClean="0"/>
               <a:pPr/>
-              <a:t>1/26/2014</a:t>
+              <a:t>1/12/2019</a:t>
             </a:fld>
             <a:endParaRPr lang="en-US"/>
           </a:p>
@@ -1690,7 +1692,7 @@
       </p:sp>
       <p:sp>
         <p:nvSpPr>
-          <p:cNvPr id="6" name="Footer Placeholder 5"/>
+          <p:cNvPr id="6" name="頁尾版面配置區 5"/>
           <p:cNvSpPr>
             <a:spLocks noGrp="1"/>
           </p:cNvSpPr>
@@ -1709,7 +1711,7 @@
       </p:sp>
       <p:sp>
         <p:nvSpPr>
-          <p:cNvPr id="7" name="Slide Number Placeholder 6"/>
+          <p:cNvPr id="7" name="投影片編號版面配置區 6"/>
           <p:cNvSpPr>
             <a:spLocks noGrp="1"/>
           </p:cNvSpPr>
@@ -1741,7 +1743,7 @@
 
 <file path=ppt/slideLayouts/slideLayout5.xml><?xml version="1.0" encoding="utf-8"?>
 <p:sldLayout xmlns:a="http://schemas.openxmlformats.org/drawingml/2006/main" xmlns:r="http://schemas.openxmlformats.org/officeDocument/2006/relationships" xmlns:p="http://schemas.openxmlformats.org/presentationml/2006/main" type="twoTxTwoObj" preserve="1">
-  <p:cSld name="Comparison">
+  <p:cSld name="比對">
     <p:spTree>
       <p:nvGrpSpPr>
         <p:cNvPr id="1" name=""/>
@@ -1758,7 +1760,7 @@
       </p:grpSpPr>
       <p:sp>
         <p:nvSpPr>
-          <p:cNvPr id="2" name="Title 1"/>
+          <p:cNvPr id="2" name="標題 1"/>
           <p:cNvSpPr>
             <a:spLocks noGrp="1"/>
           </p:cNvSpPr>
@@ -1776,16 +1778,16 @@
           </a:lstStyle>
           <a:p>
             <a:r>
-              <a:rPr lang="en-US" smtClean="0"/>
-              <a:t>Click to edit Master title style</a:t>
-            </a:r>
-            <a:endParaRPr lang="en-US"/>
-          </a:p>
-        </p:txBody>
-      </p:sp>
-      <p:sp>
-        <p:nvSpPr>
-          <p:cNvPr id="3" name="Text Placeholder 2"/>
+              <a:rPr lang="zh-TW" altLang="en-US" smtClean="0"/>
+              <a:t>按一下以編輯母片標題樣式</a:t>
+            </a:r>
+            <a:endParaRPr lang="zh-TW" altLang="en-US"/>
+          </a:p>
+        </p:txBody>
+      </p:sp>
+      <p:sp>
+        <p:nvSpPr>
+          <p:cNvPr id="3" name="文字版面配置區 2"/>
           <p:cNvSpPr>
             <a:spLocks noGrp="1"/>
           </p:cNvSpPr>
@@ -1842,15 +1844,15 @@
           <a:p>
             <a:pPr lvl="0"/>
             <a:r>
-              <a:rPr lang="en-US" smtClean="0"/>
-              <a:t>Click to edit Master text styles</a:t>
-            </a:r>
-          </a:p>
-        </p:txBody>
-      </p:sp>
-      <p:sp>
-        <p:nvSpPr>
-          <p:cNvPr id="4" name="Content Placeholder 3"/>
+              <a:rPr lang="zh-TW" altLang="en-US" smtClean="0"/>
+              <a:t>按一下以編輯母片文字樣式</a:t>
+            </a:r>
+          </a:p>
+        </p:txBody>
+      </p:sp>
+      <p:sp>
+        <p:nvSpPr>
+          <p:cNvPr id="4" name="內容版面配置區 3"/>
           <p:cNvSpPr>
             <a:spLocks noGrp="1"/>
           </p:cNvSpPr>
@@ -1898,44 +1900,44 @@
           <a:p>
             <a:pPr lvl="0"/>
             <a:r>
-              <a:rPr lang="en-US" smtClean="0"/>
-              <a:t>Click to edit Master text styles</a:t>
+              <a:rPr lang="zh-TW" altLang="en-US" smtClean="0"/>
+              <a:t>按一下以編輯母片文字樣式</a:t>
             </a:r>
           </a:p>
           <a:p>
             <a:pPr lvl="1"/>
             <a:r>
-              <a:rPr lang="en-US" smtClean="0"/>
-              <a:t>Second level</a:t>
+              <a:rPr lang="zh-TW" altLang="en-US" smtClean="0"/>
+              <a:t>第二層</a:t>
             </a:r>
           </a:p>
           <a:p>
             <a:pPr lvl="2"/>
             <a:r>
-              <a:rPr lang="en-US" smtClean="0"/>
-              <a:t>Third level</a:t>
+              <a:rPr lang="zh-TW" altLang="en-US" smtClean="0"/>
+              <a:t>第三層</a:t>
             </a:r>
           </a:p>
           <a:p>
             <a:pPr lvl="3"/>
             <a:r>
-              <a:rPr lang="en-US" smtClean="0"/>
-              <a:t>Fourth level</a:t>
+              <a:rPr lang="zh-TW" altLang="en-US" smtClean="0"/>
+              <a:t>第四層</a:t>
             </a:r>
           </a:p>
           <a:p>
             <a:pPr lvl="4"/>
             <a:r>
-              <a:rPr lang="en-US" smtClean="0"/>
-              <a:t>Fifth level</a:t>
-            </a:r>
-            <a:endParaRPr lang="en-US"/>
-          </a:p>
-        </p:txBody>
-      </p:sp>
-      <p:sp>
-        <p:nvSpPr>
-          <p:cNvPr id="5" name="Text Placeholder 4"/>
+              <a:rPr lang="zh-TW" altLang="en-US" smtClean="0"/>
+              <a:t>第五層</a:t>
+            </a:r>
+            <a:endParaRPr lang="zh-TW" altLang="en-US"/>
+          </a:p>
+        </p:txBody>
+      </p:sp>
+      <p:sp>
+        <p:nvSpPr>
+          <p:cNvPr id="5" name="文字版面配置區 4"/>
           <p:cNvSpPr>
             <a:spLocks noGrp="1"/>
           </p:cNvSpPr>
@@ -1992,15 +1994,15 @@
           <a:p>
             <a:pPr lvl="0"/>
             <a:r>
-              <a:rPr lang="en-US" smtClean="0"/>
-              <a:t>Click to edit Master text styles</a:t>
-            </a:r>
-          </a:p>
-        </p:txBody>
-      </p:sp>
-      <p:sp>
-        <p:nvSpPr>
-          <p:cNvPr id="6" name="Content Placeholder 5"/>
+              <a:rPr lang="zh-TW" altLang="en-US" smtClean="0"/>
+              <a:t>按一下以編輯母片文字樣式</a:t>
+            </a:r>
+          </a:p>
+        </p:txBody>
+      </p:sp>
+      <p:sp>
+        <p:nvSpPr>
+          <p:cNvPr id="6" name="內容版面配置區 5"/>
           <p:cNvSpPr>
             <a:spLocks noGrp="1"/>
           </p:cNvSpPr>
@@ -2048,44 +2050,44 @@
           <a:p>
             <a:pPr lvl="0"/>
             <a:r>
-              <a:rPr lang="en-US" smtClean="0"/>
-              <a:t>Click to edit Master text styles</a:t>
+              <a:rPr lang="zh-TW" altLang="en-US" smtClean="0"/>
+              <a:t>按一下以編輯母片文字樣式</a:t>
             </a:r>
           </a:p>
           <a:p>
             <a:pPr lvl="1"/>
             <a:r>
-              <a:rPr lang="en-US" smtClean="0"/>
-              <a:t>Second level</a:t>
+              <a:rPr lang="zh-TW" altLang="en-US" smtClean="0"/>
+              <a:t>第二層</a:t>
             </a:r>
           </a:p>
           <a:p>
             <a:pPr lvl="2"/>
             <a:r>
-              <a:rPr lang="en-US" smtClean="0"/>
-              <a:t>Third level</a:t>
+              <a:rPr lang="zh-TW" altLang="en-US" smtClean="0"/>
+              <a:t>第三層</a:t>
             </a:r>
           </a:p>
           <a:p>
             <a:pPr lvl="3"/>
             <a:r>
-              <a:rPr lang="en-US" smtClean="0"/>
-              <a:t>Fourth level</a:t>
+              <a:rPr lang="zh-TW" altLang="en-US" smtClean="0"/>
+              <a:t>第四層</a:t>
             </a:r>
           </a:p>
           <a:p>
             <a:pPr lvl="4"/>
             <a:r>
-              <a:rPr lang="en-US" smtClean="0"/>
-              <a:t>Fifth level</a:t>
-            </a:r>
-            <a:endParaRPr lang="en-US"/>
-          </a:p>
-        </p:txBody>
-      </p:sp>
-      <p:sp>
-        <p:nvSpPr>
-          <p:cNvPr id="7" name="Date Placeholder 6"/>
+              <a:rPr lang="zh-TW" altLang="en-US" smtClean="0"/>
+              <a:t>第五層</a:t>
+            </a:r>
+            <a:endParaRPr lang="zh-TW" altLang="en-US"/>
+          </a:p>
+        </p:txBody>
+      </p:sp>
+      <p:sp>
+        <p:nvSpPr>
+          <p:cNvPr id="7" name="日期版面配置區 6"/>
           <p:cNvSpPr>
             <a:spLocks noGrp="1"/>
           </p:cNvSpPr>
@@ -2101,7 +2103,7 @@
             <a:fld id="{966A72D3-5514-420D-9111-A867D6FCD5CB}" type="datetimeFigureOut">
               <a:rPr lang="en-US" smtClean="0"/>
               <a:pPr/>
-              <a:t>1/26/2014</a:t>
+              <a:t>1/12/2019</a:t>
             </a:fld>
             <a:endParaRPr lang="en-US"/>
           </a:p>
@@ -2109,7 +2111,7 @@
       </p:sp>
       <p:sp>
         <p:nvSpPr>
-          <p:cNvPr id="8" name="Footer Placeholder 7"/>
+          <p:cNvPr id="8" name="頁尾版面配置區 7"/>
           <p:cNvSpPr>
             <a:spLocks noGrp="1"/>
           </p:cNvSpPr>
@@ -2128,7 +2130,7 @@
       </p:sp>
       <p:sp>
         <p:nvSpPr>
-          <p:cNvPr id="9" name="Slide Number Placeholder 8"/>
+          <p:cNvPr id="9" name="投影片編號版面配置區 8"/>
           <p:cNvSpPr>
             <a:spLocks noGrp="1"/>
           </p:cNvSpPr>
@@ -2160,7 +2162,7 @@
 
 <file path=ppt/slideLayouts/slideLayout6.xml><?xml version="1.0" encoding="utf-8"?>
 <p:sldLayout xmlns:a="http://schemas.openxmlformats.org/drawingml/2006/main" xmlns:r="http://schemas.openxmlformats.org/officeDocument/2006/relationships" xmlns:p="http://schemas.openxmlformats.org/presentationml/2006/main" type="titleOnly" preserve="1">
-  <p:cSld name="Title Only">
+  <p:cSld name="只有標題">
     <p:spTree>
       <p:nvGrpSpPr>
         <p:cNvPr id="1" name=""/>
@@ -2177,7 +2179,7 @@
       </p:grpSpPr>
       <p:sp>
         <p:nvSpPr>
-          <p:cNvPr id="2" name="Title 1"/>
+          <p:cNvPr id="2" name="標題 1"/>
           <p:cNvSpPr>
             <a:spLocks noGrp="1"/>
           </p:cNvSpPr>
@@ -2191,16 +2193,16 @@
           <a:lstStyle/>
           <a:p>
             <a:r>
-              <a:rPr lang="en-US" smtClean="0"/>
-              <a:t>Click to edit Master title style</a:t>
-            </a:r>
-            <a:endParaRPr lang="en-US"/>
-          </a:p>
-        </p:txBody>
-      </p:sp>
-      <p:sp>
-        <p:nvSpPr>
-          <p:cNvPr id="3" name="Date Placeholder 2"/>
+              <a:rPr lang="zh-TW" altLang="en-US" smtClean="0"/>
+              <a:t>按一下以編輯母片標題樣式</a:t>
+            </a:r>
+            <a:endParaRPr lang="zh-TW" altLang="en-US"/>
+          </a:p>
+        </p:txBody>
+      </p:sp>
+      <p:sp>
+        <p:nvSpPr>
+          <p:cNvPr id="3" name="日期版面配置區 2"/>
           <p:cNvSpPr>
             <a:spLocks noGrp="1"/>
           </p:cNvSpPr>
@@ -2216,7 +2218,7 @@
             <a:fld id="{966A72D3-5514-420D-9111-A867D6FCD5CB}" type="datetimeFigureOut">
               <a:rPr lang="en-US" smtClean="0"/>
               <a:pPr/>
-              <a:t>1/26/2014</a:t>
+              <a:t>1/12/2019</a:t>
             </a:fld>
             <a:endParaRPr lang="en-US"/>
           </a:p>
@@ -2224,7 +2226,7 @@
       </p:sp>
       <p:sp>
         <p:nvSpPr>
-          <p:cNvPr id="4" name="Footer Placeholder 3"/>
+          <p:cNvPr id="4" name="頁尾版面配置區 3"/>
           <p:cNvSpPr>
             <a:spLocks noGrp="1"/>
           </p:cNvSpPr>
@@ -2243,7 +2245,7 @@
       </p:sp>
       <p:sp>
         <p:nvSpPr>
-          <p:cNvPr id="5" name="Slide Number Placeholder 4"/>
+          <p:cNvPr id="5" name="投影片編號版面配置區 4"/>
           <p:cNvSpPr>
             <a:spLocks noGrp="1"/>
           </p:cNvSpPr>
@@ -2275,7 +2277,7 @@
 
 <file path=ppt/slideLayouts/slideLayout7.xml><?xml version="1.0" encoding="utf-8"?>
 <p:sldLayout xmlns:a="http://schemas.openxmlformats.org/drawingml/2006/main" xmlns:r="http://schemas.openxmlformats.org/officeDocument/2006/relationships" xmlns:p="http://schemas.openxmlformats.org/presentationml/2006/main" type="blank" preserve="1">
-  <p:cSld name="Blank">
+  <p:cSld name="空白">
     <p:spTree>
       <p:nvGrpSpPr>
         <p:cNvPr id="1" name=""/>
@@ -2292,7 +2294,7 @@
       </p:grpSpPr>
       <p:sp>
         <p:nvSpPr>
-          <p:cNvPr id="2" name="Date Placeholder 1"/>
+          <p:cNvPr id="2" name="日期版面配置區 1"/>
           <p:cNvSpPr>
             <a:spLocks noGrp="1"/>
           </p:cNvSpPr>
@@ -2308,7 +2310,7 @@
             <a:fld id="{966A72D3-5514-420D-9111-A867D6FCD5CB}" type="datetimeFigureOut">
               <a:rPr lang="en-US" smtClean="0"/>
               <a:pPr/>
-              <a:t>1/26/2014</a:t>
+              <a:t>1/12/2019</a:t>
             </a:fld>
             <a:endParaRPr lang="en-US"/>
           </a:p>
@@ -2316,7 +2318,7 @@
       </p:sp>
       <p:sp>
         <p:nvSpPr>
-          <p:cNvPr id="3" name="Footer Placeholder 2"/>
+          <p:cNvPr id="3" name="頁尾版面配置區 2"/>
           <p:cNvSpPr>
             <a:spLocks noGrp="1"/>
           </p:cNvSpPr>
@@ -2335,7 +2337,7 @@
       </p:sp>
       <p:sp>
         <p:nvSpPr>
-          <p:cNvPr id="4" name="Slide Number Placeholder 3"/>
+          <p:cNvPr id="4" name="投影片編號版面配置區 3"/>
           <p:cNvSpPr>
             <a:spLocks noGrp="1"/>
           </p:cNvSpPr>
@@ -2367,7 +2369,7 @@
 
 <file path=ppt/slideLayouts/slideLayout8.xml><?xml version="1.0" encoding="utf-8"?>
 <p:sldLayout xmlns:a="http://schemas.openxmlformats.org/drawingml/2006/main" xmlns:r="http://schemas.openxmlformats.org/officeDocument/2006/relationships" xmlns:p="http://schemas.openxmlformats.org/presentationml/2006/main" type="objTx" preserve="1">
-  <p:cSld name="Content with Caption">
+  <p:cSld name="含標題的內容">
     <p:spTree>
       <p:nvGrpSpPr>
         <p:cNvPr id="1" name=""/>
@@ -2384,7 +2386,7 @@
       </p:grpSpPr>
       <p:sp>
         <p:nvSpPr>
-          <p:cNvPr id="2" name="Title 1"/>
+          <p:cNvPr id="2" name="標題 1"/>
           <p:cNvSpPr>
             <a:spLocks noGrp="1"/>
           </p:cNvSpPr>
@@ -2407,16 +2409,16 @@
           </a:lstStyle>
           <a:p>
             <a:r>
-              <a:rPr lang="en-US" smtClean="0"/>
-              <a:t>Click to edit Master title style</a:t>
-            </a:r>
-            <a:endParaRPr lang="en-US"/>
-          </a:p>
-        </p:txBody>
-      </p:sp>
-      <p:sp>
-        <p:nvSpPr>
-          <p:cNvPr id="3" name="Content Placeholder 2"/>
+              <a:rPr lang="zh-TW" altLang="en-US" smtClean="0"/>
+              <a:t>按一下以編輯母片標題樣式</a:t>
+            </a:r>
+            <a:endParaRPr lang="zh-TW" altLang="en-US"/>
+          </a:p>
+        </p:txBody>
+      </p:sp>
+      <p:sp>
+        <p:nvSpPr>
+          <p:cNvPr id="3" name="內容版面配置區 2"/>
           <p:cNvSpPr>
             <a:spLocks noGrp="1"/>
           </p:cNvSpPr>
@@ -2464,44 +2466,44 @@
           <a:p>
             <a:pPr lvl="0"/>
             <a:r>
-              <a:rPr lang="en-US" smtClean="0"/>
-              <a:t>Click to edit Master text styles</a:t>
+              <a:rPr lang="zh-TW" altLang="en-US" smtClean="0"/>
+              <a:t>按一下以編輯母片文字樣式</a:t>
             </a:r>
           </a:p>
           <a:p>
             <a:pPr lvl="1"/>
             <a:r>
-              <a:rPr lang="en-US" smtClean="0"/>
-              <a:t>Second level</a:t>
+              <a:rPr lang="zh-TW" altLang="en-US" smtClean="0"/>
+              <a:t>第二層</a:t>
             </a:r>
           </a:p>
           <a:p>
             <a:pPr lvl="2"/>
             <a:r>
-              <a:rPr lang="en-US" smtClean="0"/>
-              <a:t>Third level</a:t>
+              <a:rPr lang="zh-TW" altLang="en-US" smtClean="0"/>
+              <a:t>第三層</a:t>
             </a:r>
           </a:p>
           <a:p>
             <a:pPr lvl="3"/>
             <a:r>
-              <a:rPr lang="en-US" smtClean="0"/>
-              <a:t>Fourth level</a:t>
+              <a:rPr lang="zh-TW" altLang="en-US" smtClean="0"/>
+              <a:t>第四層</a:t>
             </a:r>
           </a:p>
           <a:p>
             <a:pPr lvl="4"/>
             <a:r>
-              <a:rPr lang="en-US" smtClean="0"/>
-              <a:t>Fifth level</a:t>
-            </a:r>
-            <a:endParaRPr lang="en-US"/>
-          </a:p>
-        </p:txBody>
-      </p:sp>
-      <p:sp>
-        <p:nvSpPr>
-          <p:cNvPr id="4" name="Text Placeholder 3"/>
+              <a:rPr lang="zh-TW" altLang="en-US" smtClean="0"/>
+              <a:t>第五層</a:t>
+            </a:r>
+            <a:endParaRPr lang="zh-TW" altLang="en-US"/>
+          </a:p>
+        </p:txBody>
+      </p:sp>
+      <p:sp>
+        <p:nvSpPr>
+          <p:cNvPr id="4" name="文字版面配置區 3"/>
           <p:cNvSpPr>
             <a:spLocks noGrp="1"/>
           </p:cNvSpPr>
@@ -2558,15 +2560,15 @@
           <a:p>
             <a:pPr lvl="0"/>
             <a:r>
-              <a:rPr lang="en-US" smtClean="0"/>
-              <a:t>Click to edit Master text styles</a:t>
-            </a:r>
-          </a:p>
-        </p:txBody>
-      </p:sp>
-      <p:sp>
-        <p:nvSpPr>
-          <p:cNvPr id="5" name="Date Placeholder 4"/>
+              <a:rPr lang="zh-TW" altLang="en-US" smtClean="0"/>
+              <a:t>按一下以編輯母片文字樣式</a:t>
+            </a:r>
+          </a:p>
+        </p:txBody>
+      </p:sp>
+      <p:sp>
+        <p:nvSpPr>
+          <p:cNvPr id="5" name="日期版面配置區 4"/>
           <p:cNvSpPr>
             <a:spLocks noGrp="1"/>
           </p:cNvSpPr>
@@ -2582,7 +2584,7 @@
             <a:fld id="{966A72D3-5514-420D-9111-A867D6FCD5CB}" type="datetimeFigureOut">
               <a:rPr lang="en-US" smtClean="0"/>
               <a:pPr/>
-              <a:t>1/26/2014</a:t>
+              <a:t>1/12/2019</a:t>
             </a:fld>
             <a:endParaRPr lang="en-US"/>
           </a:p>
@@ -2590,7 +2592,7 @@
       </p:sp>
       <p:sp>
         <p:nvSpPr>
-          <p:cNvPr id="6" name="Footer Placeholder 5"/>
+          <p:cNvPr id="6" name="頁尾版面配置區 5"/>
           <p:cNvSpPr>
             <a:spLocks noGrp="1"/>
           </p:cNvSpPr>
@@ -2609,7 +2611,7 @@
       </p:sp>
       <p:sp>
         <p:nvSpPr>
-          <p:cNvPr id="7" name="Slide Number Placeholder 6"/>
+          <p:cNvPr id="7" name="投影片編號版面配置區 6"/>
           <p:cNvSpPr>
             <a:spLocks noGrp="1"/>
           </p:cNvSpPr>
@@ -2641,7 +2643,7 @@
 
 <file path=ppt/slideLayouts/slideLayout9.xml><?xml version="1.0" encoding="utf-8"?>
 <p:sldLayout xmlns:a="http://schemas.openxmlformats.org/drawingml/2006/main" xmlns:r="http://schemas.openxmlformats.org/officeDocument/2006/relationships" xmlns:p="http://schemas.openxmlformats.org/presentationml/2006/main" type="picTx" preserve="1">
-  <p:cSld name="Picture with Caption">
+  <p:cSld name="含標題的圖片">
     <p:spTree>
       <p:nvGrpSpPr>
         <p:cNvPr id="1" name=""/>
@@ -2658,7 +2660,7 @@
       </p:grpSpPr>
       <p:sp>
         <p:nvSpPr>
-          <p:cNvPr id="2" name="Title 1"/>
+          <p:cNvPr id="2" name="標題 1"/>
           <p:cNvSpPr>
             <a:spLocks noGrp="1"/>
           </p:cNvSpPr>
@@ -2681,16 +2683,16 @@
           </a:lstStyle>
           <a:p>
             <a:r>
-              <a:rPr lang="en-US" smtClean="0"/>
-              <a:t>Click to edit Master title style</a:t>
-            </a:r>
-            <a:endParaRPr lang="en-US"/>
-          </a:p>
-        </p:txBody>
-      </p:sp>
-      <p:sp>
-        <p:nvSpPr>
-          <p:cNvPr id="3" name="Picture Placeholder 2"/>
+              <a:rPr lang="zh-TW" altLang="en-US" smtClean="0"/>
+              <a:t>按一下以編輯母片標題樣式</a:t>
+            </a:r>
+            <a:endParaRPr lang="zh-TW" altLang="en-US"/>
+          </a:p>
+        </p:txBody>
+      </p:sp>
+      <p:sp>
+        <p:nvSpPr>
+          <p:cNvPr id="3" name="圖片版面配置區 2"/>
           <p:cNvSpPr>
             <a:spLocks noGrp="1"/>
           </p:cNvSpPr>
@@ -2745,13 +2747,17 @@
             </a:lvl9pPr>
           </a:lstStyle>
           <a:p>
-            <a:endParaRPr lang="en-US"/>
-          </a:p>
-        </p:txBody>
-      </p:sp>
-      <p:sp>
-        <p:nvSpPr>
-          <p:cNvPr id="4" name="Text Placeholder 3"/>
+            <a:r>
+              <a:rPr lang="zh-TW" altLang="en-US" smtClean="0"/>
+              <a:t>按一下圖示以新增圖片</a:t>
+            </a:r>
+            <a:endParaRPr lang="zh-TW" altLang="en-US"/>
+          </a:p>
+        </p:txBody>
+      </p:sp>
+      <p:sp>
+        <p:nvSpPr>
+          <p:cNvPr id="4" name="文字版面配置區 3"/>
           <p:cNvSpPr>
             <a:spLocks noGrp="1"/>
           </p:cNvSpPr>
@@ -2808,15 +2814,15 @@
           <a:p>
             <a:pPr lvl="0"/>
             <a:r>
-              <a:rPr lang="en-US" smtClean="0"/>
-              <a:t>Click to edit Master text styles</a:t>
-            </a:r>
-          </a:p>
-        </p:txBody>
-      </p:sp>
-      <p:sp>
-        <p:nvSpPr>
-          <p:cNvPr id="5" name="Date Placeholder 4"/>
+              <a:rPr lang="zh-TW" altLang="en-US" smtClean="0"/>
+              <a:t>按一下以編輯母片文字樣式</a:t>
+            </a:r>
+          </a:p>
+        </p:txBody>
+      </p:sp>
+      <p:sp>
+        <p:nvSpPr>
+          <p:cNvPr id="5" name="日期版面配置區 4"/>
           <p:cNvSpPr>
             <a:spLocks noGrp="1"/>
           </p:cNvSpPr>
@@ -2832,7 +2838,7 @@
             <a:fld id="{966A72D3-5514-420D-9111-A867D6FCD5CB}" type="datetimeFigureOut">
               <a:rPr lang="en-US" smtClean="0"/>
               <a:pPr/>
-              <a:t>1/26/2014</a:t>
+              <a:t>1/12/2019</a:t>
             </a:fld>
             <a:endParaRPr lang="en-US"/>
           </a:p>
@@ -2840,7 +2846,7 @@
       </p:sp>
       <p:sp>
         <p:nvSpPr>
-          <p:cNvPr id="6" name="Footer Placeholder 5"/>
+          <p:cNvPr id="6" name="頁尾版面配置區 5"/>
           <p:cNvSpPr>
             <a:spLocks noGrp="1"/>
           </p:cNvSpPr>
@@ -2859,7 +2865,7 @@
       </p:sp>
       <p:sp>
         <p:nvSpPr>
-          <p:cNvPr id="7" name="Slide Number Placeholder 6"/>
+          <p:cNvPr id="7" name="投影片編號版面配置區 6"/>
           <p:cNvSpPr>
             <a:spLocks noGrp="1"/>
           </p:cNvSpPr>
@@ -2895,13 +2901,9 @@
     <p:bg>
       <p:bgPr>
         <a:blipFill dpi="0" rotWithShape="1">
-          <a:blip r:embed="rId13">
-            <a:lum/>
-          </a:blip>
+          <a:blip r:embed="rId13"/>
           <a:srcRect/>
-          <a:stretch>
-            <a:fillRect l="-18000" r="-18000"/>
-          </a:stretch>
+          <a:tile tx="0" ty="0" sx="100000" sy="100000" flip="none" algn="tl"/>
         </a:blipFill>
         <a:effectLst/>
       </p:bgPr>
@@ -2922,7 +2924,7 @@
       </p:grpSpPr>
       <p:sp>
         <p:nvSpPr>
-          <p:cNvPr id="2" name="Title Placeholder 1"/>
+          <p:cNvPr id="2" name="標題版面配置區 1"/>
           <p:cNvSpPr>
             <a:spLocks noGrp="1"/>
           </p:cNvSpPr>
@@ -2946,16 +2948,16 @@
           <a:lstStyle/>
           <a:p>
             <a:r>
-              <a:rPr lang="en-US" smtClean="0"/>
-              <a:t>Click to edit Master title style</a:t>
-            </a:r>
-            <a:endParaRPr lang="en-US"/>
-          </a:p>
-        </p:txBody>
-      </p:sp>
-      <p:sp>
-        <p:nvSpPr>
-          <p:cNvPr id="3" name="Text Placeholder 2"/>
+              <a:rPr lang="zh-TW" altLang="en-US" smtClean="0"/>
+              <a:t>按一下以編輯母片標題樣式</a:t>
+            </a:r>
+            <a:endParaRPr lang="zh-TW" altLang="en-US"/>
+          </a:p>
+        </p:txBody>
+      </p:sp>
+      <p:sp>
+        <p:nvSpPr>
+          <p:cNvPr id="3" name="文字版面配置區 2"/>
           <p:cNvSpPr>
             <a:spLocks noGrp="1"/>
           </p:cNvSpPr>
@@ -2980,44 +2982,44 @@
           <a:p>
             <a:pPr lvl="0"/>
             <a:r>
-              <a:rPr lang="en-US" smtClean="0"/>
-              <a:t>Click to edit Master text styles</a:t>
+              <a:rPr lang="zh-TW" altLang="en-US" smtClean="0"/>
+              <a:t>按一下以編輯母片文字樣式</a:t>
             </a:r>
           </a:p>
           <a:p>
             <a:pPr lvl="1"/>
             <a:r>
-              <a:rPr lang="en-US" smtClean="0"/>
-              <a:t>Second level</a:t>
+              <a:rPr lang="zh-TW" altLang="en-US" smtClean="0"/>
+              <a:t>第二層</a:t>
             </a:r>
           </a:p>
           <a:p>
             <a:pPr lvl="2"/>
             <a:r>
-              <a:rPr lang="en-US" smtClean="0"/>
-              <a:t>Third level</a:t>
+              <a:rPr lang="zh-TW" altLang="en-US" smtClean="0"/>
+              <a:t>第三層</a:t>
             </a:r>
           </a:p>
           <a:p>
             <a:pPr lvl="3"/>
             <a:r>
-              <a:rPr lang="en-US" smtClean="0"/>
-              <a:t>Fourth level</a:t>
+              <a:rPr lang="zh-TW" altLang="en-US" smtClean="0"/>
+              <a:t>第四層</a:t>
             </a:r>
           </a:p>
           <a:p>
             <a:pPr lvl="4"/>
             <a:r>
-              <a:rPr lang="en-US" smtClean="0"/>
-              <a:t>Fifth level</a:t>
-            </a:r>
-            <a:endParaRPr lang="en-US"/>
-          </a:p>
-        </p:txBody>
-      </p:sp>
-      <p:sp>
-        <p:nvSpPr>
-          <p:cNvPr id="4" name="Date Placeholder 3"/>
+              <a:rPr lang="zh-TW" altLang="en-US" smtClean="0"/>
+              <a:t>第五層</a:t>
+            </a:r>
+            <a:endParaRPr lang="zh-TW" altLang="en-US"/>
+          </a:p>
+        </p:txBody>
+      </p:sp>
+      <p:sp>
+        <p:nvSpPr>
+          <p:cNvPr id="4" name="日期版面配置區 3"/>
           <p:cNvSpPr>
             <a:spLocks noGrp="1"/>
           </p:cNvSpPr>
@@ -3051,7 +3053,7 @@
             <a:fld id="{966A72D3-5514-420D-9111-A867D6FCD5CB}" type="datetimeFigureOut">
               <a:rPr lang="en-US" smtClean="0"/>
               <a:pPr/>
-              <a:t>1/26/2014</a:t>
+              <a:t>1/12/2019</a:t>
             </a:fld>
             <a:endParaRPr lang="en-US"/>
           </a:p>
@@ -3059,7 +3061,7 @@
       </p:sp>
       <p:sp>
         <p:nvSpPr>
-          <p:cNvPr id="5" name="Footer Placeholder 4"/>
+          <p:cNvPr id="5" name="頁尾版面配置區 4"/>
           <p:cNvSpPr>
             <a:spLocks noGrp="1"/>
           </p:cNvSpPr>
@@ -3096,7 +3098,7 @@
       </p:sp>
       <p:sp>
         <p:nvSpPr>
-          <p:cNvPr id="6" name="Slide Number Placeholder 5"/>
+          <p:cNvPr id="6" name="投影片編號版面配置區 5"/>
           <p:cNvSpPr>
             <a:spLocks noGrp="1"/>
           </p:cNvSpPr>
@@ -3140,17 +3142,17 @@
   </p:cSld>
   <p:clrMap bg1="lt1" tx1="dk1" bg2="lt2" tx2="dk2" accent1="accent1" accent2="accent2" accent3="accent3" accent4="accent4" accent5="accent5" accent6="accent6" hlink="hlink" folHlink="folHlink"/>
   <p:sldLayoutIdLst>
-    <p:sldLayoutId id="2147483649" r:id="rId1"/>
-    <p:sldLayoutId id="2147483650" r:id="rId2"/>
-    <p:sldLayoutId id="2147483651" r:id="rId3"/>
-    <p:sldLayoutId id="2147483652" r:id="rId4"/>
-    <p:sldLayoutId id="2147483653" r:id="rId5"/>
-    <p:sldLayoutId id="2147483654" r:id="rId6"/>
-    <p:sldLayoutId id="2147483655" r:id="rId7"/>
-    <p:sldLayoutId id="2147483656" r:id="rId8"/>
-    <p:sldLayoutId id="2147483657" r:id="rId9"/>
-    <p:sldLayoutId id="2147483658" r:id="rId10"/>
-    <p:sldLayoutId id="2147483659" r:id="rId11"/>
+    <p:sldLayoutId id="2147483661" r:id="rId1"/>
+    <p:sldLayoutId id="2147483662" r:id="rId2"/>
+    <p:sldLayoutId id="2147483663" r:id="rId3"/>
+    <p:sldLayoutId id="2147483664" r:id="rId4"/>
+    <p:sldLayoutId id="2147483665" r:id="rId5"/>
+    <p:sldLayoutId id="2147483666" r:id="rId6"/>
+    <p:sldLayoutId id="2147483667" r:id="rId7"/>
+    <p:sldLayoutId id="2147483668" r:id="rId8"/>
+    <p:sldLayoutId id="2147483669" r:id="rId9"/>
+    <p:sldLayoutId id="2147483670" r:id="rId10"/>
+    <p:sldLayoutId id="2147483671" r:id="rId11"/>
   </p:sldLayoutIdLst>
   <p:txStyles>
     <p:titleStyle>
@@ -3308,7 +3310,7 @@
     </p:bodyStyle>
     <p:otherStyle>
       <a:defPPr>
-        <a:defRPr lang="en-US"/>
+        <a:defRPr lang="zh-TW"/>
       </a:defPPr>
       <a:lvl1pPr marL="0" algn="l" defTabSz="914400" rtl="0" eaLnBrk="1" latinLnBrk="0" hangingPunct="1">
         <a:defRPr sz="1800" kern="1200">
@@ -3437,20 +3439,19 @@
           <a:bodyPr/>
           <a:lstStyle/>
           <a:p>
-            <a:pPr algn="r"/>
-            <a:r>
-              <a:rPr lang="zh-TW" altLang="en-US" dirty="0" smtClean="0">
+            <a:r>
+              <a:rPr lang="zh-TW" altLang="en-US" b="1" dirty="0" smtClean="0">
                 <a:solidFill>
-                  <a:schemeClr val="bg1"/>
+                  <a:srgbClr val="000066"/>
                 </a:solidFill>
                 <a:latin typeface="微軟正黑體" pitchFamily="34" charset="-120"/>
                 <a:ea typeface="微軟正黑體" pitchFamily="34" charset="-120"/>
               </a:rPr>
               <a:t>慈繩愛索</a:t>
             </a:r>
-            <a:endParaRPr lang="zh-TW" altLang="en-US" dirty="0">
+            <a:endParaRPr lang="zh-TW" altLang="en-US" b="1" dirty="0">
               <a:solidFill>
-                <a:schemeClr val="bg1"/>
+                <a:srgbClr val="000066"/>
               </a:solidFill>
             </a:endParaRPr>
           </a:p>
@@ -3467,11 +3468,7 @@
           </p:nvPr>
         </p:nvSpPr>
         <p:spPr>
-          <a:solidFill>
-            <a:schemeClr val="bg1">
-              <a:alpha val="50000"/>
-            </a:schemeClr>
-          </a:solidFill>
+          <a:noFill/>
         </p:spPr>
         <p:txBody>
           <a:bodyPr>
@@ -3483,88 +3480,64 @@
               <a:buNone/>
             </a:pPr>
             <a:r>
-              <a:rPr lang="zh-TW" altLang="en-US" sz="5400" dirty="0" smtClean="0">
+              <a:rPr lang="zh-TW" altLang="en-US" sz="5400" b="1" dirty="0" smtClean="0">
+                <a:solidFill>
+                  <a:srgbClr val="000066"/>
+                </a:solidFill>
                 <a:latin typeface="微軟正黑體" pitchFamily="34" charset="-120"/>
                 <a:ea typeface="微軟正黑體" pitchFamily="34" charset="-120"/>
               </a:rPr>
-              <a:t>來到</a:t>
-            </a:r>
-            <a:r>
-              <a:rPr lang="zh-TW" altLang="en-US" sz="5400" dirty="0" smtClean="0">
+              <a:t>來到祢的寶座前</a:t>
+            </a:r>
+            <a:endParaRPr lang="en-US" altLang="zh-TW" sz="5400" b="1" dirty="0" smtClean="0">
+              <a:solidFill>
+                <a:srgbClr val="000066"/>
+              </a:solidFill>
+              <a:latin typeface="微軟正黑體" pitchFamily="34" charset="-120"/>
+              <a:ea typeface="微軟正黑體" pitchFamily="34" charset="-120"/>
+            </a:endParaRPr>
+          </a:p>
+          <a:p>
+            <a:pPr algn="ctr">
+              <a:buNone/>
+            </a:pPr>
+            <a:r>
+              <a:rPr lang="zh-TW" altLang="en-US" sz="5400" b="1" dirty="0" smtClean="0">
+                <a:solidFill>
+                  <a:srgbClr val="000066"/>
+                </a:solidFill>
                 <a:latin typeface="微軟正黑體" pitchFamily="34" charset="-120"/>
                 <a:ea typeface="微軟正黑體" pitchFamily="34" charset="-120"/>
               </a:rPr>
-              <a:t>祢的寶座</a:t>
-            </a:r>
-            <a:r>
-              <a:rPr lang="zh-TW" altLang="en-US" sz="5400" dirty="0" smtClean="0">
+              <a:t>我舉起雙手讚頌</a:t>
+            </a:r>
+            <a:endParaRPr lang="en-US" altLang="zh-TW" sz="5400" b="1" dirty="0" smtClean="0">
+              <a:solidFill>
+                <a:srgbClr val="000066"/>
+              </a:solidFill>
+              <a:latin typeface="微軟正黑體" pitchFamily="34" charset="-120"/>
+              <a:ea typeface="微軟正黑體" pitchFamily="34" charset="-120"/>
+            </a:endParaRPr>
+          </a:p>
+          <a:p>
+            <a:pPr algn="ctr">
+              <a:buNone/>
+            </a:pPr>
+            <a:r>
+              <a:rPr lang="zh-TW" altLang="en-US" sz="5400" b="1" dirty="0" smtClean="0">
+                <a:solidFill>
+                  <a:srgbClr val="000066"/>
+                </a:solidFill>
                 <a:latin typeface="微軟正黑體" pitchFamily="34" charset="-120"/>
                 <a:ea typeface="微軟正黑體" pitchFamily="34" charset="-120"/>
               </a:rPr>
-              <a:t>前</a:t>
-            </a:r>
-            <a:endParaRPr lang="en-US" altLang="zh-TW" sz="5400" dirty="0" smtClean="0">
-              <a:latin typeface="微軟正黑體" pitchFamily="34" charset="-120"/>
-              <a:ea typeface="微軟正黑體" pitchFamily="34" charset="-120"/>
-            </a:endParaRPr>
-          </a:p>
-          <a:p>
-            <a:pPr algn="ctr">
-              <a:buNone/>
-            </a:pPr>
-            <a:r>
-              <a:rPr lang="zh-TW" altLang="en-US" sz="5400" dirty="0" smtClean="0">
-                <a:latin typeface="微軟正黑體" pitchFamily="34" charset="-120"/>
-                <a:ea typeface="微軟正黑體" pitchFamily="34" charset="-120"/>
-              </a:rPr>
-              <a:t>我</a:t>
-            </a:r>
-            <a:r>
-              <a:rPr lang="zh-TW" altLang="en-US" sz="5400" dirty="0" smtClean="0">
-                <a:latin typeface="微軟正黑體" pitchFamily="34" charset="-120"/>
-                <a:ea typeface="微軟正黑體" pitchFamily="34" charset="-120"/>
-              </a:rPr>
-              <a:t>舉起雙手</a:t>
-            </a:r>
-            <a:r>
-              <a:rPr lang="zh-TW" altLang="en-US" sz="5400" dirty="0" smtClean="0">
-                <a:latin typeface="微軟正黑體" pitchFamily="34" charset="-120"/>
-                <a:ea typeface="微軟正黑體" pitchFamily="34" charset="-120"/>
-              </a:rPr>
-              <a:t>讚頌</a:t>
-            </a:r>
-            <a:endParaRPr lang="en-US" altLang="zh-TW" sz="5400" dirty="0" smtClean="0">
-              <a:latin typeface="微軟正黑體" pitchFamily="34" charset="-120"/>
-              <a:ea typeface="微軟正黑體" pitchFamily="34" charset="-120"/>
-            </a:endParaRPr>
-          </a:p>
-          <a:p>
-            <a:pPr algn="ctr">
-              <a:buNone/>
-            </a:pPr>
-            <a:r>
-              <a:rPr lang="zh-TW" altLang="en-US" sz="5400" dirty="0" smtClean="0">
-                <a:latin typeface="微軟正黑體" pitchFamily="34" charset="-120"/>
-                <a:ea typeface="微軟正黑體" pitchFamily="34" charset="-120"/>
-              </a:rPr>
-              <a:t>祢</a:t>
-            </a:r>
-            <a:r>
-              <a:rPr lang="zh-TW" altLang="en-US" sz="5400" dirty="0" smtClean="0">
-                <a:latin typeface="微軟正黑體" pitchFamily="34" charset="-120"/>
-                <a:ea typeface="微軟正黑體" pitchFamily="34" charset="-120"/>
-              </a:rPr>
-              <a:t>配得一切榮耀</a:t>
-            </a:r>
-            <a:r>
-              <a:rPr lang="zh-TW" altLang="en-US" sz="5400" dirty="0" smtClean="0">
-                <a:latin typeface="微軟正黑體" pitchFamily="34" charset="-120"/>
-                <a:ea typeface="微軟正黑體" pitchFamily="34" charset="-120"/>
-              </a:rPr>
-              <a:t>尊貴</a:t>
-            </a:r>
-            <a:r>
-              <a:rPr lang="en-US" altLang="zh-TW" sz="5400" dirty="0" smtClean="0">
+              <a:t>祢配得一切榮耀尊貴</a:t>
+            </a:r>
+            <a:r>
+              <a:rPr lang="en-US" altLang="zh-TW" sz="5400" b="1" dirty="0" smtClean="0">
+                <a:solidFill>
+                  <a:srgbClr val="000066"/>
+                </a:solidFill>
                 <a:latin typeface="微軟正黑體" pitchFamily="34" charset="-120"/>
                 <a:ea typeface="微軟正黑體" pitchFamily="34" charset="-120"/>
               </a:rPr>
@@ -3576,29 +3549,18 @@
               <a:buNone/>
             </a:pPr>
             <a:r>
-              <a:rPr lang="zh-TW" altLang="en-US" sz="5400" dirty="0" smtClean="0">
+              <a:rPr lang="zh-TW" altLang="en-US" sz="5400" b="1" dirty="0" smtClean="0">
+                <a:solidFill>
+                  <a:srgbClr val="000066"/>
+                </a:solidFill>
                 <a:latin typeface="微軟正黑體" pitchFamily="34" charset="-120"/>
                 <a:ea typeface="微軟正黑體" pitchFamily="34" charset="-120"/>
               </a:rPr>
-              <a:t>祢</a:t>
-            </a:r>
-            <a:r>
-              <a:rPr lang="zh-TW" altLang="en-US" sz="5400" dirty="0" smtClean="0">
-                <a:latin typeface="微軟正黑體" pitchFamily="34" charset="-120"/>
-                <a:ea typeface="微軟正黑體" pitchFamily="34" charset="-120"/>
-              </a:rPr>
-              <a:t>是王掌管</a:t>
-            </a:r>
-            <a:r>
-              <a:rPr lang="zh-TW" altLang="en-US" sz="5400" dirty="0" smtClean="0">
-                <a:latin typeface="微軟正黑體" pitchFamily="34" charset="-120"/>
-                <a:ea typeface="微軟正黑體" pitchFamily="34" charset="-120"/>
-              </a:rPr>
-              <a:t>明天</a:t>
-            </a:r>
-            <a:endParaRPr lang="en-US" sz="4800" dirty="0">
+              <a:t>祢是王掌管明天</a:t>
+            </a:r>
+            <a:endParaRPr lang="en-US" sz="4800" b="1" dirty="0">
               <a:solidFill>
-                <a:srgbClr val="0070C0"/>
+                <a:srgbClr val="000066"/>
               </a:solidFill>
               <a:latin typeface="微軟正黑體" pitchFamily="34" charset="-120"/>
               <a:ea typeface="微軟正黑體" pitchFamily="34" charset="-120"/>
@@ -3650,21 +3612,28 @@
         </p:nvSpPr>
         <p:spPr/>
         <p:txBody>
-          <a:bodyPr/>
-          <a:lstStyle/>
-          <a:p>
-            <a:pPr algn="r"/>
-            <a:r>
-              <a:rPr lang="zh-TW" altLang="en-US" dirty="0" smtClean="0">
+          <a:bodyPr>
+            <a:normAutofit/>
+          </a:bodyPr>
+          <a:lstStyle/>
+          <a:p>
+            <a:r>
+              <a:rPr lang="zh-TW" altLang="en-US" b="1" dirty="0" smtClean="0">
                 <a:solidFill>
-                  <a:schemeClr val="bg1"/>
+                  <a:srgbClr val="000066"/>
                 </a:solidFill>
                 <a:latin typeface="微軟正黑體" pitchFamily="34" charset="-120"/>
                 <a:ea typeface="微軟正黑體" pitchFamily="34" charset="-120"/>
               </a:rPr>
               <a:t>慈繩愛索</a:t>
             </a:r>
-            <a:endParaRPr lang="zh-TW" altLang="en-US" dirty="0"/>
+            <a:endParaRPr lang="zh-TW" altLang="en-US" b="1" dirty="0">
+              <a:solidFill>
+                <a:srgbClr val="000066"/>
+              </a:solidFill>
+              <a:latin typeface="微軟正黑體" pitchFamily="34" charset="-120"/>
+              <a:ea typeface="微軟正黑體" pitchFamily="34" charset="-120"/>
+            </a:endParaRPr>
           </a:p>
         </p:txBody>
       </p:sp>
@@ -3679,11 +3648,7 @@
           </p:nvPr>
         </p:nvSpPr>
         <p:spPr>
-          <a:solidFill>
-            <a:schemeClr val="bg1">
-              <a:alpha val="50000"/>
-            </a:schemeClr>
-          </a:solidFill>
+          <a:noFill/>
         </p:spPr>
         <p:txBody>
           <a:bodyPr>
@@ -3695,27 +3660,63 @@
               <a:buNone/>
             </a:pPr>
             <a:r>
-              <a:rPr lang="zh-TW" altLang="en-US" sz="5400" dirty="0" smtClean="0">
+              <a:rPr lang="zh-TW" altLang="en-US" sz="5400" b="1" dirty="0" smtClean="0">
+                <a:solidFill>
+                  <a:srgbClr val="000066"/>
+                </a:solidFill>
                 <a:latin typeface="微軟正黑體" pitchFamily="34" charset="-120"/>
                 <a:ea typeface="微軟正黑體" pitchFamily="34" charset="-120"/>
               </a:rPr>
-              <a:t>來到</a:t>
-            </a:r>
-            <a:r>
-              <a:rPr lang="zh-TW" altLang="en-US" sz="5400" dirty="0" smtClean="0">
+              <a:t>來到祢施恩座前</a:t>
+            </a:r>
+            <a:endParaRPr lang="en-US" altLang="zh-TW" sz="5400" b="1" dirty="0" smtClean="0">
+              <a:solidFill>
+                <a:srgbClr val="000066"/>
+              </a:solidFill>
+              <a:latin typeface="微軟正黑體" pitchFamily="34" charset="-120"/>
+              <a:ea typeface="微軟正黑體" pitchFamily="34" charset="-120"/>
+            </a:endParaRPr>
+          </a:p>
+          <a:p>
+            <a:pPr algn="ctr">
+              <a:buNone/>
+            </a:pPr>
+            <a:r>
+              <a:rPr lang="zh-TW" altLang="en-US" sz="5400" b="1" dirty="0" smtClean="0">
+                <a:solidFill>
+                  <a:srgbClr val="000066"/>
+                </a:solidFill>
                 <a:latin typeface="微軟正黑體" pitchFamily="34" charset="-120"/>
                 <a:ea typeface="微軟正黑體" pitchFamily="34" charset="-120"/>
               </a:rPr>
-              <a:t>祢施恩座</a:t>
-            </a:r>
-            <a:r>
-              <a:rPr lang="zh-TW" altLang="en-US" sz="5400" dirty="0" smtClean="0">
+              <a:t>我將我的心奉獻</a:t>
+            </a:r>
+            <a:endParaRPr lang="en-US" altLang="zh-TW" sz="5400" b="1" dirty="0" smtClean="0">
+              <a:solidFill>
+                <a:srgbClr val="000066"/>
+              </a:solidFill>
+              <a:latin typeface="微軟正黑體" pitchFamily="34" charset="-120"/>
+              <a:ea typeface="微軟正黑體" pitchFamily="34" charset="-120"/>
+            </a:endParaRPr>
+          </a:p>
+          <a:p>
+            <a:pPr algn="ctr">
+              <a:buNone/>
+            </a:pPr>
+            <a:r>
+              <a:rPr lang="zh-TW" altLang="en-US" sz="5400" b="1" dirty="0" smtClean="0">
+                <a:solidFill>
+                  <a:srgbClr val="000066"/>
+                </a:solidFill>
                 <a:latin typeface="微軟正黑體" pitchFamily="34" charset="-120"/>
                 <a:ea typeface="微軟正黑體" pitchFamily="34" charset="-120"/>
               </a:rPr>
-              <a:t>前</a:t>
-            </a:r>
-            <a:endParaRPr lang="en-US" altLang="zh-TW" sz="5400" dirty="0" smtClean="0">
+              <a:t>惟獨祢愛我天天不改變</a:t>
+            </a:r>
+            <a:endParaRPr lang="en-US" altLang="zh-TW" sz="5400" b="1" dirty="0" smtClean="0">
+              <a:solidFill>
+                <a:srgbClr val="000066"/>
+              </a:solidFill>
               <a:latin typeface="微軟正黑體" pitchFamily="34" charset="-120"/>
               <a:ea typeface="微軟正黑體" pitchFamily="34" charset="-120"/>
             </a:endParaRPr>
@@ -3725,87 +3726,19 @@
               <a:buNone/>
             </a:pPr>
             <a:r>
-              <a:rPr lang="zh-TW" altLang="en-US" sz="5400" dirty="0" smtClean="0">
+              <a:rPr lang="zh-TW" altLang="en-US" sz="5400" b="1" dirty="0" smtClean="0">
+                <a:solidFill>
+                  <a:srgbClr val="000066"/>
+                </a:solidFill>
                 <a:latin typeface="微軟正黑體" pitchFamily="34" charset="-120"/>
                 <a:ea typeface="微軟正黑體" pitchFamily="34" charset="-120"/>
               </a:rPr>
-              <a:t>我</a:t>
-            </a:r>
-            <a:r>
-              <a:rPr lang="zh-TW" altLang="en-US" sz="5400" dirty="0" smtClean="0">
-                <a:latin typeface="微軟正黑體" pitchFamily="34" charset="-120"/>
-                <a:ea typeface="微軟正黑體" pitchFamily="34" charset="-120"/>
-              </a:rPr>
-              <a:t>將我的心</a:t>
-            </a:r>
-            <a:r>
-              <a:rPr lang="zh-TW" altLang="en-US" sz="5400" dirty="0" smtClean="0">
-                <a:latin typeface="微軟正黑體" pitchFamily="34" charset="-120"/>
-                <a:ea typeface="微軟正黑體" pitchFamily="34" charset="-120"/>
-              </a:rPr>
-              <a:t>奉獻</a:t>
-            </a:r>
-            <a:endParaRPr lang="en-US" altLang="zh-TW" sz="5400" dirty="0" smtClean="0">
-              <a:latin typeface="微軟正黑體" pitchFamily="34" charset="-120"/>
-              <a:ea typeface="微軟正黑體" pitchFamily="34" charset="-120"/>
-            </a:endParaRPr>
-          </a:p>
-          <a:p>
-            <a:pPr algn="ctr">
-              <a:buNone/>
-            </a:pPr>
-            <a:r>
-              <a:rPr lang="zh-TW" altLang="en-US" sz="5400" dirty="0" smtClean="0">
-                <a:latin typeface="微軟正黑體" pitchFamily="34" charset="-120"/>
-                <a:ea typeface="微軟正黑體" pitchFamily="34" charset="-120"/>
-              </a:rPr>
-              <a:t>惟獨</a:t>
-            </a:r>
-            <a:r>
-              <a:rPr lang="zh-TW" altLang="en-US" sz="5400" dirty="0" smtClean="0">
-                <a:latin typeface="微軟正黑體" pitchFamily="34" charset="-120"/>
-                <a:ea typeface="微軟正黑體" pitchFamily="34" charset="-120"/>
-              </a:rPr>
-              <a:t>祢愛我天天不</a:t>
-            </a:r>
-            <a:r>
-              <a:rPr lang="zh-TW" altLang="en-US" sz="5400" dirty="0" smtClean="0">
-                <a:latin typeface="微軟正黑體" pitchFamily="34" charset="-120"/>
-                <a:ea typeface="微軟正黑體" pitchFamily="34" charset="-120"/>
-              </a:rPr>
-              <a:t>改變</a:t>
-            </a:r>
-            <a:endParaRPr lang="en-US" altLang="zh-TW" sz="5400" dirty="0" smtClean="0">
-              <a:latin typeface="微軟正黑體" pitchFamily="34" charset="-120"/>
-              <a:ea typeface="微軟正黑體" pitchFamily="34" charset="-120"/>
-            </a:endParaRPr>
-          </a:p>
-          <a:p>
-            <a:pPr algn="ctr">
-              <a:buNone/>
-            </a:pPr>
-            <a:r>
-              <a:rPr lang="zh-TW" altLang="en-US" sz="5400" dirty="0" smtClean="0">
-                <a:latin typeface="微軟正黑體" pitchFamily="34" charset="-120"/>
-                <a:ea typeface="微軟正黑體" pitchFamily="34" charset="-120"/>
-              </a:rPr>
-              <a:t>奇妙</a:t>
-            </a:r>
-            <a:r>
-              <a:rPr lang="zh-TW" altLang="en-US" sz="5400" dirty="0" smtClean="0">
-                <a:latin typeface="微軟正黑體" pitchFamily="34" charset="-120"/>
-                <a:ea typeface="微軟正黑體" pitchFamily="34" charset="-120"/>
-              </a:rPr>
-              <a:t>救主我永屬</a:t>
-            </a:r>
-            <a:r>
-              <a:rPr lang="zh-TW" altLang="en-US" sz="5400" dirty="0" smtClean="0">
-                <a:latin typeface="微軟正黑體" pitchFamily="34" charset="-120"/>
-                <a:ea typeface="微軟正黑體" pitchFamily="34" charset="-120"/>
-              </a:rPr>
-              <a:t>祢</a:t>
-            </a:r>
-            <a:endParaRPr lang="en-US" sz="5400" dirty="0">
+              <a:t>奇妙救主我永屬祢</a:t>
+            </a:r>
+            <a:endParaRPr lang="en-US" altLang="zh-TW" sz="5400" b="1" dirty="0">
+              <a:solidFill>
+                <a:srgbClr val="000066"/>
+              </a:solidFill>
               <a:latin typeface="微軟正黑體" pitchFamily="34" charset="-120"/>
               <a:ea typeface="微軟正黑體" pitchFamily="34" charset="-120"/>
             </a:endParaRPr>
@@ -3856,21 +3789,28 @@
         </p:nvSpPr>
         <p:spPr/>
         <p:txBody>
-          <a:bodyPr/>
-          <a:lstStyle/>
-          <a:p>
-            <a:pPr algn="r"/>
-            <a:r>
-              <a:rPr lang="zh-TW" altLang="en-US" dirty="0" smtClean="0">
+          <a:bodyPr>
+            <a:normAutofit/>
+          </a:bodyPr>
+          <a:lstStyle/>
+          <a:p>
+            <a:r>
+              <a:rPr lang="zh-TW" altLang="en-US" b="1" dirty="0" smtClean="0">
                 <a:solidFill>
-                  <a:schemeClr val="bg1"/>
+                  <a:srgbClr val="000066"/>
                 </a:solidFill>
                 <a:latin typeface="微軟正黑體" pitchFamily="34" charset="-120"/>
                 <a:ea typeface="微軟正黑體" pitchFamily="34" charset="-120"/>
               </a:rPr>
               <a:t>慈繩愛索</a:t>
             </a:r>
-            <a:endParaRPr lang="zh-TW" altLang="en-US" dirty="0"/>
+            <a:endParaRPr lang="zh-TW" altLang="en-US" b="1" dirty="0">
+              <a:solidFill>
+                <a:srgbClr val="000066"/>
+              </a:solidFill>
+              <a:latin typeface="微軟正黑體" pitchFamily="34" charset="-120"/>
+              <a:ea typeface="微軟正黑體" pitchFamily="34" charset="-120"/>
+            </a:endParaRPr>
           </a:p>
         </p:txBody>
       </p:sp>
@@ -3885,11 +3825,7 @@
           </p:nvPr>
         </p:nvSpPr>
         <p:spPr>
-          <a:solidFill>
-            <a:schemeClr val="bg1">
-              <a:alpha val="50000"/>
-            </a:schemeClr>
-          </a:solidFill>
+          <a:noFill/>
         </p:spPr>
         <p:txBody>
           <a:bodyPr>
@@ -3901,20 +3837,41 @@
               <a:buNone/>
             </a:pPr>
             <a:r>
-              <a:rPr lang="zh-TW" altLang="en-US" sz="5400" dirty="0" smtClean="0">
+              <a:rPr lang="zh-TW" altLang="en-US" sz="5400" b="1" dirty="0" smtClean="0">
+                <a:solidFill>
+                  <a:srgbClr val="000066"/>
+                </a:solidFill>
                 <a:latin typeface="微軟正黑體" pitchFamily="34" charset="-120"/>
                 <a:ea typeface="微軟正黑體" pitchFamily="34" charset="-120"/>
               </a:rPr>
-              <a:t>慈繩愛索 緊緊索引</a:t>
-            </a:r>
-            <a:r>
-              <a:rPr lang="zh-TW" altLang="en-US" sz="5400" dirty="0" smtClean="0">
+              <a:t>慈繩愛索 緊緊索引我</a:t>
+            </a:r>
+            <a:endParaRPr lang="en-US" altLang="zh-TW" sz="5400" b="1" dirty="0" smtClean="0">
+              <a:solidFill>
+                <a:srgbClr val="000066"/>
+              </a:solidFill>
+              <a:latin typeface="微軟正黑體" pitchFamily="34" charset="-120"/>
+              <a:ea typeface="微軟正黑體" pitchFamily="34" charset="-120"/>
+            </a:endParaRPr>
+          </a:p>
+          <a:p>
+            <a:pPr algn="ctr">
+              <a:buNone/>
+            </a:pPr>
+            <a:r>
+              <a:rPr lang="zh-TW" altLang="en-US" sz="5400" b="1" dirty="0" smtClean="0">
+                <a:solidFill>
+                  <a:srgbClr val="000066"/>
+                </a:solidFill>
                 <a:latin typeface="微軟正黑體" pitchFamily="34" charset="-120"/>
                 <a:ea typeface="微軟正黑體" pitchFamily="34" charset="-120"/>
               </a:rPr>
-              <a:t>我</a:t>
-            </a:r>
-            <a:endParaRPr lang="en-US" altLang="zh-TW" sz="5400" dirty="0" smtClean="0">
+              <a:t>為我捨生 背起我罪</a:t>
+            </a:r>
+            <a:endParaRPr lang="en-US" altLang="zh-TW" sz="5400" b="1" dirty="0" smtClean="0">
+              <a:solidFill>
+                <a:srgbClr val="000066"/>
+              </a:solidFill>
               <a:latin typeface="微軟正黑體" pitchFamily="34" charset="-120"/>
               <a:ea typeface="微軟正黑體" pitchFamily="34" charset="-120"/>
             </a:endParaRPr>
@@ -3924,87 +3881,41 @@
               <a:buNone/>
             </a:pPr>
             <a:r>
-              <a:rPr lang="zh-TW" altLang="en-US" sz="5400" dirty="0" smtClean="0">
+              <a:rPr lang="zh-TW" altLang="en-US" sz="5400" b="1" dirty="0" smtClean="0">
+                <a:solidFill>
+                  <a:srgbClr val="000066"/>
+                </a:solidFill>
                 <a:latin typeface="微軟正黑體" pitchFamily="34" charset="-120"/>
                 <a:ea typeface="微軟正黑體" pitchFamily="34" charset="-120"/>
               </a:rPr>
-              <a:t>為</a:t>
-            </a:r>
-            <a:r>
-              <a:rPr lang="zh-TW" altLang="en-US" sz="5400" dirty="0" smtClean="0">
+              <a:t>護我一生 飛奔展翅上騰</a:t>
+            </a:r>
+            <a:endParaRPr lang="en-US" altLang="zh-TW" sz="5400" b="1" dirty="0" smtClean="0">
+              <a:solidFill>
+                <a:srgbClr val="000066"/>
+              </a:solidFill>
+              <a:latin typeface="微軟正黑體" pitchFamily="34" charset="-120"/>
+              <a:ea typeface="微軟正黑體" pitchFamily="34" charset="-120"/>
+            </a:endParaRPr>
+          </a:p>
+          <a:p>
+            <a:pPr algn="ctr">
+              <a:buNone/>
+            </a:pPr>
+            <a:r>
+              <a:rPr lang="zh-TW" altLang="en-US" sz="5400" b="1" dirty="0" smtClean="0">
+                <a:solidFill>
+                  <a:srgbClr val="000066"/>
+                </a:solidFill>
                 <a:latin typeface="微軟正黑體" pitchFamily="34" charset="-120"/>
                 <a:ea typeface="微軟正黑體" pitchFamily="34" charset="-120"/>
               </a:rPr>
-              <a:t>我捨生 背起我</a:t>
-            </a:r>
-            <a:r>
-              <a:rPr lang="zh-TW" altLang="en-US" sz="5400" dirty="0" smtClean="0">
-                <a:latin typeface="微軟正黑體" pitchFamily="34" charset="-120"/>
-                <a:ea typeface="微軟正黑體" pitchFamily="34" charset="-120"/>
-              </a:rPr>
-              <a:t>罪</a:t>
-            </a:r>
-            <a:endParaRPr lang="en-US" altLang="zh-TW" sz="5400" dirty="0" smtClean="0">
-              <a:latin typeface="微軟正黑體" pitchFamily="34" charset="-120"/>
-              <a:ea typeface="微軟正黑體" pitchFamily="34" charset="-120"/>
-            </a:endParaRPr>
-          </a:p>
-          <a:p>
-            <a:pPr algn="ctr">
-              <a:buNone/>
-            </a:pPr>
-            <a:r>
-              <a:rPr lang="zh-TW" altLang="en-US" sz="5400" dirty="0" smtClean="0">
-                <a:latin typeface="微軟正黑體" pitchFamily="34" charset="-120"/>
-                <a:ea typeface="微軟正黑體" pitchFamily="34" charset="-120"/>
-              </a:rPr>
-              <a:t>護</a:t>
-            </a:r>
-            <a:r>
-              <a:rPr lang="zh-TW" altLang="en-US" sz="5400" dirty="0" smtClean="0">
-                <a:latin typeface="微軟正黑體" pitchFamily="34" charset="-120"/>
-                <a:ea typeface="微軟正黑體" pitchFamily="34" charset="-120"/>
-              </a:rPr>
-              <a:t>我一生 飛奔展翅上</a:t>
-            </a:r>
-            <a:r>
-              <a:rPr lang="zh-TW" altLang="en-US" sz="5400" dirty="0" smtClean="0">
-                <a:latin typeface="微軟正黑體" pitchFamily="34" charset="-120"/>
-                <a:ea typeface="微軟正黑體" pitchFamily="34" charset="-120"/>
-              </a:rPr>
-              <a:t>騰</a:t>
-            </a:r>
-            <a:endParaRPr lang="en-US" altLang="zh-TW" sz="5400" dirty="0" smtClean="0">
-              <a:latin typeface="微軟正黑體" pitchFamily="34" charset="-120"/>
-              <a:ea typeface="微軟正黑體" pitchFamily="34" charset="-120"/>
-            </a:endParaRPr>
-          </a:p>
-          <a:p>
-            <a:pPr algn="ctr">
-              <a:buNone/>
-            </a:pPr>
-            <a:r>
-              <a:rPr lang="zh-TW" altLang="en-US" sz="5400" dirty="0" smtClean="0">
-                <a:latin typeface="微軟正黑體" pitchFamily="34" charset="-120"/>
-                <a:ea typeface="微軟正黑體" pitchFamily="34" charset="-120"/>
-              </a:rPr>
-              <a:t>在</a:t>
-            </a:r>
-            <a:r>
-              <a:rPr lang="zh-TW" altLang="en-US" sz="5400" dirty="0" smtClean="0">
-                <a:latin typeface="微軟正黑體" pitchFamily="34" charset="-120"/>
-                <a:ea typeface="微軟正黑體" pitchFamily="34" charset="-120"/>
-              </a:rPr>
-              <a:t>主裏能得</a:t>
-            </a:r>
-            <a:r>
-              <a:rPr lang="zh-TW" altLang="en-US" sz="5400" dirty="0" smtClean="0">
-                <a:latin typeface="微軟正黑體" pitchFamily="34" charset="-120"/>
-                <a:ea typeface="微軟正黑體" pitchFamily="34" charset="-120"/>
-              </a:rPr>
-              <a:t>安穩</a:t>
-            </a:r>
-            <a:endParaRPr lang="en-US" sz="5400" dirty="0">
+              <a:t>在主裏能得安穩</a:t>
+            </a:r>
+            <a:endParaRPr lang="en-US" altLang="en-US" sz="5400" b="1" dirty="0">
+              <a:solidFill>
+                <a:srgbClr val="000066"/>
+              </a:solidFill>
               <a:latin typeface="微軟正黑體" pitchFamily="34" charset="-120"/>
               <a:ea typeface="微軟正黑體" pitchFamily="34" charset="-120"/>
             </a:endParaRPr>
@@ -4055,21 +3966,28 @@
         </p:nvSpPr>
         <p:spPr/>
         <p:txBody>
-          <a:bodyPr/>
-          <a:lstStyle/>
-          <a:p>
-            <a:pPr algn="r"/>
-            <a:r>
-              <a:rPr lang="zh-TW" altLang="en-US" dirty="0" smtClean="0">
+          <a:bodyPr>
+            <a:normAutofit/>
+          </a:bodyPr>
+          <a:lstStyle/>
+          <a:p>
+            <a:r>
+              <a:rPr lang="zh-TW" altLang="en-US" b="1" dirty="0" smtClean="0">
                 <a:solidFill>
-                  <a:schemeClr val="bg1"/>
+                  <a:srgbClr val="000066"/>
                 </a:solidFill>
                 <a:latin typeface="微軟正黑體" pitchFamily="34" charset="-120"/>
                 <a:ea typeface="微軟正黑體" pitchFamily="34" charset="-120"/>
               </a:rPr>
               <a:t>慈繩愛索</a:t>
             </a:r>
-            <a:endParaRPr lang="zh-TW" altLang="en-US" dirty="0"/>
+            <a:endParaRPr lang="zh-TW" altLang="en-US" b="1" dirty="0">
+              <a:solidFill>
+                <a:srgbClr val="000066"/>
+              </a:solidFill>
+              <a:latin typeface="微軟正黑體" pitchFamily="34" charset="-120"/>
+              <a:ea typeface="微軟正黑體" pitchFamily="34" charset="-120"/>
+            </a:endParaRPr>
           </a:p>
         </p:txBody>
       </p:sp>
@@ -4088,11 +4006,7 @@
             <a:off x="457200" y="1600200"/>
             <a:ext cx="8229600" cy="5257800"/>
           </a:xfrm>
-          <a:solidFill>
-            <a:schemeClr val="bg1">
-              <a:alpha val="50000"/>
-            </a:schemeClr>
-          </a:solidFill>
+          <a:noFill/>
         </p:spPr>
         <p:txBody>
           <a:bodyPr>
@@ -4104,20 +4018,41 @@
               <a:buNone/>
             </a:pPr>
             <a:r>
-              <a:rPr lang="zh-TW" altLang="en-US" sz="5400" dirty="0" smtClean="0">
+              <a:rPr lang="zh-TW" altLang="en-US" sz="5400" b="1" dirty="0" smtClean="0">
+                <a:solidFill>
+                  <a:srgbClr val="000066"/>
+                </a:solidFill>
                 <a:latin typeface="微軟正黑體" pitchFamily="34" charset="-120"/>
                 <a:ea typeface="微軟正黑體" pitchFamily="34" charset="-120"/>
               </a:rPr>
-              <a:t>我願一生 歇力</a:t>
-            </a:r>
-            <a:r>
-              <a:rPr lang="zh-TW" altLang="en-US" sz="5400" dirty="0" smtClean="0">
+              <a:t>我願一生 歇力同行</a:t>
+            </a:r>
+            <a:endParaRPr lang="en-US" altLang="zh-TW" sz="5400" b="1" dirty="0" smtClean="0">
+              <a:solidFill>
+                <a:srgbClr val="000066"/>
+              </a:solidFill>
+              <a:latin typeface="微軟正黑體" pitchFamily="34" charset="-120"/>
+              <a:ea typeface="微軟正黑體" pitchFamily="34" charset="-120"/>
+            </a:endParaRPr>
+          </a:p>
+          <a:p>
+            <a:pPr algn="ctr">
+              <a:buNone/>
+            </a:pPr>
+            <a:r>
+              <a:rPr lang="zh-TW" altLang="en-US" sz="5400" b="1" dirty="0" smtClean="0">
+                <a:solidFill>
+                  <a:srgbClr val="000066"/>
+                </a:solidFill>
                 <a:latin typeface="微軟正黑體" pitchFamily="34" charset="-120"/>
                 <a:ea typeface="微軟正黑體" pitchFamily="34" charset="-120"/>
               </a:rPr>
-              <a:t>同行</a:t>
-            </a:r>
-            <a:endParaRPr lang="en-US" altLang="zh-TW" sz="5400" dirty="0" smtClean="0">
+              <a:t>讓我的心 每天讚頌</a:t>
+            </a:r>
+            <a:endParaRPr lang="en-US" altLang="zh-TW" sz="5400" b="1" dirty="0" smtClean="0">
+              <a:solidFill>
+                <a:srgbClr val="000066"/>
+              </a:solidFill>
               <a:latin typeface="微軟正黑體" pitchFamily="34" charset="-120"/>
               <a:ea typeface="微軟正黑體" pitchFamily="34" charset="-120"/>
             </a:endParaRPr>
@@ -4127,43 +4062,19 @@
               <a:buNone/>
             </a:pPr>
             <a:r>
-              <a:rPr lang="zh-TW" altLang="en-US" sz="5400" dirty="0" smtClean="0">
-                <a:latin typeface="微軟正黑體" pitchFamily="34" charset="-120"/>
-                <a:ea typeface="微軟正黑體" pitchFamily="34" charset="-120"/>
-              </a:rPr>
-              <a:t>讓</a:t>
-            </a:r>
-            <a:r>
-              <a:rPr lang="zh-TW" altLang="en-US" sz="5400" dirty="0" smtClean="0">
-                <a:latin typeface="微軟正黑體" pitchFamily="34" charset="-120"/>
-                <a:ea typeface="微軟正黑體" pitchFamily="34" charset="-120"/>
-              </a:rPr>
-              <a:t>我的心 每天</a:t>
-            </a:r>
-            <a:r>
-              <a:rPr lang="zh-TW" altLang="en-US" sz="5400" dirty="0" smtClean="0">
-                <a:latin typeface="微軟正黑體" pitchFamily="34" charset="-120"/>
-                <a:ea typeface="微軟正黑體" pitchFamily="34" charset="-120"/>
-              </a:rPr>
-              <a:t>讚頌</a:t>
-            </a:r>
-            <a:endParaRPr lang="en-US" altLang="zh-TW" sz="5400" dirty="0" smtClean="0">
-              <a:latin typeface="微軟正黑體" pitchFamily="34" charset="-120"/>
-              <a:ea typeface="微軟正黑體" pitchFamily="34" charset="-120"/>
-            </a:endParaRPr>
-          </a:p>
-          <a:p>
-            <a:pPr algn="ctr">
-              <a:buNone/>
-            </a:pPr>
-            <a:r>
-              <a:rPr lang="zh-TW" altLang="en-US" sz="5400" dirty="0" smtClean="0">
+              <a:rPr lang="zh-TW" altLang="en-US" sz="5400" b="1" dirty="0" smtClean="0">
+                <a:solidFill>
+                  <a:srgbClr val="000066"/>
+                </a:solidFill>
                 <a:latin typeface="微軟正黑體" pitchFamily="34" charset="-120"/>
                 <a:ea typeface="微軟正黑體" pitchFamily="34" charset="-120"/>
               </a:rPr>
               <a:t>徬徨人生不擔心</a:t>
             </a:r>
-            <a:endParaRPr lang="en-US" altLang="zh-TW" sz="5400" dirty="0" smtClean="0">
+            <a:endParaRPr lang="en-US" altLang="zh-TW" sz="5400" b="1" dirty="0" smtClean="0">
+              <a:solidFill>
+                <a:srgbClr val="000066"/>
+              </a:solidFill>
               <a:latin typeface="微軟正黑體" pitchFamily="34" charset="-120"/>
               <a:ea typeface="微軟正黑體" pitchFamily="34" charset="-120"/>
             </a:endParaRPr>
@@ -4173,57 +4084,41 @@
               <a:buNone/>
             </a:pPr>
             <a:r>
-              <a:rPr lang="zh-TW" altLang="en-US" sz="5400" dirty="0" smtClean="0">
+              <a:rPr lang="zh-TW" altLang="en-US" sz="5400" b="1" dirty="0" smtClean="0">
+                <a:solidFill>
+                  <a:srgbClr val="000066"/>
+                </a:solidFill>
                 <a:latin typeface="微軟正黑體" pitchFamily="34" charset="-120"/>
                 <a:ea typeface="微軟正黑體" pitchFamily="34" charset="-120"/>
               </a:rPr>
-              <a:t>因</a:t>
-            </a:r>
-            <a:r>
-              <a:rPr lang="zh-TW" altLang="en-US" sz="5400" dirty="0" smtClean="0">
+              <a:t>因有祢伴我行</a:t>
+            </a:r>
+            <a:endParaRPr lang="en-US" altLang="zh-TW" sz="5400" b="1" dirty="0" smtClean="0">
+              <a:solidFill>
+                <a:srgbClr val="000066"/>
+              </a:solidFill>
+              <a:latin typeface="微軟正黑體" pitchFamily="34" charset="-120"/>
+              <a:ea typeface="微軟正黑體" pitchFamily="34" charset="-120"/>
+            </a:endParaRPr>
+          </a:p>
+          <a:p>
+            <a:pPr algn="ctr">
+              <a:buNone/>
+            </a:pPr>
+            <a:r>
+              <a:rPr lang="zh-TW" altLang="en-US" sz="5400" b="1" dirty="0" smtClean="0">
+                <a:solidFill>
+                  <a:srgbClr val="000066"/>
+                </a:solidFill>
                 <a:latin typeface="微軟正黑體" pitchFamily="34" charset="-120"/>
                 <a:ea typeface="微軟正黑體" pitchFamily="34" charset="-120"/>
               </a:rPr>
-              <a:t>有祢伴我</a:t>
-            </a:r>
-            <a:r>
-              <a:rPr lang="zh-TW" altLang="en-US" sz="5400" dirty="0" smtClean="0">
-                <a:latin typeface="微軟正黑體" pitchFamily="34" charset="-120"/>
-                <a:ea typeface="微軟正黑體" pitchFamily="34" charset="-120"/>
-              </a:rPr>
-              <a:t>行</a:t>
-            </a:r>
-            <a:endParaRPr lang="en-US" altLang="zh-TW" sz="5400" dirty="0" smtClean="0">
-              <a:latin typeface="微軟正黑體" pitchFamily="34" charset="-120"/>
-              <a:ea typeface="微軟正黑體" pitchFamily="34" charset="-120"/>
-            </a:endParaRPr>
-          </a:p>
-          <a:p>
-            <a:pPr algn="ctr">
-              <a:buNone/>
-            </a:pPr>
-            <a:r>
-              <a:rPr lang="zh-TW" altLang="en-US" sz="5400" dirty="0" smtClean="0">
-                <a:latin typeface="微軟正黑體" pitchFamily="34" charset="-120"/>
-                <a:ea typeface="微軟正黑體" pitchFamily="34" charset="-120"/>
-              </a:rPr>
-              <a:t>靠</a:t>
-            </a:r>
-            <a:r>
-              <a:rPr lang="zh-TW" altLang="en-US" sz="5400" dirty="0" smtClean="0">
-                <a:latin typeface="微軟正黑體" pitchFamily="34" charset="-120"/>
-                <a:ea typeface="微軟正黑體" pitchFamily="34" charset="-120"/>
-              </a:rPr>
-              <a:t>着祢能走出</a:t>
-            </a:r>
-            <a:r>
-              <a:rPr lang="zh-TW" altLang="en-US" sz="5400" dirty="0" smtClean="0">
-                <a:latin typeface="微軟正黑體" pitchFamily="34" charset="-120"/>
-                <a:ea typeface="微軟正黑體" pitchFamily="34" charset="-120"/>
-              </a:rPr>
-              <a:t>黑暗</a:t>
-            </a:r>
-            <a:endParaRPr lang="en-US" sz="5400" dirty="0">
+              <a:t>靠着祢能走出黑暗</a:t>
+            </a:r>
+            <a:endParaRPr lang="en-US" altLang="en-US" sz="5400" b="1" dirty="0">
+              <a:solidFill>
+                <a:srgbClr val="000066"/>
+              </a:solidFill>
               <a:latin typeface="微軟正黑體" pitchFamily="34" charset="-120"/>
               <a:ea typeface="微軟正黑體" pitchFamily="34" charset="-120"/>
             </a:endParaRPr>
@@ -4277,18 +4172,23 @@
           <a:bodyPr/>
           <a:lstStyle/>
           <a:p>
-            <a:pPr algn="r"/>
-            <a:r>
-              <a:rPr lang="zh-TW" altLang="en-US" smtClean="0">
+            <a:r>
+              <a:rPr lang="zh-TW" altLang="en-US" b="1" dirty="0" smtClean="0">
                 <a:solidFill>
-                  <a:schemeClr val="bg1"/>
+                  <a:srgbClr val="000066"/>
                 </a:solidFill>
                 <a:latin typeface="微軟正黑體" pitchFamily="34" charset="-120"/>
                 <a:ea typeface="微軟正黑體" pitchFamily="34" charset="-120"/>
               </a:rPr>
               <a:t>慈繩愛索</a:t>
             </a:r>
-            <a:endParaRPr lang="zh-TW" altLang="en-US" dirty="0"/>
+            <a:endParaRPr lang="zh-TW" altLang="en-US" b="1" dirty="0">
+              <a:solidFill>
+                <a:srgbClr val="000066"/>
+              </a:solidFill>
+              <a:latin typeface="微軟正黑體" pitchFamily="34" charset="-120"/>
+              <a:ea typeface="微軟正黑體" pitchFamily="34" charset="-120"/>
+            </a:endParaRPr>
           </a:p>
         </p:txBody>
       </p:sp>
@@ -4307,11 +4207,7 @@
             <a:off x="457200" y="1600200"/>
             <a:ext cx="8229600" cy="3352800"/>
           </a:xfrm>
-          <a:solidFill>
-            <a:schemeClr val="bg1">
-              <a:alpha val="50000"/>
-            </a:schemeClr>
-          </a:solidFill>
+          <a:noFill/>
         </p:spPr>
         <p:txBody>
           <a:bodyPr>
@@ -4323,50 +4219,63 @@
               <a:buNone/>
             </a:pPr>
             <a:r>
-              <a:rPr lang="zh-TW" altLang="en-US" sz="5400" dirty="0" smtClean="0"/>
-              <a:t>徬徨</a:t>
-            </a:r>
-            <a:r>
-              <a:rPr lang="zh-TW" altLang="en-US" sz="5400" dirty="0" smtClean="0"/>
-              <a:t>人生擔心</a:t>
-            </a:r>
-            <a:endParaRPr lang="en-US" altLang="zh-TW" sz="5400" dirty="0" smtClean="0"/>
+              <a:rPr lang="zh-TW" altLang="en-US" sz="5400" b="1" dirty="0" smtClean="0">
+                <a:solidFill>
+                  <a:srgbClr val="000066"/>
+                </a:solidFill>
+                <a:latin typeface="微軟正黑體" pitchFamily="34" charset="-120"/>
+                <a:ea typeface="微軟正黑體" pitchFamily="34" charset="-120"/>
+              </a:rPr>
+              <a:t>徬徨人生擔心</a:t>
+            </a:r>
+            <a:endParaRPr lang="en-US" altLang="zh-TW" sz="5400" b="1" dirty="0" smtClean="0">
+              <a:solidFill>
+                <a:srgbClr val="000066"/>
+              </a:solidFill>
+              <a:latin typeface="微軟正黑體" pitchFamily="34" charset="-120"/>
+              <a:ea typeface="微軟正黑體" pitchFamily="34" charset="-120"/>
+            </a:endParaRPr>
           </a:p>
           <a:p>
             <a:pPr algn="ctr">
               <a:buNone/>
             </a:pPr>
             <a:r>
-              <a:rPr lang="zh-TW" altLang="en-US" sz="5400" dirty="0" smtClean="0"/>
-              <a:t>因</a:t>
-            </a:r>
-            <a:r>
-              <a:rPr lang="zh-TW" altLang="en-US" sz="5400" dirty="0" smtClean="0"/>
-              <a:t>有祢伴我</a:t>
-            </a:r>
-            <a:r>
-              <a:rPr lang="zh-TW" altLang="en-US" sz="5400" dirty="0" smtClean="0"/>
-              <a:t>行</a:t>
-            </a:r>
-            <a:endParaRPr lang="en-US" altLang="zh-TW" sz="5400" dirty="0" smtClean="0"/>
+              <a:rPr lang="zh-TW" altLang="en-US" sz="5400" b="1" dirty="0" smtClean="0">
+                <a:solidFill>
+                  <a:srgbClr val="000066"/>
+                </a:solidFill>
+                <a:latin typeface="微軟正黑體" pitchFamily="34" charset="-120"/>
+                <a:ea typeface="微軟正黑體" pitchFamily="34" charset="-120"/>
+              </a:rPr>
+              <a:t>因有祢伴我行</a:t>
+            </a:r>
+            <a:endParaRPr lang="en-US" altLang="zh-TW" sz="5400" b="1" dirty="0" smtClean="0">
+              <a:solidFill>
+                <a:srgbClr val="000066"/>
+              </a:solidFill>
+              <a:latin typeface="微軟正黑體" pitchFamily="34" charset="-120"/>
+              <a:ea typeface="微軟正黑體" pitchFamily="34" charset="-120"/>
+            </a:endParaRPr>
           </a:p>
           <a:p>
             <a:pPr algn="ctr">
               <a:buNone/>
             </a:pPr>
             <a:r>
-              <a:rPr lang="zh-TW" altLang="en-US" sz="5400" dirty="0" smtClean="0"/>
-              <a:t>靠</a:t>
-            </a:r>
-            <a:r>
-              <a:rPr lang="zh-TW" altLang="en-US" sz="5400" dirty="0" smtClean="0"/>
-              <a:t>着祢能走出</a:t>
-            </a:r>
-            <a:r>
-              <a:rPr lang="zh-TW" altLang="en-US" sz="5400" dirty="0" smtClean="0"/>
-              <a:t>黑暗</a:t>
-            </a:r>
-            <a:endParaRPr lang="en-US" sz="5400" dirty="0">
+              <a:rPr lang="zh-TW" altLang="en-US" sz="5400" b="1" dirty="0" smtClean="0">
+                <a:solidFill>
+                  <a:srgbClr val="000066"/>
+                </a:solidFill>
+                <a:latin typeface="微軟正黑體" pitchFamily="34" charset="-120"/>
+                <a:ea typeface="微軟正黑體" pitchFamily="34" charset="-120"/>
+              </a:rPr>
+              <a:t>靠着祢能走出黑暗</a:t>
+            </a:r>
+            <a:endParaRPr lang="en-US" altLang="en-US" sz="5400" b="1" dirty="0">
+              <a:solidFill>
+                <a:srgbClr val="000066"/>
+              </a:solidFill>
               <a:latin typeface="微軟正黑體" pitchFamily="34" charset="-120"/>
               <a:ea typeface="微軟正黑體" pitchFamily="34" charset="-120"/>
             </a:endParaRPr>
@@ -4389,7 +4298,7 @@
 </file>
 
 <file path=ppt/theme/theme1.xml><?xml version="1.0" encoding="utf-8"?>
-<a:theme xmlns:a="http://schemas.openxmlformats.org/drawingml/2006/main" name="Office Theme">
+<a:theme xmlns:a="http://schemas.openxmlformats.org/drawingml/2006/main" name="佈景主題1">
   <a:themeElements>
     <a:clrScheme name="Office">
       <a:dk1>

--- a/慈繩愛索.pptx
+++ b/慈繩愛索.pptx
@@ -14,7 +14,7 @@
     <p:sldId id="272" r:id="rId5"/>
     <p:sldId id="273" r:id="rId6"/>
   </p:sldIdLst>
-  <p:sldSz cx="9144000" cy="6858000" type="screen4x3"/>
+  <p:sldSz cx="12192000" cy="6858000"/>
   <p:notesSz cx="6858000" cy="9144000"/>
   <p:defaultTextStyle>
     <a:defPPr>
@@ -111,6 +111,22 @@
       </a:defRPr>
     </a:lvl9pPr>
   </p:defaultTextStyle>
+  <p:extLst>
+    <p:ext uri="{EFAFB233-063F-42B5-8137-9DF3F51BA10A}">
+      <p15:sldGuideLst xmlns:p15="http://schemas.microsoft.com/office/powerpoint/2012/main">
+        <p15:guide id="1" orient="horz" pos="2160" userDrawn="1">
+          <p15:clr>
+            <a:srgbClr val="A4A3A4"/>
+          </p15:clr>
+        </p15:guide>
+        <p15:guide id="2" pos="3840" userDrawn="1">
+          <p15:clr>
+            <a:srgbClr val="A4A3A4"/>
+          </p15:clr>
+        </p15:guide>
+      </p15:sldGuideLst>
+    </p:ext>
+  </p:extLst>
 </p:presentation>
 </file>
 
@@ -197,7 +213,7 @@
             <a:fld id="{6B6397C6-598F-4D38-863F-7522ED672FE8}" type="datetimeFigureOut">
               <a:rPr lang="zh-TW" altLang="en-US" smtClean="0"/>
               <a:pPr/>
-              <a:t>2019/1/12</a:t>
+              <a:t>2020/7/9</a:t>
             </a:fld>
             <a:endParaRPr lang="zh-TW" altLang="en-US"/>
           </a:p>
@@ -215,8 +231,8 @@
         </p:nvSpPr>
         <p:spPr>
           <a:xfrm>
-            <a:off x="1143000" y="685800"/>
-            <a:ext cx="4572000" cy="3429000"/>
+            <a:off x="381000" y="685800"/>
+            <a:ext cx="6096000" cy="3429000"/>
           </a:xfrm>
           <a:prstGeom prst="rect">
             <a:avLst/>
@@ -492,8 +508,8 @@
         </p:nvSpPr>
         <p:spPr>
           <a:xfrm>
-            <a:off x="685800" y="2130425"/>
-            <a:ext cx="7772400" cy="1470025"/>
+            <a:off x="914400" y="2130426"/>
+            <a:ext cx="10363200" cy="1470025"/>
           </a:xfrm>
         </p:spPr>
         <p:txBody>
@@ -520,8 +536,8 @@
         </p:nvSpPr>
         <p:spPr>
           <a:xfrm>
-            <a:off x="1371600" y="3886200"/>
-            <a:ext cx="6400800" cy="1752600"/>
+            <a:off x="1828800" y="3886200"/>
+            <a:ext cx="8534400" cy="1752600"/>
           </a:xfrm>
         </p:spPr>
         <p:txBody>
@@ -645,7 +661,7 @@
             <a:fld id="{966A72D3-5514-420D-9111-A867D6FCD5CB}" type="datetimeFigureOut">
               <a:rPr lang="en-US" smtClean="0"/>
               <a:pPr/>
-              <a:t>1/12/2019</a:t>
+              <a:t>7/9/2020</a:t>
             </a:fld>
             <a:endParaRPr lang="en-US"/>
           </a:p>
@@ -812,7 +828,7 @@
             <a:fld id="{966A72D3-5514-420D-9111-A867D6FCD5CB}" type="datetimeFigureOut">
               <a:rPr lang="en-US" smtClean="0"/>
               <a:pPr/>
-              <a:t>1/12/2019</a:t>
+              <a:t>7/9/2020</a:t>
             </a:fld>
             <a:endParaRPr lang="en-US"/>
           </a:p>
@@ -898,8 +914,8 @@
         </p:nvSpPr>
         <p:spPr>
           <a:xfrm>
-            <a:off x="6629400" y="274638"/>
-            <a:ext cx="2057400" cy="5851525"/>
+            <a:off x="8839200" y="274639"/>
+            <a:ext cx="2743200" cy="5851525"/>
           </a:xfrm>
         </p:spPr>
         <p:txBody>
@@ -926,8 +942,8 @@
         </p:nvSpPr>
         <p:spPr>
           <a:xfrm>
-            <a:off x="457200" y="274638"/>
-            <a:ext cx="6019800" cy="5851525"/>
+            <a:off x="609600" y="274639"/>
+            <a:ext cx="8026400" cy="5851525"/>
           </a:xfrm>
         </p:spPr>
         <p:txBody>
@@ -989,7 +1005,7 @@
             <a:fld id="{966A72D3-5514-420D-9111-A867D6FCD5CB}" type="datetimeFigureOut">
               <a:rPr lang="en-US" smtClean="0"/>
               <a:pPr/>
-              <a:t>1/12/2019</a:t>
+              <a:t>7/9/2020</a:t>
             </a:fld>
             <a:endParaRPr lang="en-US"/>
           </a:p>
@@ -1156,7 +1172,7 @@
             <a:fld id="{966A72D3-5514-420D-9111-A867D6FCD5CB}" type="datetimeFigureOut">
               <a:rPr lang="en-US" smtClean="0"/>
               <a:pPr/>
-              <a:t>1/12/2019</a:t>
+              <a:t>7/9/2020</a:t>
             </a:fld>
             <a:endParaRPr lang="en-US"/>
           </a:p>
@@ -1242,8 +1258,8 @@
         </p:nvSpPr>
         <p:spPr>
           <a:xfrm>
-            <a:off x="722313" y="4406900"/>
-            <a:ext cx="7772400" cy="1362075"/>
+            <a:off x="963084" y="4406901"/>
+            <a:ext cx="10363200" cy="1362075"/>
           </a:xfrm>
         </p:spPr>
         <p:txBody>
@@ -1274,8 +1290,8 @@
         </p:nvSpPr>
         <p:spPr>
           <a:xfrm>
-            <a:off x="722313" y="2906713"/>
-            <a:ext cx="7772400" cy="1500187"/>
+            <a:off x="963084" y="2906713"/>
+            <a:ext cx="10363200" cy="1500187"/>
           </a:xfrm>
         </p:spPr>
         <p:txBody>
@@ -1399,7 +1415,7 @@
             <a:fld id="{966A72D3-5514-420D-9111-A867D6FCD5CB}" type="datetimeFigureOut">
               <a:rPr lang="en-US" smtClean="0"/>
               <a:pPr/>
-              <a:t>1/12/2019</a:t>
+              <a:t>7/9/2020</a:t>
             </a:fld>
             <a:endParaRPr lang="en-US"/>
           </a:p>
@@ -1508,8 +1524,8 @@
         </p:nvSpPr>
         <p:spPr>
           <a:xfrm>
-            <a:off x="457200" y="1600200"/>
-            <a:ext cx="4038600" cy="4525963"/>
+            <a:off x="609600" y="1600201"/>
+            <a:ext cx="5384800" cy="4525963"/>
           </a:xfrm>
         </p:spPr>
         <p:txBody>
@@ -1593,8 +1609,8 @@
         </p:nvSpPr>
         <p:spPr>
           <a:xfrm>
-            <a:off x="4648200" y="1600200"/>
-            <a:ext cx="4038600" cy="4525963"/>
+            <a:off x="6197600" y="1600201"/>
+            <a:ext cx="5384800" cy="4525963"/>
           </a:xfrm>
         </p:spPr>
         <p:txBody>
@@ -1684,7 +1700,7 @@
             <a:fld id="{966A72D3-5514-420D-9111-A867D6FCD5CB}" type="datetimeFigureOut">
               <a:rPr lang="en-US" smtClean="0"/>
               <a:pPr/>
-              <a:t>1/12/2019</a:t>
+              <a:t>7/9/2020</a:t>
             </a:fld>
             <a:endParaRPr lang="en-US"/>
           </a:p>
@@ -1797,8 +1813,8 @@
         </p:nvSpPr>
         <p:spPr>
           <a:xfrm>
-            <a:off x="457200" y="1535113"/>
-            <a:ext cx="4040188" cy="639762"/>
+            <a:off x="609600" y="1535113"/>
+            <a:ext cx="5386917" cy="639762"/>
           </a:xfrm>
         </p:spPr>
         <p:txBody>
@@ -1862,8 +1878,8 @@
         </p:nvSpPr>
         <p:spPr>
           <a:xfrm>
-            <a:off x="457200" y="2174875"/>
-            <a:ext cx="4040188" cy="3951288"/>
+            <a:off x="609600" y="2174875"/>
+            <a:ext cx="5386917" cy="3951288"/>
           </a:xfrm>
         </p:spPr>
         <p:txBody>
@@ -1947,8 +1963,8 @@
         </p:nvSpPr>
         <p:spPr>
           <a:xfrm>
-            <a:off x="4645025" y="1535113"/>
-            <a:ext cx="4041775" cy="639762"/>
+            <a:off x="6193368" y="1535113"/>
+            <a:ext cx="5389033" cy="639762"/>
           </a:xfrm>
         </p:spPr>
         <p:txBody>
@@ -2012,8 +2028,8 @@
         </p:nvSpPr>
         <p:spPr>
           <a:xfrm>
-            <a:off x="4645025" y="2174875"/>
-            <a:ext cx="4041775" cy="3951288"/>
+            <a:off x="6193368" y="2174875"/>
+            <a:ext cx="5389033" cy="3951288"/>
           </a:xfrm>
         </p:spPr>
         <p:txBody>
@@ -2103,7 +2119,7 @@
             <a:fld id="{966A72D3-5514-420D-9111-A867D6FCD5CB}" type="datetimeFigureOut">
               <a:rPr lang="en-US" smtClean="0"/>
               <a:pPr/>
-              <a:t>1/12/2019</a:t>
+              <a:t>7/9/2020</a:t>
             </a:fld>
             <a:endParaRPr lang="en-US"/>
           </a:p>
@@ -2218,7 +2234,7 @@
             <a:fld id="{966A72D3-5514-420D-9111-A867D6FCD5CB}" type="datetimeFigureOut">
               <a:rPr lang="en-US" smtClean="0"/>
               <a:pPr/>
-              <a:t>1/12/2019</a:t>
+              <a:t>7/9/2020</a:t>
             </a:fld>
             <a:endParaRPr lang="en-US"/>
           </a:p>
@@ -2310,7 +2326,7 @@
             <a:fld id="{966A72D3-5514-420D-9111-A867D6FCD5CB}" type="datetimeFigureOut">
               <a:rPr lang="en-US" smtClean="0"/>
               <a:pPr/>
-              <a:t>1/12/2019</a:t>
+              <a:t>7/9/2020</a:t>
             </a:fld>
             <a:endParaRPr lang="en-US"/>
           </a:p>
@@ -2396,8 +2412,8 @@
         </p:nvSpPr>
         <p:spPr>
           <a:xfrm>
-            <a:off x="457200" y="273050"/>
-            <a:ext cx="3008313" cy="1162050"/>
+            <a:off x="609601" y="273050"/>
+            <a:ext cx="4011084" cy="1162050"/>
           </a:xfrm>
         </p:spPr>
         <p:txBody>
@@ -2428,8 +2444,8 @@
         </p:nvSpPr>
         <p:spPr>
           <a:xfrm>
-            <a:off x="3575050" y="273050"/>
-            <a:ext cx="5111750" cy="5853113"/>
+            <a:off x="4766733" y="273051"/>
+            <a:ext cx="6815667" cy="5853113"/>
           </a:xfrm>
         </p:spPr>
         <p:txBody>
@@ -2513,8 +2529,8 @@
         </p:nvSpPr>
         <p:spPr>
           <a:xfrm>
-            <a:off x="457200" y="1435100"/>
-            <a:ext cx="3008313" cy="4691063"/>
+            <a:off x="609601" y="1435101"/>
+            <a:ext cx="4011084" cy="4691063"/>
           </a:xfrm>
         </p:spPr>
         <p:txBody>
@@ -2584,7 +2600,7 @@
             <a:fld id="{966A72D3-5514-420D-9111-A867D6FCD5CB}" type="datetimeFigureOut">
               <a:rPr lang="en-US" smtClean="0"/>
               <a:pPr/>
-              <a:t>1/12/2019</a:t>
+              <a:t>7/9/2020</a:t>
             </a:fld>
             <a:endParaRPr lang="en-US"/>
           </a:p>
@@ -2670,8 +2686,8 @@
         </p:nvSpPr>
         <p:spPr>
           <a:xfrm>
-            <a:off x="1792288" y="4800600"/>
-            <a:ext cx="5486400" cy="566738"/>
+            <a:off x="2389717" y="4800600"/>
+            <a:ext cx="7315200" cy="566738"/>
           </a:xfrm>
         </p:spPr>
         <p:txBody>
@@ -2702,8 +2718,8 @@
         </p:nvSpPr>
         <p:spPr>
           <a:xfrm>
-            <a:off x="1792288" y="612775"/>
-            <a:ext cx="5486400" cy="4114800"/>
+            <a:off x="2389717" y="612775"/>
+            <a:ext cx="7315200" cy="4114800"/>
           </a:xfrm>
         </p:spPr>
         <p:txBody>
@@ -2767,8 +2783,8 @@
         </p:nvSpPr>
         <p:spPr>
           <a:xfrm>
-            <a:off x="1792288" y="5367338"/>
-            <a:ext cx="5486400" cy="804862"/>
+            <a:off x="2389717" y="5367338"/>
+            <a:ext cx="7315200" cy="804862"/>
           </a:xfrm>
         </p:spPr>
         <p:txBody>
@@ -2838,7 +2854,7 @@
             <a:fld id="{966A72D3-5514-420D-9111-A867D6FCD5CB}" type="datetimeFigureOut">
               <a:rPr lang="en-US" smtClean="0"/>
               <a:pPr/>
-              <a:t>1/12/2019</a:t>
+              <a:t>7/9/2020</a:t>
             </a:fld>
             <a:endParaRPr lang="en-US"/>
           </a:p>
@@ -2934,8 +2950,8 @@
         </p:nvSpPr>
         <p:spPr>
           <a:xfrm>
-            <a:off x="457200" y="274638"/>
-            <a:ext cx="8229600" cy="1143000"/>
+            <a:off x="609600" y="274638"/>
+            <a:ext cx="10972800" cy="1143000"/>
           </a:xfrm>
           <a:prstGeom prst="rect">
             <a:avLst/>
@@ -2967,8 +2983,8 @@
         </p:nvSpPr>
         <p:spPr>
           <a:xfrm>
-            <a:off x="457200" y="1600200"/>
-            <a:ext cx="8229600" cy="4525963"/>
+            <a:off x="609600" y="1600201"/>
+            <a:ext cx="10972800" cy="4525963"/>
           </a:xfrm>
           <a:prstGeom prst="rect">
             <a:avLst/>
@@ -3029,8 +3045,8 @@
         </p:nvSpPr>
         <p:spPr>
           <a:xfrm>
-            <a:off x="457200" y="6356350"/>
-            <a:ext cx="2133600" cy="365125"/>
+            <a:off x="609600" y="6356351"/>
+            <a:ext cx="2844800" cy="365125"/>
           </a:xfrm>
           <a:prstGeom prst="rect">
             <a:avLst/>
@@ -3053,7 +3069,7 @@
             <a:fld id="{966A72D3-5514-420D-9111-A867D6FCD5CB}" type="datetimeFigureOut">
               <a:rPr lang="en-US" smtClean="0"/>
               <a:pPr/>
-              <a:t>1/12/2019</a:t>
+              <a:t>7/9/2020</a:t>
             </a:fld>
             <a:endParaRPr lang="en-US"/>
           </a:p>
@@ -3071,8 +3087,8 @@
         </p:nvSpPr>
         <p:spPr>
           <a:xfrm>
-            <a:off x="3124200" y="6356350"/>
-            <a:ext cx="2895600" cy="365125"/>
+            <a:off x="4165600" y="6356351"/>
+            <a:ext cx="3860800" cy="365125"/>
           </a:xfrm>
           <a:prstGeom prst="rect">
             <a:avLst/>
@@ -3108,8 +3124,8 @@
         </p:nvSpPr>
         <p:spPr>
           <a:xfrm>
-            <a:off x="6553200" y="6356350"/>
-            <a:ext cx="2133600" cy="365125"/>
+            <a:off x="8737600" y="6356351"/>
+            <a:ext cx="2844800" cy="365125"/>
           </a:xfrm>
           <a:prstGeom prst="rect">
             <a:avLst/>
@@ -3436,11 +3452,13 @@
         </p:nvSpPr>
         <p:spPr/>
         <p:txBody>
-          <a:bodyPr/>
-          <a:lstStyle/>
-          <a:p>
-            <a:r>
-              <a:rPr lang="zh-TW" altLang="en-US" b="1" dirty="0" smtClean="0">
+          <a:bodyPr>
+            <a:normAutofit/>
+          </a:bodyPr>
+          <a:lstStyle/>
+          <a:p>
+            <a:r>
+              <a:rPr lang="zh-TW" altLang="en-US" sz="4800" b="1" dirty="0" smtClean="0">
                 <a:solidFill>
                   <a:srgbClr val="000066"/>
                 </a:solidFill>
@@ -3449,7 +3467,7 @@
               </a:rPr>
               <a:t>慈繩愛索</a:t>
             </a:r>
-            <a:endParaRPr lang="zh-TW" altLang="en-US" b="1" dirty="0">
+            <a:endParaRPr lang="zh-TW" altLang="en-US" sz="4800" b="1" dirty="0">
               <a:solidFill>
                 <a:srgbClr val="000066"/>
               </a:solidFill>
@@ -3480,7 +3498,7 @@
               <a:buNone/>
             </a:pPr>
             <a:r>
-              <a:rPr lang="zh-TW" altLang="en-US" sz="5400" b="1" dirty="0" smtClean="0">
+              <a:rPr lang="zh-TW" altLang="en-US" sz="5400" b="1" dirty="0">
                 <a:solidFill>
                   <a:srgbClr val="000066"/>
                 </a:solidFill>
@@ -3489,7 +3507,7 @@
               </a:rPr>
               <a:t>來到祢的寶座前</a:t>
             </a:r>
-            <a:endParaRPr lang="en-US" altLang="zh-TW" sz="5400" b="1" dirty="0" smtClean="0">
+            <a:endParaRPr lang="en-US" altLang="zh-TW" sz="5400" b="1" dirty="0">
               <a:solidFill>
                 <a:srgbClr val="000066"/>
               </a:solidFill>
@@ -3502,7 +3520,7 @@
               <a:buNone/>
             </a:pPr>
             <a:r>
-              <a:rPr lang="zh-TW" altLang="en-US" sz="5400" b="1" dirty="0" smtClean="0">
+              <a:rPr lang="zh-TW" altLang="en-US" sz="5400" b="1" dirty="0">
                 <a:solidFill>
                   <a:srgbClr val="000066"/>
                 </a:solidFill>
@@ -3511,7 +3529,7 @@
               </a:rPr>
               <a:t>我舉起雙手讚頌</a:t>
             </a:r>
-            <a:endParaRPr lang="en-US" altLang="zh-TW" sz="5400" b="1" dirty="0" smtClean="0">
+            <a:endParaRPr lang="en-US" altLang="zh-TW" sz="5400" b="1" dirty="0">
               <a:solidFill>
                 <a:srgbClr val="000066"/>
               </a:solidFill>
@@ -3524,7 +3542,7 @@
               <a:buNone/>
             </a:pPr>
             <a:r>
-              <a:rPr lang="zh-TW" altLang="en-US" sz="5400" b="1" dirty="0" smtClean="0">
+              <a:rPr lang="zh-TW" altLang="en-US" sz="5400" b="1" dirty="0">
                 <a:solidFill>
                   <a:srgbClr val="000066"/>
                 </a:solidFill>
@@ -3534,7 +3552,7 @@
               <a:t>祢配得一切榮耀尊貴</a:t>
             </a:r>
             <a:r>
-              <a:rPr lang="en-US" altLang="zh-TW" sz="5400" b="1" dirty="0" smtClean="0">
+              <a:rPr lang="en-US" altLang="zh-TW" sz="5400" b="1" dirty="0">
                 <a:solidFill>
                   <a:srgbClr val="000066"/>
                 </a:solidFill>
@@ -3549,7 +3567,7 @@
               <a:buNone/>
             </a:pPr>
             <a:r>
-              <a:rPr lang="zh-TW" altLang="en-US" sz="5400" b="1" dirty="0" smtClean="0">
+              <a:rPr lang="zh-TW" altLang="en-US" sz="5400" b="1" dirty="0">
                 <a:solidFill>
                   <a:srgbClr val="000066"/>
                 </a:solidFill>
@@ -3618,7 +3636,7 @@
           <a:lstStyle/>
           <a:p>
             <a:r>
-              <a:rPr lang="zh-TW" altLang="en-US" b="1" dirty="0" smtClean="0">
+              <a:rPr lang="zh-TW" altLang="en-US" sz="4800" b="1" dirty="0">
                 <a:solidFill>
                   <a:srgbClr val="000066"/>
                 </a:solidFill>
@@ -3627,7 +3645,7 @@
               </a:rPr>
               <a:t>慈繩愛索</a:t>
             </a:r>
-            <a:endParaRPr lang="zh-TW" altLang="en-US" b="1" dirty="0">
+            <a:endParaRPr lang="zh-TW" altLang="en-US" sz="4800" b="1" dirty="0">
               <a:solidFill>
                 <a:srgbClr val="000066"/>
               </a:solidFill>
@@ -3660,7 +3678,7 @@
               <a:buNone/>
             </a:pPr>
             <a:r>
-              <a:rPr lang="zh-TW" altLang="en-US" sz="5400" b="1" dirty="0" smtClean="0">
+              <a:rPr lang="zh-TW" altLang="en-US" sz="5400" b="1" dirty="0">
                 <a:solidFill>
                   <a:srgbClr val="000066"/>
                 </a:solidFill>
@@ -3669,7 +3687,7 @@
               </a:rPr>
               <a:t>來到祢施恩座前</a:t>
             </a:r>
-            <a:endParaRPr lang="en-US" altLang="zh-TW" sz="5400" b="1" dirty="0" smtClean="0">
+            <a:endParaRPr lang="en-US" altLang="zh-TW" sz="5400" b="1" dirty="0">
               <a:solidFill>
                 <a:srgbClr val="000066"/>
               </a:solidFill>
@@ -3682,7 +3700,7 @@
               <a:buNone/>
             </a:pPr>
             <a:r>
-              <a:rPr lang="zh-TW" altLang="en-US" sz="5400" b="1" dirty="0" smtClean="0">
+              <a:rPr lang="zh-TW" altLang="en-US" sz="5400" b="1" dirty="0">
                 <a:solidFill>
                   <a:srgbClr val="000066"/>
                 </a:solidFill>
@@ -3691,7 +3709,7 @@
               </a:rPr>
               <a:t>我將我的心奉獻</a:t>
             </a:r>
-            <a:endParaRPr lang="en-US" altLang="zh-TW" sz="5400" b="1" dirty="0" smtClean="0">
+            <a:endParaRPr lang="en-US" altLang="zh-TW" sz="5400" b="1" dirty="0">
               <a:solidFill>
                 <a:srgbClr val="000066"/>
               </a:solidFill>
@@ -3704,7 +3722,7 @@
               <a:buNone/>
             </a:pPr>
             <a:r>
-              <a:rPr lang="zh-TW" altLang="en-US" sz="5400" b="1" dirty="0" smtClean="0">
+              <a:rPr lang="zh-TW" altLang="en-US" sz="5400" b="1" dirty="0">
                 <a:solidFill>
                   <a:srgbClr val="000066"/>
                 </a:solidFill>
@@ -3713,7 +3731,7 @@
               </a:rPr>
               <a:t>惟獨祢愛我天天不改變</a:t>
             </a:r>
-            <a:endParaRPr lang="en-US" altLang="zh-TW" sz="5400" b="1" dirty="0" smtClean="0">
+            <a:endParaRPr lang="en-US" altLang="zh-TW" sz="5400" b="1" dirty="0">
               <a:solidFill>
                 <a:srgbClr val="000066"/>
               </a:solidFill>
@@ -3726,7 +3744,7 @@
               <a:buNone/>
             </a:pPr>
             <a:r>
-              <a:rPr lang="zh-TW" altLang="en-US" sz="5400" b="1" dirty="0" smtClean="0">
+              <a:rPr lang="zh-TW" altLang="en-US" sz="5400" b="1" dirty="0">
                 <a:solidFill>
                   <a:srgbClr val="000066"/>
                 </a:solidFill>
@@ -3795,7 +3813,7 @@
           <a:lstStyle/>
           <a:p>
             <a:r>
-              <a:rPr lang="zh-TW" altLang="en-US" b="1" dirty="0" smtClean="0">
+              <a:rPr lang="zh-TW" altLang="en-US" sz="4800" b="1" dirty="0">
                 <a:solidFill>
                   <a:srgbClr val="000066"/>
                 </a:solidFill>
@@ -3804,7 +3822,7 @@
               </a:rPr>
               <a:t>慈繩愛索</a:t>
             </a:r>
-            <a:endParaRPr lang="zh-TW" altLang="en-US" b="1" dirty="0">
+            <a:endParaRPr lang="zh-TW" altLang="en-US" sz="4800" b="1" dirty="0">
               <a:solidFill>
                 <a:srgbClr val="000066"/>
               </a:solidFill>
@@ -3837,7 +3855,7 @@
               <a:buNone/>
             </a:pPr>
             <a:r>
-              <a:rPr lang="zh-TW" altLang="en-US" sz="5400" b="1" dirty="0" smtClean="0">
+              <a:rPr lang="zh-TW" altLang="en-US" sz="5400" b="1" dirty="0">
                 <a:solidFill>
                   <a:srgbClr val="000066"/>
                 </a:solidFill>
@@ -3846,7 +3864,7 @@
               </a:rPr>
               <a:t>慈繩愛索 緊緊索引我</a:t>
             </a:r>
-            <a:endParaRPr lang="en-US" altLang="zh-TW" sz="5400" b="1" dirty="0" smtClean="0">
+            <a:endParaRPr lang="en-US" altLang="zh-TW" sz="5400" b="1" dirty="0">
               <a:solidFill>
                 <a:srgbClr val="000066"/>
               </a:solidFill>
@@ -3859,7 +3877,7 @@
               <a:buNone/>
             </a:pPr>
             <a:r>
-              <a:rPr lang="zh-TW" altLang="en-US" sz="5400" b="1" dirty="0" smtClean="0">
+              <a:rPr lang="zh-TW" altLang="en-US" sz="5400" b="1" dirty="0">
                 <a:solidFill>
                   <a:srgbClr val="000066"/>
                 </a:solidFill>
@@ -3868,7 +3886,7 @@
               </a:rPr>
               <a:t>為我捨生 背起我罪</a:t>
             </a:r>
-            <a:endParaRPr lang="en-US" altLang="zh-TW" sz="5400" b="1" dirty="0" smtClean="0">
+            <a:endParaRPr lang="en-US" altLang="zh-TW" sz="5400" b="1" dirty="0">
               <a:solidFill>
                 <a:srgbClr val="000066"/>
               </a:solidFill>
@@ -3881,7 +3899,7 @@
               <a:buNone/>
             </a:pPr>
             <a:r>
-              <a:rPr lang="zh-TW" altLang="en-US" sz="5400" b="1" dirty="0" smtClean="0">
+              <a:rPr lang="zh-TW" altLang="en-US" sz="5400" b="1" dirty="0">
                 <a:solidFill>
                   <a:srgbClr val="000066"/>
                 </a:solidFill>
@@ -3890,7 +3908,7 @@
               </a:rPr>
               <a:t>護我一生 飛奔展翅上騰</a:t>
             </a:r>
-            <a:endParaRPr lang="en-US" altLang="zh-TW" sz="5400" b="1" dirty="0" smtClean="0">
+            <a:endParaRPr lang="en-US" altLang="zh-TW" sz="5400" b="1" dirty="0">
               <a:solidFill>
                 <a:srgbClr val="000066"/>
               </a:solidFill>
@@ -3903,7 +3921,7 @@
               <a:buNone/>
             </a:pPr>
             <a:r>
-              <a:rPr lang="zh-TW" altLang="en-US" sz="5400" b="1" dirty="0" smtClean="0">
+              <a:rPr lang="zh-TW" altLang="en-US" sz="5400" b="1" dirty="0">
                 <a:solidFill>
                   <a:srgbClr val="000066"/>
                 </a:solidFill>
@@ -3972,7 +3990,7 @@
           <a:lstStyle/>
           <a:p>
             <a:r>
-              <a:rPr lang="zh-TW" altLang="en-US" b="1" dirty="0" smtClean="0">
+              <a:rPr lang="zh-TW" altLang="en-US" sz="4800" b="1" dirty="0">
                 <a:solidFill>
                   <a:srgbClr val="000066"/>
                 </a:solidFill>
@@ -3981,7 +3999,7 @@
               </a:rPr>
               <a:t>慈繩愛索</a:t>
             </a:r>
-            <a:endParaRPr lang="zh-TW" altLang="en-US" b="1" dirty="0">
+            <a:endParaRPr lang="zh-TW" altLang="en-US" sz="4800" b="1" dirty="0">
               <a:solidFill>
                 <a:srgbClr val="000066"/>
               </a:solidFill>
@@ -4003,7 +4021,7 @@
         </p:nvSpPr>
         <p:spPr>
           <a:xfrm>
-            <a:off x="457200" y="1600200"/>
+            <a:off x="1981200" y="1600200"/>
             <a:ext cx="8229600" cy="5257800"/>
           </a:xfrm>
           <a:noFill/>
@@ -4018,7 +4036,7 @@
               <a:buNone/>
             </a:pPr>
             <a:r>
-              <a:rPr lang="zh-TW" altLang="en-US" sz="5400" b="1" dirty="0" smtClean="0">
+              <a:rPr lang="zh-TW" altLang="en-US" sz="5400" b="1" dirty="0">
                 <a:solidFill>
                   <a:srgbClr val="000066"/>
                 </a:solidFill>
@@ -4027,7 +4045,7 @@
               </a:rPr>
               <a:t>我願一生 歇力同行</a:t>
             </a:r>
-            <a:endParaRPr lang="en-US" altLang="zh-TW" sz="5400" b="1" dirty="0" smtClean="0">
+            <a:endParaRPr lang="en-US" altLang="zh-TW" sz="5400" b="1" dirty="0">
               <a:solidFill>
                 <a:srgbClr val="000066"/>
               </a:solidFill>
@@ -4040,7 +4058,7 @@
               <a:buNone/>
             </a:pPr>
             <a:r>
-              <a:rPr lang="zh-TW" altLang="en-US" sz="5400" b="1" dirty="0" smtClean="0">
+              <a:rPr lang="zh-TW" altLang="en-US" sz="5400" b="1" dirty="0">
                 <a:solidFill>
                   <a:srgbClr val="000066"/>
                 </a:solidFill>
@@ -4049,7 +4067,7 @@
               </a:rPr>
               <a:t>讓我的心 每天讚頌</a:t>
             </a:r>
-            <a:endParaRPr lang="en-US" altLang="zh-TW" sz="5400" b="1" dirty="0" smtClean="0">
+            <a:endParaRPr lang="en-US" altLang="zh-TW" sz="5400" b="1" dirty="0">
               <a:solidFill>
                 <a:srgbClr val="000066"/>
               </a:solidFill>
@@ -4062,7 +4080,7 @@
               <a:buNone/>
             </a:pPr>
             <a:r>
-              <a:rPr lang="zh-TW" altLang="en-US" sz="5400" b="1" dirty="0" smtClean="0">
+              <a:rPr lang="zh-TW" altLang="en-US" sz="5400" b="1" dirty="0">
                 <a:solidFill>
                   <a:srgbClr val="000066"/>
                 </a:solidFill>
@@ -4071,7 +4089,7 @@
               </a:rPr>
               <a:t>徬徨人生不擔心</a:t>
             </a:r>
-            <a:endParaRPr lang="en-US" altLang="zh-TW" sz="5400" b="1" dirty="0" smtClean="0">
+            <a:endParaRPr lang="en-US" altLang="zh-TW" sz="5400" b="1" dirty="0">
               <a:solidFill>
                 <a:srgbClr val="000066"/>
               </a:solidFill>
@@ -4084,7 +4102,7 @@
               <a:buNone/>
             </a:pPr>
             <a:r>
-              <a:rPr lang="zh-TW" altLang="en-US" sz="5400" b="1" dirty="0" smtClean="0">
+              <a:rPr lang="zh-TW" altLang="en-US" sz="5400" b="1" dirty="0">
                 <a:solidFill>
                   <a:srgbClr val="000066"/>
                 </a:solidFill>
@@ -4093,7 +4111,7 @@
               </a:rPr>
               <a:t>因有祢伴我行</a:t>
             </a:r>
-            <a:endParaRPr lang="en-US" altLang="zh-TW" sz="5400" b="1" dirty="0" smtClean="0">
+            <a:endParaRPr lang="en-US" altLang="zh-TW" sz="5400" b="1" dirty="0">
               <a:solidFill>
                 <a:srgbClr val="000066"/>
               </a:solidFill>
@@ -4106,7 +4124,7 @@
               <a:buNone/>
             </a:pPr>
             <a:r>
-              <a:rPr lang="zh-TW" altLang="en-US" sz="5400" b="1" dirty="0" smtClean="0">
+              <a:rPr lang="zh-TW" altLang="en-US" sz="5400" b="1" dirty="0">
                 <a:solidFill>
                   <a:srgbClr val="000066"/>
                 </a:solidFill>
@@ -4169,11 +4187,13 @@
         </p:nvSpPr>
         <p:spPr/>
         <p:txBody>
-          <a:bodyPr/>
-          <a:lstStyle/>
-          <a:p>
-            <a:r>
-              <a:rPr lang="zh-TW" altLang="en-US" b="1" dirty="0" smtClean="0">
+          <a:bodyPr>
+            <a:normAutofit/>
+          </a:bodyPr>
+          <a:lstStyle/>
+          <a:p>
+            <a:r>
+              <a:rPr lang="zh-TW" altLang="en-US" sz="4800" b="1" dirty="0">
                 <a:solidFill>
                   <a:srgbClr val="000066"/>
                 </a:solidFill>
@@ -4182,7 +4202,7 @@
               </a:rPr>
               <a:t>慈繩愛索</a:t>
             </a:r>
-            <a:endParaRPr lang="zh-TW" altLang="en-US" b="1" dirty="0">
+            <a:endParaRPr lang="zh-TW" altLang="en-US" sz="4800" b="1" dirty="0">
               <a:solidFill>
                 <a:srgbClr val="000066"/>
               </a:solidFill>
@@ -4204,7 +4224,7 @@
         </p:nvSpPr>
         <p:spPr>
           <a:xfrm>
-            <a:off x="457200" y="1600200"/>
+            <a:off x="1981200" y="1600200"/>
             <a:ext cx="8229600" cy="3352800"/>
           </a:xfrm>
           <a:noFill/>
@@ -4219,7 +4239,7 @@
               <a:buNone/>
             </a:pPr>
             <a:r>
-              <a:rPr lang="zh-TW" altLang="en-US" sz="5400" b="1" dirty="0" smtClean="0">
+              <a:rPr lang="zh-TW" altLang="en-US" sz="5400" b="1" dirty="0">
                 <a:solidFill>
                   <a:srgbClr val="000066"/>
                 </a:solidFill>
@@ -4228,7 +4248,7 @@
               </a:rPr>
               <a:t>徬徨人生擔心</a:t>
             </a:r>
-            <a:endParaRPr lang="en-US" altLang="zh-TW" sz="5400" b="1" dirty="0" smtClean="0">
+            <a:endParaRPr lang="en-US" altLang="zh-TW" sz="5400" b="1" dirty="0">
               <a:solidFill>
                 <a:srgbClr val="000066"/>
               </a:solidFill>
@@ -4241,7 +4261,7 @@
               <a:buNone/>
             </a:pPr>
             <a:r>
-              <a:rPr lang="zh-TW" altLang="en-US" sz="5400" b="1" dirty="0" smtClean="0">
+              <a:rPr lang="zh-TW" altLang="en-US" sz="5400" b="1" dirty="0">
                 <a:solidFill>
                   <a:srgbClr val="000066"/>
                 </a:solidFill>
@@ -4250,7 +4270,7 @@
               </a:rPr>
               <a:t>因有祢伴我行</a:t>
             </a:r>
-            <a:endParaRPr lang="en-US" altLang="zh-TW" sz="5400" b="1" dirty="0" smtClean="0">
+            <a:endParaRPr lang="en-US" altLang="zh-TW" sz="5400" b="1" dirty="0">
               <a:solidFill>
                 <a:srgbClr val="000066"/>
               </a:solidFill>
@@ -4263,7 +4283,7 @@
               <a:buNone/>
             </a:pPr>
             <a:r>
-              <a:rPr lang="zh-TW" altLang="en-US" sz="5400" b="1" dirty="0" smtClean="0">
+              <a:rPr lang="zh-TW" altLang="en-US" sz="5400" b="1" dirty="0">
                 <a:solidFill>
                   <a:srgbClr val="000066"/>
                 </a:solidFill>

--- a/慈繩愛索.pptx
+++ b/慈繩愛索.pptx
@@ -5,14 +5,18 @@
     <p:sldMasterId id="2147483660" r:id="rId1"/>
   </p:sldMasterIdLst>
   <p:notesMasterIdLst>
-    <p:notesMasterId r:id="rId7"/>
+    <p:notesMasterId r:id="rId11"/>
   </p:notesMasterIdLst>
   <p:sldIdLst>
-    <p:sldId id="269" r:id="rId2"/>
-    <p:sldId id="270" r:id="rId3"/>
-    <p:sldId id="271" r:id="rId4"/>
-    <p:sldId id="272" r:id="rId5"/>
-    <p:sldId id="273" r:id="rId6"/>
+    <p:sldId id="273" r:id="rId2"/>
+    <p:sldId id="274" r:id="rId3"/>
+    <p:sldId id="275" r:id="rId4"/>
+    <p:sldId id="276" r:id="rId5"/>
+    <p:sldId id="277" r:id="rId6"/>
+    <p:sldId id="278" r:id="rId7"/>
+    <p:sldId id="279" r:id="rId8"/>
+    <p:sldId id="280" r:id="rId9"/>
+    <p:sldId id="281" r:id="rId10"/>
   </p:sldIdLst>
   <p:sldSz cx="12192000" cy="6858000"/>
   <p:notesSz cx="6858000" cy="9144000"/>
@@ -213,7 +217,7 @@
             <a:fld id="{6B6397C6-598F-4D38-863F-7522ED672FE8}" type="datetimeFigureOut">
               <a:rPr lang="zh-TW" altLang="en-US" smtClean="0"/>
               <a:pPr/>
-              <a:t>2020/7/9</a:t>
+              <a:t>2023/9/9</a:t>
             </a:fld>
             <a:endParaRPr lang="zh-TW" altLang="en-US"/>
           </a:p>
@@ -661,7 +665,7 @@
             <a:fld id="{966A72D3-5514-420D-9111-A867D6FCD5CB}" type="datetimeFigureOut">
               <a:rPr lang="en-US" smtClean="0"/>
               <a:pPr/>
-              <a:t>7/9/2020</a:t>
+              <a:t>9/9/2023</a:t>
             </a:fld>
             <a:endParaRPr lang="en-US"/>
           </a:p>
@@ -828,7 +832,7 @@
             <a:fld id="{966A72D3-5514-420D-9111-A867D6FCD5CB}" type="datetimeFigureOut">
               <a:rPr lang="en-US" smtClean="0"/>
               <a:pPr/>
-              <a:t>7/9/2020</a:t>
+              <a:t>9/9/2023</a:t>
             </a:fld>
             <a:endParaRPr lang="en-US"/>
           </a:p>
@@ -1005,7 +1009,7 @@
             <a:fld id="{966A72D3-5514-420D-9111-A867D6FCD5CB}" type="datetimeFigureOut">
               <a:rPr lang="en-US" smtClean="0"/>
               <a:pPr/>
-              <a:t>7/9/2020</a:t>
+              <a:t>9/9/2023</a:t>
             </a:fld>
             <a:endParaRPr lang="en-US"/>
           </a:p>
@@ -1172,7 +1176,7 @@
             <a:fld id="{966A72D3-5514-420D-9111-A867D6FCD5CB}" type="datetimeFigureOut">
               <a:rPr lang="en-US" smtClean="0"/>
               <a:pPr/>
-              <a:t>7/9/2020</a:t>
+              <a:t>9/9/2023</a:t>
             </a:fld>
             <a:endParaRPr lang="en-US"/>
           </a:p>
@@ -1415,7 +1419,7 @@
             <a:fld id="{966A72D3-5514-420D-9111-A867D6FCD5CB}" type="datetimeFigureOut">
               <a:rPr lang="en-US" smtClean="0"/>
               <a:pPr/>
-              <a:t>7/9/2020</a:t>
+              <a:t>9/9/2023</a:t>
             </a:fld>
             <a:endParaRPr lang="en-US"/>
           </a:p>
@@ -1700,7 +1704,7 @@
             <a:fld id="{966A72D3-5514-420D-9111-A867D6FCD5CB}" type="datetimeFigureOut">
               <a:rPr lang="en-US" smtClean="0"/>
               <a:pPr/>
-              <a:t>7/9/2020</a:t>
+              <a:t>9/9/2023</a:t>
             </a:fld>
             <a:endParaRPr lang="en-US"/>
           </a:p>
@@ -2119,7 +2123,7 @@
             <a:fld id="{966A72D3-5514-420D-9111-A867D6FCD5CB}" type="datetimeFigureOut">
               <a:rPr lang="en-US" smtClean="0"/>
               <a:pPr/>
-              <a:t>7/9/2020</a:t>
+              <a:t>9/9/2023</a:t>
             </a:fld>
             <a:endParaRPr lang="en-US"/>
           </a:p>
@@ -2234,7 +2238,7 @@
             <a:fld id="{966A72D3-5514-420D-9111-A867D6FCD5CB}" type="datetimeFigureOut">
               <a:rPr lang="en-US" smtClean="0"/>
               <a:pPr/>
-              <a:t>7/9/2020</a:t>
+              <a:t>9/9/2023</a:t>
             </a:fld>
             <a:endParaRPr lang="en-US"/>
           </a:p>
@@ -2326,7 +2330,7 @@
             <a:fld id="{966A72D3-5514-420D-9111-A867D6FCD5CB}" type="datetimeFigureOut">
               <a:rPr lang="en-US" smtClean="0"/>
               <a:pPr/>
-              <a:t>7/9/2020</a:t>
+              <a:t>9/9/2023</a:t>
             </a:fld>
             <a:endParaRPr lang="en-US"/>
           </a:p>
@@ -2600,7 +2604,7 @@
             <a:fld id="{966A72D3-5514-420D-9111-A867D6FCD5CB}" type="datetimeFigureOut">
               <a:rPr lang="en-US" smtClean="0"/>
               <a:pPr/>
-              <a:t>7/9/2020</a:t>
+              <a:t>9/9/2023</a:t>
             </a:fld>
             <a:endParaRPr lang="en-US"/>
           </a:p>
@@ -2854,7 +2858,7 @@
             <a:fld id="{966A72D3-5514-420D-9111-A867D6FCD5CB}" type="datetimeFigureOut">
               <a:rPr lang="en-US" smtClean="0"/>
               <a:pPr/>
-              <a:t>7/9/2020</a:t>
+              <a:t>9/9/2023</a:t>
             </a:fld>
             <a:endParaRPr lang="en-US"/>
           </a:p>
@@ -3069,7 +3073,7 @@
             <a:fld id="{966A72D3-5514-420D-9111-A867D6FCD5CB}" type="datetimeFigureOut">
               <a:rPr lang="en-US" smtClean="0"/>
               <a:pPr/>
-              <a:t>7/9/2020</a:t>
+              <a:t>9/9/2023</a:t>
             </a:fld>
             <a:endParaRPr lang="en-US"/>
           </a:p>
@@ -3442,7 +3446,7 @@
       </p:grpSpPr>
       <p:sp>
         <p:nvSpPr>
-          <p:cNvPr id="2" name="標題 1"/>
+          <p:cNvPr id="4" name="標題 3"/>
           <p:cNvSpPr>
             <a:spLocks noGrp="1"/>
           </p:cNvSpPr>
@@ -3450,154 +3454,65 @@
             <p:ph type="title"/>
           </p:nvPr>
         </p:nvSpPr>
-        <p:spPr/>
+        <p:spPr>
+          <a:xfrm>
+            <a:off x="0" y="2660915"/>
+            <a:ext cx="12192000" cy="1143000"/>
+          </a:xfrm>
+        </p:spPr>
         <p:txBody>
           <a:bodyPr>
-            <a:normAutofit/>
+            <a:noAutofit/>
           </a:bodyPr>
           <a:lstStyle/>
           <a:p>
             <a:r>
-              <a:rPr lang="zh-TW" altLang="en-US" sz="4800" b="1" dirty="0" smtClean="0">
+              <a:rPr lang="zh-TW" altLang="en-US" sz="7200" b="1" i="1" dirty="0">
                 <a:solidFill>
                   <a:srgbClr val="000066"/>
                 </a:solidFill>
+                <a:effectLst>
+                  <a:outerShdw blurRad="38100" dist="38100" dir="2700000" algn="tl">
+                    <a:srgbClr val="000000">
+                      <a:alpha val="43137"/>
+                    </a:srgbClr>
+                  </a:outerShdw>
+                </a:effectLst>
                 <a:latin typeface="微軟正黑體" pitchFamily="34" charset="-120"/>
                 <a:ea typeface="微軟正黑體" pitchFamily="34" charset="-120"/>
               </a:rPr>
-              <a:t>慈繩愛索</a:t>
-            </a:r>
-            <a:endParaRPr lang="zh-TW" altLang="en-US" sz="4800" b="1" dirty="0">
-              <a:solidFill>
-                <a:srgbClr val="000066"/>
-              </a:solidFill>
-            </a:endParaRPr>
-          </a:p>
-        </p:txBody>
-      </p:sp>
-      <p:sp>
-        <p:nvSpPr>
-          <p:cNvPr id="3" name="內容版面配置區 2"/>
-          <p:cNvSpPr>
-            <a:spLocks noGrp="1"/>
-          </p:cNvSpPr>
-          <p:nvPr>
-            <p:ph idx="1"/>
-          </p:nvPr>
-        </p:nvSpPr>
-        <p:spPr>
-          <a:noFill/>
-        </p:spPr>
-        <p:txBody>
-          <a:bodyPr>
-            <a:normAutofit/>
-          </a:bodyPr>
-          <a:lstStyle/>
-          <a:p>
-            <a:pPr algn="ctr">
-              <a:buNone/>
-            </a:pPr>
-            <a:r>
-              <a:rPr lang="zh-TW" altLang="en-US" sz="5400" b="1" dirty="0">
+              <a:t>慈</a:t>
+            </a:r>
+            <a:r>
+              <a:rPr lang="zh-TW" altLang="en-US" sz="7200" b="1" i="1" dirty="0">
                 <a:solidFill>
                   <a:srgbClr val="000066"/>
                 </a:solidFill>
+                <a:effectLst>
+                  <a:outerShdw blurRad="38100" dist="38100" dir="2700000" algn="tl">
+                    <a:srgbClr val="000000">
+                      <a:alpha val="43137"/>
+                    </a:srgbClr>
+                  </a:outerShdw>
+                </a:effectLst>
                 <a:latin typeface="微軟正黑體" pitchFamily="34" charset="-120"/>
                 <a:ea typeface="微軟正黑體" pitchFamily="34" charset="-120"/>
               </a:rPr>
-              <a:t>來到祢的寶座前</a:t>
-            </a:r>
-            <a:endParaRPr lang="en-US" altLang="zh-TW" sz="5400" b="1" dirty="0">
-              <a:solidFill>
-                <a:srgbClr val="000066"/>
-              </a:solidFill>
-              <a:latin typeface="微軟正黑體" pitchFamily="34" charset="-120"/>
-              <a:ea typeface="微軟正黑體" pitchFamily="34" charset="-120"/>
-            </a:endParaRPr>
-          </a:p>
-          <a:p>
-            <a:pPr algn="ctr">
-              <a:buNone/>
-            </a:pPr>
-            <a:r>
-              <a:rPr lang="zh-TW" altLang="en-US" sz="5400" b="1" dirty="0">
-                <a:solidFill>
-                  <a:srgbClr val="000066"/>
-                </a:solidFill>
-                <a:latin typeface="微軟正黑體" pitchFamily="34" charset="-120"/>
-                <a:ea typeface="微軟正黑體" pitchFamily="34" charset="-120"/>
-              </a:rPr>
-              <a:t>我舉起雙手讚頌</a:t>
-            </a:r>
-            <a:endParaRPr lang="en-US" altLang="zh-TW" sz="5400" b="1" dirty="0">
-              <a:solidFill>
-                <a:srgbClr val="000066"/>
-              </a:solidFill>
-              <a:latin typeface="微軟正黑體" pitchFamily="34" charset="-120"/>
-              <a:ea typeface="微軟正黑體" pitchFamily="34" charset="-120"/>
-            </a:endParaRPr>
-          </a:p>
-          <a:p>
-            <a:pPr algn="ctr">
-              <a:buNone/>
-            </a:pPr>
-            <a:r>
-              <a:rPr lang="zh-TW" altLang="en-US" sz="5400" b="1" dirty="0">
-                <a:solidFill>
-                  <a:srgbClr val="000066"/>
-                </a:solidFill>
-                <a:latin typeface="微軟正黑體" pitchFamily="34" charset="-120"/>
-                <a:ea typeface="微軟正黑體" pitchFamily="34" charset="-120"/>
-              </a:rPr>
-              <a:t>祢配得一切榮耀尊貴</a:t>
-            </a:r>
-            <a:r>
-              <a:rPr lang="en-US" altLang="zh-TW" sz="5400" b="1" dirty="0">
-                <a:solidFill>
-                  <a:srgbClr val="000066"/>
-                </a:solidFill>
-                <a:latin typeface="微軟正黑體" pitchFamily="34" charset="-120"/>
-                <a:ea typeface="微軟正黑體" pitchFamily="34" charset="-120"/>
-              </a:rPr>
-              <a:t> </a:t>
-            </a:r>
-          </a:p>
-          <a:p>
-            <a:pPr algn="ctr">
-              <a:buNone/>
-            </a:pPr>
-            <a:r>
-              <a:rPr lang="zh-TW" altLang="en-US" sz="5400" b="1" dirty="0">
-                <a:solidFill>
-                  <a:srgbClr val="000066"/>
-                </a:solidFill>
-                <a:latin typeface="微軟正黑體" pitchFamily="34" charset="-120"/>
-                <a:ea typeface="微軟正黑體" pitchFamily="34" charset="-120"/>
-              </a:rPr>
-              <a:t>祢是王掌管明天</a:t>
-            </a:r>
-            <a:endParaRPr lang="en-US" sz="4800" b="1" dirty="0">
-              <a:solidFill>
-                <a:srgbClr val="000066"/>
-              </a:solidFill>
-              <a:latin typeface="微軟正黑體" pitchFamily="34" charset="-120"/>
-              <a:ea typeface="微軟正黑體" pitchFamily="34" charset="-120"/>
-            </a:endParaRPr>
+              <a:t>繩愛索</a:t>
+            </a:r>
           </a:p>
         </p:txBody>
       </p:sp>
     </p:spTree>
+    <p:extLst>
+      <p:ext uri="{BB962C8B-B14F-4D97-AF65-F5344CB8AC3E}">
+        <p14:creationId xmlns:p14="http://schemas.microsoft.com/office/powerpoint/2010/main" val="1901142000"/>
+      </p:ext>
+    </p:extLst>
   </p:cSld>
   <p:clrMapOvr>
     <a:masterClrMapping/>
   </p:clrMapOvr>
-  <p:timing>
-    <p:tnLst>
-      <p:par>
-        <p:cTn id="1" dur="indefinite" restart="never" nodeType="tmRoot"/>
-      </p:par>
-    </p:tnLst>
-  </p:timing>
 </p:sld>
 </file>
 
@@ -3620,32 +3535,40 @@
       </p:grpSpPr>
       <p:sp>
         <p:nvSpPr>
-          <p:cNvPr id="2" name="標題 1"/>
-          <p:cNvSpPr>
-            <a:spLocks noGrp="1"/>
-          </p:cNvSpPr>
-          <p:nvPr>
-            <p:ph type="title"/>
-          </p:nvPr>
-        </p:nvSpPr>
-        <p:spPr/>
-        <p:txBody>
-          <a:bodyPr>
+          <p:cNvPr id="5" name="內容版面配置區 4"/>
+          <p:cNvSpPr>
+            <a:spLocks noGrp="1"/>
+          </p:cNvSpPr>
+          <p:nvPr>
+            <p:ph idx="1"/>
+          </p:nvPr>
+        </p:nvSpPr>
+        <p:spPr>
+          <a:xfrm>
+            <a:off x="0" y="2084851"/>
+            <a:ext cx="12192000" cy="2404863"/>
+          </a:xfrm>
+        </p:spPr>
+        <p:txBody>
+          <a:bodyPr anchor="ctr">
             <a:normAutofit/>
           </a:bodyPr>
           <a:lstStyle/>
           <a:p>
-            <a:r>
-              <a:rPr lang="zh-TW" altLang="en-US" sz="4800" b="1" dirty="0">
+            <a:pPr algn="ctr">
+              <a:buNone/>
+            </a:pPr>
+            <a:r>
+              <a:rPr lang="zh-TW" altLang="en-US" sz="6400" b="1" dirty="0">
                 <a:solidFill>
                   <a:srgbClr val="000066"/>
                 </a:solidFill>
                 <a:latin typeface="微軟正黑體" pitchFamily="34" charset="-120"/>
                 <a:ea typeface="微軟正黑體" pitchFamily="34" charset="-120"/>
               </a:rPr>
-              <a:t>慈繩愛索</a:t>
-            </a:r>
-            <a:endParaRPr lang="zh-TW" altLang="en-US" sz="4800" b="1" dirty="0">
+              <a:t>來到祢的寶座前</a:t>
+            </a:r>
+            <a:endParaRPr lang="en-US" altLang="zh-TW" sz="6400" b="1" dirty="0">
               <a:solidFill>
                 <a:srgbClr val="000066"/>
               </a:solidFill>
@@ -3653,41 +3576,21 @@
               <a:ea typeface="微軟正黑體" pitchFamily="34" charset="-120"/>
             </a:endParaRPr>
           </a:p>
-        </p:txBody>
-      </p:sp>
-      <p:sp>
-        <p:nvSpPr>
-          <p:cNvPr id="3" name="內容版面配置區 2"/>
-          <p:cNvSpPr>
-            <a:spLocks noGrp="1"/>
-          </p:cNvSpPr>
-          <p:nvPr>
-            <p:ph idx="1"/>
-          </p:nvPr>
-        </p:nvSpPr>
-        <p:spPr>
-          <a:noFill/>
-        </p:spPr>
-        <p:txBody>
-          <a:bodyPr>
-            <a:normAutofit/>
-          </a:bodyPr>
-          <a:lstStyle/>
           <a:p>
             <a:pPr algn="ctr">
               <a:buNone/>
             </a:pPr>
             <a:r>
-              <a:rPr lang="zh-TW" altLang="en-US" sz="5400" b="1" dirty="0">
+              <a:rPr lang="zh-TW" altLang="en-US" sz="6400" b="1" dirty="0">
                 <a:solidFill>
                   <a:srgbClr val="000066"/>
                 </a:solidFill>
                 <a:latin typeface="微軟正黑體" pitchFamily="34" charset="-120"/>
                 <a:ea typeface="微軟正黑體" pitchFamily="34" charset="-120"/>
               </a:rPr>
-              <a:t>來到祢施恩座前</a:t>
-            </a:r>
-            <a:endParaRPr lang="en-US" altLang="zh-TW" sz="5400" b="1" dirty="0">
+              <a:t>我舉起雙手讚頌</a:t>
+            </a:r>
+            <a:endParaRPr lang="en-US" altLang="zh-TW" sz="6400" b="1" dirty="0">
               <a:solidFill>
                 <a:srgbClr val="000066"/>
               </a:solidFill>
@@ -3695,86 +3598,80 @@
               <a:ea typeface="微軟正黑體" pitchFamily="34" charset="-120"/>
             </a:endParaRPr>
           </a:p>
-          <a:p>
-            <a:pPr algn="ctr">
-              <a:buNone/>
-            </a:pPr>
-            <a:r>
-              <a:rPr lang="zh-TW" altLang="en-US" sz="5400" b="1" dirty="0">
+        </p:txBody>
+      </p:sp>
+      <p:sp>
+        <p:nvSpPr>
+          <p:cNvPr id="3" name="TextBox 2"/>
+          <p:cNvSpPr txBox="1"/>
+          <p:nvPr/>
+        </p:nvSpPr>
+        <p:spPr>
+          <a:xfrm>
+            <a:off x="0" y="5157193"/>
+            <a:ext cx="12192000" cy="584775"/>
+          </a:xfrm>
+          <a:prstGeom prst="rect">
+            <a:avLst/>
+          </a:prstGeom>
+          <a:noFill/>
+        </p:spPr>
+        <p:txBody>
+          <a:bodyPr wrap="square" rtlCol="0">
+            <a:spAutoFit/>
+          </a:bodyPr>
+          <a:lstStyle/>
+          <a:p>
+            <a:pPr algn="ctr"/>
+            <a:r>
+              <a:rPr lang="en-US" sz="3200" b="1" dirty="0">
                 <a:solidFill>
                   <a:srgbClr val="000066"/>
                 </a:solidFill>
-                <a:latin typeface="微軟正黑體" pitchFamily="34" charset="-120"/>
-                <a:ea typeface="微軟正黑體" pitchFamily="34" charset="-120"/>
+                <a:latin typeface="Microsoft JhengHei" panose="020B0604030504040204" pitchFamily="34" charset="-120"/>
+                <a:ea typeface="Microsoft JhengHei" panose="020B0604030504040204" pitchFamily="34" charset="-120"/>
               </a:rPr>
-              <a:t>我將我的心奉獻</a:t>
-            </a:r>
-            <a:endParaRPr lang="en-US" altLang="zh-TW" sz="5400" b="1" dirty="0">
+              <a:t>( </a:t>
+            </a:r>
+            <a:r>
+              <a:rPr lang="zh-CN" altLang="en-US" sz="3200" b="1" dirty="0">
+                <a:solidFill>
+                  <a:srgbClr val="000066"/>
+                </a:solidFill>
+                <a:latin typeface="Microsoft JhengHei" panose="020B0604030504040204" pitchFamily="34" charset="-120"/>
+                <a:ea typeface="Microsoft JhengHei" panose="020B0604030504040204" pitchFamily="34" charset="-120"/>
+              </a:rPr>
+              <a:t>正</a:t>
+            </a:r>
+            <a:r>
+              <a:rPr lang="en-US" sz="3200" b="1" dirty="0">
+                <a:solidFill>
+                  <a:srgbClr val="000066"/>
+                </a:solidFill>
+                <a:latin typeface="Microsoft JhengHei" panose="020B0604030504040204" pitchFamily="34" charset="-120"/>
+                <a:ea typeface="Microsoft JhengHei" panose="020B0604030504040204" pitchFamily="34" charset="-120"/>
+              </a:rPr>
+              <a:t> )</a:t>
+            </a:r>
+            <a:endParaRPr lang="vi-VN" sz="3200" b="1" dirty="0">
               <a:solidFill>
                 <a:srgbClr val="000066"/>
               </a:solidFill>
-              <a:latin typeface="微軟正黑體" pitchFamily="34" charset="-120"/>
-              <a:ea typeface="微軟正黑體" pitchFamily="34" charset="-120"/>
+              <a:ea typeface="Microsoft JhengHei" panose="020B0604030504040204" pitchFamily="34" charset="-120"/>
             </a:endParaRPr>
           </a:p>
-          <a:p>
-            <a:pPr algn="ctr">
-              <a:buNone/>
-            </a:pPr>
-            <a:r>
-              <a:rPr lang="zh-TW" altLang="en-US" sz="5400" b="1" dirty="0">
-                <a:solidFill>
-                  <a:srgbClr val="000066"/>
-                </a:solidFill>
-                <a:latin typeface="微軟正黑體" pitchFamily="34" charset="-120"/>
-                <a:ea typeface="微軟正黑體" pitchFamily="34" charset="-120"/>
-              </a:rPr>
-              <a:t>惟獨祢愛我天天不改變</a:t>
-            </a:r>
-            <a:endParaRPr lang="en-US" altLang="zh-TW" sz="5400" b="1" dirty="0">
-              <a:solidFill>
-                <a:srgbClr val="000066"/>
-              </a:solidFill>
-              <a:latin typeface="微軟正黑體" pitchFamily="34" charset="-120"/>
-              <a:ea typeface="微軟正黑體" pitchFamily="34" charset="-120"/>
-            </a:endParaRPr>
-          </a:p>
-          <a:p>
-            <a:pPr algn="ctr">
-              <a:buNone/>
-            </a:pPr>
-            <a:r>
-              <a:rPr lang="zh-TW" altLang="en-US" sz="5400" b="1" dirty="0">
-                <a:solidFill>
-                  <a:srgbClr val="000066"/>
-                </a:solidFill>
-                <a:latin typeface="微軟正黑體" pitchFamily="34" charset="-120"/>
-                <a:ea typeface="微軟正黑體" pitchFamily="34" charset="-120"/>
-              </a:rPr>
-              <a:t>奇妙救主我永屬祢</a:t>
-            </a:r>
-            <a:endParaRPr lang="en-US" altLang="zh-TW" sz="5400" b="1" dirty="0">
-              <a:solidFill>
-                <a:srgbClr val="000066"/>
-              </a:solidFill>
-              <a:latin typeface="微軟正黑體" pitchFamily="34" charset="-120"/>
-              <a:ea typeface="微軟正黑體" pitchFamily="34" charset="-120"/>
-            </a:endParaRPr>
-          </a:p>
         </p:txBody>
       </p:sp>
     </p:spTree>
+    <p:extLst>
+      <p:ext uri="{BB962C8B-B14F-4D97-AF65-F5344CB8AC3E}">
+        <p14:creationId xmlns:p14="http://schemas.microsoft.com/office/powerpoint/2010/main" val="2024557653"/>
+      </p:ext>
+    </p:extLst>
   </p:cSld>
   <p:clrMapOvr>
     <a:masterClrMapping/>
   </p:clrMapOvr>
-  <p:timing>
-    <p:tnLst>
-      <p:par>
-        <p:cTn id="1" dur="indefinite" restart="never" nodeType="tmRoot"/>
-      </p:par>
-    </p:tnLst>
-  </p:timing>
 </p:sld>
 </file>
 
@@ -3797,32 +3694,65 @@
       </p:grpSpPr>
       <p:sp>
         <p:nvSpPr>
-          <p:cNvPr id="2" name="標題 1"/>
-          <p:cNvSpPr>
-            <a:spLocks noGrp="1"/>
-          </p:cNvSpPr>
-          <p:nvPr>
-            <p:ph type="title"/>
-          </p:nvPr>
-        </p:nvSpPr>
-        <p:spPr/>
-        <p:txBody>
-          <a:bodyPr>
+          <p:cNvPr id="5" name="內容版面配置區 4"/>
+          <p:cNvSpPr>
+            <a:spLocks noGrp="1"/>
+          </p:cNvSpPr>
+          <p:nvPr>
+            <p:ph idx="1"/>
+          </p:nvPr>
+        </p:nvSpPr>
+        <p:spPr>
+          <a:xfrm>
+            <a:off x="0" y="2084851"/>
+            <a:ext cx="12192000" cy="2404863"/>
+          </a:xfrm>
+        </p:spPr>
+        <p:txBody>
+          <a:bodyPr anchor="ctr">
             <a:normAutofit/>
           </a:bodyPr>
           <a:lstStyle/>
           <a:p>
-            <a:r>
-              <a:rPr lang="zh-TW" altLang="en-US" sz="4800" b="1" dirty="0">
+            <a:pPr algn="ctr">
+              <a:buNone/>
+            </a:pPr>
+            <a:r>
+              <a:rPr lang="zh-TW" altLang="en-US" sz="6400" b="1" dirty="0">
                 <a:solidFill>
                   <a:srgbClr val="000066"/>
                 </a:solidFill>
                 <a:latin typeface="微軟正黑體" pitchFamily="34" charset="-120"/>
                 <a:ea typeface="微軟正黑體" pitchFamily="34" charset="-120"/>
               </a:rPr>
-              <a:t>慈繩愛索</a:t>
-            </a:r>
-            <a:endParaRPr lang="zh-TW" altLang="en-US" sz="4800" b="1" dirty="0">
+              <a:t>祢配得一切榮耀尊貴</a:t>
+            </a:r>
+            <a:r>
+              <a:rPr lang="en-US" altLang="zh-TW" sz="6400" b="1" dirty="0">
+                <a:solidFill>
+                  <a:srgbClr val="000066"/>
+                </a:solidFill>
+                <a:latin typeface="微軟正黑體" pitchFamily="34" charset="-120"/>
+                <a:ea typeface="微軟正黑體" pitchFamily="34" charset="-120"/>
+              </a:rPr>
+              <a:t> </a:t>
+            </a:r>
+          </a:p>
+          <a:p>
+            <a:pPr algn="ctr">
+              <a:buNone/>
+            </a:pPr>
+            <a:r>
+              <a:rPr lang="zh-TW" altLang="en-US" sz="6400" b="1" dirty="0">
+                <a:solidFill>
+                  <a:srgbClr val="000066"/>
+                </a:solidFill>
+                <a:latin typeface="微軟正黑體" pitchFamily="34" charset="-120"/>
+                <a:ea typeface="微軟正黑體" pitchFamily="34" charset="-120"/>
+              </a:rPr>
+              <a:t>祢是王掌管明天</a:t>
+            </a:r>
+            <a:endParaRPr lang="en-US" sz="5867" b="1" dirty="0">
               <a:solidFill>
                 <a:srgbClr val="000066"/>
               </a:solidFill>
@@ -3834,124 +3764,76 @@
       </p:sp>
       <p:sp>
         <p:nvSpPr>
-          <p:cNvPr id="3" name="內容版面配置區 2"/>
-          <p:cNvSpPr>
-            <a:spLocks noGrp="1"/>
-          </p:cNvSpPr>
-          <p:nvPr>
-            <p:ph idx="1"/>
-          </p:nvPr>
+          <p:cNvPr id="3" name="TextBox 2"/>
+          <p:cNvSpPr txBox="1"/>
+          <p:nvPr/>
         </p:nvSpPr>
         <p:spPr>
+          <a:xfrm>
+            <a:off x="0" y="5157193"/>
+            <a:ext cx="12192000" cy="584775"/>
+          </a:xfrm>
+          <a:prstGeom prst="rect">
+            <a:avLst/>
+          </a:prstGeom>
           <a:noFill/>
         </p:spPr>
         <p:txBody>
-          <a:bodyPr>
-            <a:normAutofit/>
+          <a:bodyPr wrap="square" rtlCol="0">
+            <a:spAutoFit/>
           </a:bodyPr>
           <a:lstStyle/>
           <a:p>
-            <a:pPr algn="ctr">
-              <a:buNone/>
-            </a:pPr>
-            <a:r>
-              <a:rPr lang="zh-TW" altLang="en-US" sz="5400" b="1" dirty="0">
+            <a:pPr algn="ctr"/>
+            <a:r>
+              <a:rPr lang="en-US" sz="3200" b="1" dirty="0">
                 <a:solidFill>
                   <a:srgbClr val="000066"/>
                 </a:solidFill>
-                <a:latin typeface="微軟正黑體" pitchFamily="34" charset="-120"/>
-                <a:ea typeface="微軟正黑體" pitchFamily="34" charset="-120"/>
+                <a:latin typeface="Microsoft JhengHei" panose="020B0604030504040204" pitchFamily="34" charset="-120"/>
+                <a:ea typeface="Microsoft JhengHei" panose="020B0604030504040204" pitchFamily="34" charset="-120"/>
               </a:rPr>
-              <a:t>慈繩愛索 緊緊索引我</a:t>
-            </a:r>
-            <a:endParaRPr lang="en-US" altLang="zh-TW" sz="5400" b="1" dirty="0">
+              <a:t>( </a:t>
+            </a:r>
+            <a:r>
+              <a:rPr lang="zh-CN" altLang="en-US" sz="3200" b="1" dirty="0">
+                <a:solidFill>
+                  <a:srgbClr val="000066"/>
+                </a:solidFill>
+                <a:latin typeface="Microsoft JhengHei" panose="020B0604030504040204" pitchFamily="34" charset="-120"/>
+                <a:ea typeface="Microsoft JhengHei" panose="020B0604030504040204" pitchFamily="34" charset="-120"/>
+              </a:rPr>
+              <a:t>正</a:t>
+            </a:r>
+            <a:r>
+              <a:rPr lang="en-US" sz="3200" b="1" dirty="0">
+                <a:solidFill>
+                  <a:srgbClr val="000066"/>
+                </a:solidFill>
+                <a:latin typeface="Microsoft JhengHei" panose="020B0604030504040204" pitchFamily="34" charset="-120"/>
+                <a:ea typeface="Microsoft JhengHei" panose="020B0604030504040204" pitchFamily="34" charset="-120"/>
+              </a:rPr>
+              <a:t> )</a:t>
+            </a:r>
+            <a:endParaRPr lang="vi-VN" sz="3200" b="1" dirty="0">
               <a:solidFill>
                 <a:srgbClr val="000066"/>
               </a:solidFill>
-              <a:latin typeface="微軟正黑體" pitchFamily="34" charset="-120"/>
-              <a:ea typeface="微軟正黑體" pitchFamily="34" charset="-120"/>
+              <a:ea typeface="Microsoft JhengHei" panose="020B0604030504040204" pitchFamily="34" charset="-120"/>
             </a:endParaRPr>
           </a:p>
-          <a:p>
-            <a:pPr algn="ctr">
-              <a:buNone/>
-            </a:pPr>
-            <a:r>
-              <a:rPr lang="zh-TW" altLang="en-US" sz="5400" b="1" dirty="0">
-                <a:solidFill>
-                  <a:srgbClr val="000066"/>
-                </a:solidFill>
-                <a:latin typeface="微軟正黑體" pitchFamily="34" charset="-120"/>
-                <a:ea typeface="微軟正黑體" pitchFamily="34" charset="-120"/>
-              </a:rPr>
-              <a:t>為我捨生 背起我罪</a:t>
-            </a:r>
-            <a:endParaRPr lang="en-US" altLang="zh-TW" sz="5400" b="1" dirty="0">
-              <a:solidFill>
-                <a:srgbClr val="000066"/>
-              </a:solidFill>
-              <a:latin typeface="微軟正黑體" pitchFamily="34" charset="-120"/>
-              <a:ea typeface="微軟正黑體" pitchFamily="34" charset="-120"/>
-            </a:endParaRPr>
-          </a:p>
-          <a:p>
-            <a:pPr algn="ctr">
-              <a:buNone/>
-            </a:pPr>
-            <a:r>
-              <a:rPr lang="zh-TW" altLang="en-US" sz="5400" b="1" dirty="0">
-                <a:solidFill>
-                  <a:srgbClr val="000066"/>
-                </a:solidFill>
-                <a:latin typeface="微軟正黑體" pitchFamily="34" charset="-120"/>
-                <a:ea typeface="微軟正黑體" pitchFamily="34" charset="-120"/>
-              </a:rPr>
-              <a:t>護我一生 飛奔展翅上騰</a:t>
-            </a:r>
-            <a:endParaRPr lang="en-US" altLang="zh-TW" sz="5400" b="1" dirty="0">
-              <a:solidFill>
-                <a:srgbClr val="000066"/>
-              </a:solidFill>
-              <a:latin typeface="微軟正黑體" pitchFamily="34" charset="-120"/>
-              <a:ea typeface="微軟正黑體" pitchFamily="34" charset="-120"/>
-            </a:endParaRPr>
-          </a:p>
-          <a:p>
-            <a:pPr algn="ctr">
-              <a:buNone/>
-            </a:pPr>
-            <a:r>
-              <a:rPr lang="zh-TW" altLang="en-US" sz="5400" b="1" dirty="0">
-                <a:solidFill>
-                  <a:srgbClr val="000066"/>
-                </a:solidFill>
-                <a:latin typeface="微軟正黑體" pitchFamily="34" charset="-120"/>
-                <a:ea typeface="微軟正黑體" pitchFamily="34" charset="-120"/>
-              </a:rPr>
-              <a:t>在主裏能得安穩</a:t>
-            </a:r>
-            <a:endParaRPr lang="en-US" altLang="en-US" sz="5400" b="1" dirty="0">
-              <a:solidFill>
-                <a:srgbClr val="000066"/>
-              </a:solidFill>
-              <a:latin typeface="微軟正黑體" pitchFamily="34" charset="-120"/>
-              <a:ea typeface="微軟正黑體" pitchFamily="34" charset="-120"/>
-            </a:endParaRPr>
-          </a:p>
         </p:txBody>
       </p:sp>
     </p:spTree>
+    <p:extLst>
+      <p:ext uri="{BB962C8B-B14F-4D97-AF65-F5344CB8AC3E}">
+        <p14:creationId xmlns:p14="http://schemas.microsoft.com/office/powerpoint/2010/main" val="3333482979"/>
+      </p:ext>
+    </p:extLst>
   </p:cSld>
   <p:clrMapOvr>
     <a:masterClrMapping/>
   </p:clrMapOvr>
-  <p:timing>
-    <p:tnLst>
-      <p:par>
-        <p:cTn id="1" dur="indefinite" restart="never" nodeType="tmRoot"/>
-      </p:par>
-    </p:tnLst>
-  </p:timing>
 </p:sld>
 </file>
 
@@ -3974,32 +3856,40 @@
       </p:grpSpPr>
       <p:sp>
         <p:nvSpPr>
-          <p:cNvPr id="2" name="標題 1"/>
-          <p:cNvSpPr>
-            <a:spLocks noGrp="1"/>
-          </p:cNvSpPr>
-          <p:nvPr>
-            <p:ph type="title"/>
-          </p:nvPr>
-        </p:nvSpPr>
-        <p:spPr/>
-        <p:txBody>
-          <a:bodyPr>
+          <p:cNvPr id="5" name="內容版面配置區 4"/>
+          <p:cNvSpPr>
+            <a:spLocks noGrp="1"/>
+          </p:cNvSpPr>
+          <p:nvPr>
+            <p:ph idx="1"/>
+          </p:nvPr>
+        </p:nvSpPr>
+        <p:spPr>
+          <a:xfrm>
+            <a:off x="0" y="2084851"/>
+            <a:ext cx="12192000" cy="2404863"/>
+          </a:xfrm>
+        </p:spPr>
+        <p:txBody>
+          <a:bodyPr anchor="ctr">
             <a:normAutofit/>
           </a:bodyPr>
           <a:lstStyle/>
           <a:p>
-            <a:r>
-              <a:rPr lang="zh-TW" altLang="en-US" sz="4800" b="1" dirty="0">
+            <a:pPr algn="ctr">
+              <a:buNone/>
+            </a:pPr>
+            <a:r>
+              <a:rPr lang="zh-TW" altLang="en-US" sz="6400" b="1" dirty="0">
                 <a:solidFill>
                   <a:srgbClr val="000066"/>
                 </a:solidFill>
                 <a:latin typeface="微軟正黑體" pitchFamily="34" charset="-120"/>
                 <a:ea typeface="微軟正黑體" pitchFamily="34" charset="-120"/>
               </a:rPr>
-              <a:t>慈繩愛索</a:t>
-            </a:r>
-            <a:endParaRPr lang="zh-TW" altLang="en-US" sz="4800" b="1" dirty="0">
+              <a:t>來到祢施恩座前</a:t>
+            </a:r>
+            <a:endParaRPr lang="en-US" altLang="zh-TW" sz="6400" b="1" dirty="0">
               <a:solidFill>
                 <a:srgbClr val="000066"/>
               </a:solidFill>
@@ -4007,45 +3897,21 @@
               <a:ea typeface="微軟正黑體" pitchFamily="34" charset="-120"/>
             </a:endParaRPr>
           </a:p>
-        </p:txBody>
-      </p:sp>
-      <p:sp>
-        <p:nvSpPr>
-          <p:cNvPr id="3" name="內容版面配置區 2"/>
-          <p:cNvSpPr>
-            <a:spLocks noGrp="1"/>
-          </p:cNvSpPr>
-          <p:nvPr>
-            <p:ph idx="1"/>
-          </p:nvPr>
-        </p:nvSpPr>
-        <p:spPr>
-          <a:xfrm>
-            <a:off x="1981200" y="1600200"/>
-            <a:ext cx="8229600" cy="5257800"/>
-          </a:xfrm>
-          <a:noFill/>
-        </p:spPr>
-        <p:txBody>
-          <a:bodyPr>
-            <a:normAutofit/>
-          </a:bodyPr>
-          <a:lstStyle/>
           <a:p>
             <a:pPr algn="ctr">
               <a:buNone/>
             </a:pPr>
             <a:r>
-              <a:rPr lang="zh-TW" altLang="en-US" sz="5400" b="1" dirty="0">
+              <a:rPr lang="zh-TW" altLang="en-US" sz="6400" b="1" dirty="0">
                 <a:solidFill>
                   <a:srgbClr val="000066"/>
                 </a:solidFill>
                 <a:latin typeface="微軟正黑體" pitchFamily="34" charset="-120"/>
                 <a:ea typeface="微軟正黑體" pitchFamily="34" charset="-120"/>
               </a:rPr>
-              <a:t>我願一生 歇力同行</a:t>
-            </a:r>
-            <a:endParaRPr lang="en-US" altLang="zh-TW" sz="5400" b="1" dirty="0">
+              <a:t>我將我的心奉獻</a:t>
+            </a:r>
+            <a:endParaRPr lang="en-US" altLang="zh-TW" sz="6400" b="1" dirty="0">
               <a:solidFill>
                 <a:srgbClr val="000066"/>
               </a:solidFill>
@@ -4053,108 +3919,80 @@
               <a:ea typeface="微軟正黑體" pitchFamily="34" charset="-120"/>
             </a:endParaRPr>
           </a:p>
-          <a:p>
-            <a:pPr algn="ctr">
-              <a:buNone/>
-            </a:pPr>
-            <a:r>
-              <a:rPr lang="zh-TW" altLang="en-US" sz="5400" b="1" dirty="0">
+        </p:txBody>
+      </p:sp>
+      <p:sp>
+        <p:nvSpPr>
+          <p:cNvPr id="3" name="TextBox 2"/>
+          <p:cNvSpPr txBox="1"/>
+          <p:nvPr/>
+        </p:nvSpPr>
+        <p:spPr>
+          <a:xfrm>
+            <a:off x="0" y="5157193"/>
+            <a:ext cx="12192000" cy="584775"/>
+          </a:xfrm>
+          <a:prstGeom prst="rect">
+            <a:avLst/>
+          </a:prstGeom>
+          <a:noFill/>
+        </p:spPr>
+        <p:txBody>
+          <a:bodyPr wrap="square" rtlCol="0">
+            <a:spAutoFit/>
+          </a:bodyPr>
+          <a:lstStyle/>
+          <a:p>
+            <a:pPr algn="ctr"/>
+            <a:r>
+              <a:rPr lang="en-US" sz="3200" b="1" dirty="0">
                 <a:solidFill>
                   <a:srgbClr val="000066"/>
                 </a:solidFill>
-                <a:latin typeface="微軟正黑體" pitchFamily="34" charset="-120"/>
-                <a:ea typeface="微軟正黑體" pitchFamily="34" charset="-120"/>
+                <a:latin typeface="Microsoft JhengHei" panose="020B0604030504040204" pitchFamily="34" charset="-120"/>
+                <a:ea typeface="Microsoft JhengHei" panose="020B0604030504040204" pitchFamily="34" charset="-120"/>
               </a:rPr>
-              <a:t>讓我的心 每天讚頌</a:t>
-            </a:r>
-            <a:endParaRPr lang="en-US" altLang="zh-TW" sz="5400" b="1" dirty="0">
+              <a:t>( </a:t>
+            </a:r>
+            <a:r>
+              <a:rPr lang="zh-CN" altLang="en-US" sz="3200" b="1" dirty="0">
+                <a:solidFill>
+                  <a:srgbClr val="000066"/>
+                </a:solidFill>
+                <a:latin typeface="Microsoft JhengHei" panose="020B0604030504040204" pitchFamily="34" charset="-120"/>
+                <a:ea typeface="Microsoft JhengHei" panose="020B0604030504040204" pitchFamily="34" charset="-120"/>
+              </a:rPr>
+              <a:t>正</a:t>
+            </a:r>
+            <a:r>
+              <a:rPr lang="en-US" sz="3200" b="1" dirty="0">
+                <a:solidFill>
+                  <a:srgbClr val="000066"/>
+                </a:solidFill>
+                <a:latin typeface="Microsoft JhengHei" panose="020B0604030504040204" pitchFamily="34" charset="-120"/>
+                <a:ea typeface="Microsoft JhengHei" panose="020B0604030504040204" pitchFamily="34" charset="-120"/>
+              </a:rPr>
+              <a:t> )</a:t>
+            </a:r>
+            <a:endParaRPr lang="vi-VN" sz="3200" b="1" dirty="0">
               <a:solidFill>
                 <a:srgbClr val="000066"/>
               </a:solidFill>
-              <a:latin typeface="微軟正黑體" pitchFamily="34" charset="-120"/>
-              <a:ea typeface="微軟正黑體" pitchFamily="34" charset="-120"/>
+              <a:ea typeface="Microsoft JhengHei" panose="020B0604030504040204" pitchFamily="34" charset="-120"/>
             </a:endParaRPr>
           </a:p>
-          <a:p>
-            <a:pPr algn="ctr">
-              <a:buNone/>
-            </a:pPr>
-            <a:r>
-              <a:rPr lang="zh-TW" altLang="en-US" sz="5400" b="1" dirty="0">
-                <a:solidFill>
-                  <a:srgbClr val="000066"/>
-                </a:solidFill>
-                <a:latin typeface="微軟正黑體" pitchFamily="34" charset="-120"/>
-                <a:ea typeface="微軟正黑體" pitchFamily="34" charset="-120"/>
-              </a:rPr>
-              <a:t>徬徨人生不擔心</a:t>
-            </a:r>
-            <a:endParaRPr lang="en-US" altLang="zh-TW" sz="5400" b="1" dirty="0">
-              <a:solidFill>
-                <a:srgbClr val="000066"/>
-              </a:solidFill>
-              <a:latin typeface="微軟正黑體" pitchFamily="34" charset="-120"/>
-              <a:ea typeface="微軟正黑體" pitchFamily="34" charset="-120"/>
-            </a:endParaRPr>
-          </a:p>
-          <a:p>
-            <a:pPr algn="ctr">
-              <a:buNone/>
-            </a:pPr>
-            <a:r>
-              <a:rPr lang="zh-TW" altLang="en-US" sz="5400" b="1" dirty="0">
-                <a:solidFill>
-                  <a:srgbClr val="000066"/>
-                </a:solidFill>
-                <a:latin typeface="微軟正黑體" pitchFamily="34" charset="-120"/>
-                <a:ea typeface="微軟正黑體" pitchFamily="34" charset="-120"/>
-              </a:rPr>
-              <a:t>因有祢伴我行</a:t>
-            </a:r>
-            <a:endParaRPr lang="en-US" altLang="zh-TW" sz="5400" b="1" dirty="0">
-              <a:solidFill>
-                <a:srgbClr val="000066"/>
-              </a:solidFill>
-              <a:latin typeface="微軟正黑體" pitchFamily="34" charset="-120"/>
-              <a:ea typeface="微軟正黑體" pitchFamily="34" charset="-120"/>
-            </a:endParaRPr>
-          </a:p>
-          <a:p>
-            <a:pPr algn="ctr">
-              <a:buNone/>
-            </a:pPr>
-            <a:r>
-              <a:rPr lang="zh-TW" altLang="en-US" sz="5400" b="1" dirty="0">
-                <a:solidFill>
-                  <a:srgbClr val="000066"/>
-                </a:solidFill>
-                <a:latin typeface="微軟正黑體" pitchFamily="34" charset="-120"/>
-                <a:ea typeface="微軟正黑體" pitchFamily="34" charset="-120"/>
-              </a:rPr>
-              <a:t>靠着祢能走出黑暗</a:t>
-            </a:r>
-            <a:endParaRPr lang="en-US" altLang="en-US" sz="5400" b="1" dirty="0">
-              <a:solidFill>
-                <a:srgbClr val="000066"/>
-              </a:solidFill>
-              <a:latin typeface="微軟正黑體" pitchFamily="34" charset="-120"/>
-              <a:ea typeface="微軟正黑體" pitchFamily="34" charset="-120"/>
-            </a:endParaRPr>
-          </a:p>
         </p:txBody>
       </p:sp>
     </p:spTree>
+    <p:extLst>
+      <p:ext uri="{BB962C8B-B14F-4D97-AF65-F5344CB8AC3E}">
+        <p14:creationId xmlns:p14="http://schemas.microsoft.com/office/powerpoint/2010/main" val="2278281871"/>
+      </p:ext>
+    </p:extLst>
   </p:cSld>
   <p:clrMapOvr>
     <a:masterClrMapping/>
   </p:clrMapOvr>
-  <p:timing>
-    <p:tnLst>
-      <p:par>
-        <p:cTn id="1" dur="indefinite" restart="never" nodeType="tmRoot"/>
-      </p:par>
-    </p:tnLst>
-  </p:timing>
 </p:sld>
 </file>
 
@@ -4177,32 +4015,40 @@
       </p:grpSpPr>
       <p:sp>
         <p:nvSpPr>
-          <p:cNvPr id="2" name="標題 1"/>
-          <p:cNvSpPr>
-            <a:spLocks noGrp="1"/>
-          </p:cNvSpPr>
-          <p:nvPr>
-            <p:ph type="title"/>
-          </p:nvPr>
-        </p:nvSpPr>
-        <p:spPr/>
-        <p:txBody>
-          <a:bodyPr>
+          <p:cNvPr id="5" name="內容版面配置區 4"/>
+          <p:cNvSpPr>
+            <a:spLocks noGrp="1"/>
+          </p:cNvSpPr>
+          <p:nvPr>
+            <p:ph idx="1"/>
+          </p:nvPr>
+        </p:nvSpPr>
+        <p:spPr>
+          <a:xfrm>
+            <a:off x="0" y="2084851"/>
+            <a:ext cx="12192000" cy="2404863"/>
+          </a:xfrm>
+        </p:spPr>
+        <p:txBody>
+          <a:bodyPr anchor="ctr">
             <a:normAutofit/>
           </a:bodyPr>
           <a:lstStyle/>
           <a:p>
-            <a:r>
-              <a:rPr lang="zh-TW" altLang="en-US" sz="4800" b="1" dirty="0">
+            <a:pPr algn="ctr">
+              <a:buNone/>
+            </a:pPr>
+            <a:r>
+              <a:rPr lang="zh-TW" altLang="en-US" sz="6400" b="1" dirty="0">
                 <a:solidFill>
                   <a:srgbClr val="000066"/>
                 </a:solidFill>
                 <a:latin typeface="微軟正黑體" pitchFamily="34" charset="-120"/>
                 <a:ea typeface="微軟正黑體" pitchFamily="34" charset="-120"/>
               </a:rPr>
-              <a:t>慈繩愛索</a:t>
-            </a:r>
-            <a:endParaRPr lang="zh-TW" altLang="en-US" sz="4800" b="1" dirty="0">
+              <a:t>惟獨祢愛我天天不改變</a:t>
+            </a:r>
+            <a:endParaRPr lang="en-US" altLang="zh-TW" sz="6400" b="1" dirty="0">
               <a:solidFill>
                 <a:srgbClr val="000066"/>
               </a:solidFill>
@@ -4210,45 +4056,21 @@
               <a:ea typeface="微軟正黑體" pitchFamily="34" charset="-120"/>
             </a:endParaRPr>
           </a:p>
-        </p:txBody>
-      </p:sp>
-      <p:sp>
-        <p:nvSpPr>
-          <p:cNvPr id="3" name="內容版面配置區 2"/>
-          <p:cNvSpPr>
-            <a:spLocks noGrp="1"/>
-          </p:cNvSpPr>
-          <p:nvPr>
-            <p:ph idx="1"/>
-          </p:nvPr>
-        </p:nvSpPr>
-        <p:spPr>
-          <a:xfrm>
-            <a:off x="1981200" y="1600200"/>
-            <a:ext cx="8229600" cy="3352800"/>
-          </a:xfrm>
-          <a:noFill/>
-        </p:spPr>
-        <p:txBody>
-          <a:bodyPr>
-            <a:normAutofit/>
-          </a:bodyPr>
-          <a:lstStyle/>
           <a:p>
             <a:pPr algn="ctr">
               <a:buNone/>
             </a:pPr>
             <a:r>
-              <a:rPr lang="zh-TW" altLang="en-US" sz="5400" b="1" dirty="0">
+              <a:rPr lang="zh-TW" altLang="en-US" sz="6400" b="1" dirty="0">
                 <a:solidFill>
                   <a:srgbClr val="000066"/>
                 </a:solidFill>
                 <a:latin typeface="微軟正黑體" pitchFamily="34" charset="-120"/>
                 <a:ea typeface="微軟正黑體" pitchFamily="34" charset="-120"/>
               </a:rPr>
-              <a:t>徬徨人生擔心</a:t>
-            </a:r>
-            <a:endParaRPr lang="en-US" altLang="zh-TW" sz="5400" b="1" dirty="0">
+              <a:t>奇妙救主  我永屬祢</a:t>
+            </a:r>
+            <a:endParaRPr lang="en-US" altLang="zh-TW" sz="6400" b="1" dirty="0">
               <a:solidFill>
                 <a:srgbClr val="000066"/>
               </a:solidFill>
@@ -4256,21 +4078,136 @@
               <a:ea typeface="微軟正黑體" pitchFamily="34" charset="-120"/>
             </a:endParaRPr>
           </a:p>
+        </p:txBody>
+      </p:sp>
+      <p:sp>
+        <p:nvSpPr>
+          <p:cNvPr id="3" name="TextBox 2"/>
+          <p:cNvSpPr txBox="1"/>
+          <p:nvPr/>
+        </p:nvSpPr>
+        <p:spPr>
+          <a:xfrm>
+            <a:off x="0" y="5157193"/>
+            <a:ext cx="12192000" cy="584775"/>
+          </a:xfrm>
+          <a:prstGeom prst="rect">
+            <a:avLst/>
+          </a:prstGeom>
+          <a:noFill/>
+        </p:spPr>
+        <p:txBody>
+          <a:bodyPr wrap="square" rtlCol="0">
+            <a:spAutoFit/>
+          </a:bodyPr>
+          <a:lstStyle/>
+          <a:p>
+            <a:pPr algn="ctr"/>
+            <a:r>
+              <a:rPr lang="en-US" sz="3200" b="1" dirty="0">
+                <a:solidFill>
+                  <a:srgbClr val="000066"/>
+                </a:solidFill>
+                <a:latin typeface="Microsoft JhengHei" panose="020B0604030504040204" pitchFamily="34" charset="-120"/>
+                <a:ea typeface="Microsoft JhengHei" panose="020B0604030504040204" pitchFamily="34" charset="-120"/>
+              </a:rPr>
+              <a:t>( </a:t>
+            </a:r>
+            <a:r>
+              <a:rPr lang="zh-CN" altLang="en-US" sz="3200" b="1" dirty="0">
+                <a:solidFill>
+                  <a:srgbClr val="000066"/>
+                </a:solidFill>
+                <a:latin typeface="Microsoft JhengHei" panose="020B0604030504040204" pitchFamily="34" charset="-120"/>
+                <a:ea typeface="Microsoft JhengHei" panose="020B0604030504040204" pitchFamily="34" charset="-120"/>
+              </a:rPr>
+              <a:t>正</a:t>
+            </a:r>
+            <a:r>
+              <a:rPr lang="en-US" sz="3200" b="1" dirty="0">
+                <a:solidFill>
+                  <a:srgbClr val="000066"/>
+                </a:solidFill>
+                <a:latin typeface="Microsoft JhengHei" panose="020B0604030504040204" pitchFamily="34" charset="-120"/>
+                <a:ea typeface="Microsoft JhengHei" panose="020B0604030504040204" pitchFamily="34" charset="-120"/>
+              </a:rPr>
+              <a:t> )</a:t>
+            </a:r>
+            <a:endParaRPr lang="vi-VN" sz="3200" b="1" dirty="0">
+              <a:solidFill>
+                <a:srgbClr val="000066"/>
+              </a:solidFill>
+              <a:ea typeface="Microsoft JhengHei" panose="020B0604030504040204" pitchFamily="34" charset="-120"/>
+            </a:endParaRPr>
+          </a:p>
+        </p:txBody>
+      </p:sp>
+    </p:spTree>
+    <p:extLst>
+      <p:ext uri="{BB962C8B-B14F-4D97-AF65-F5344CB8AC3E}">
+        <p14:creationId xmlns:p14="http://schemas.microsoft.com/office/powerpoint/2010/main" val="1127423514"/>
+      </p:ext>
+    </p:extLst>
+  </p:cSld>
+  <p:clrMapOvr>
+    <a:masterClrMapping/>
+  </p:clrMapOvr>
+</p:sld>
+</file>
+
+<file path=ppt/slides/slide6.xml><?xml version="1.0" encoding="utf-8"?>
+<p:sld xmlns:a="http://schemas.openxmlformats.org/drawingml/2006/main" xmlns:r="http://schemas.openxmlformats.org/officeDocument/2006/relationships" xmlns:p="http://schemas.openxmlformats.org/presentationml/2006/main">
+  <p:cSld>
+    <p:spTree>
+      <p:nvGrpSpPr>
+        <p:cNvPr id="1" name=""/>
+        <p:cNvGrpSpPr/>
+        <p:nvPr/>
+      </p:nvGrpSpPr>
+      <p:grpSpPr>
+        <a:xfrm>
+          <a:off x="0" y="0"/>
+          <a:ext cx="0" cy="0"/>
+          <a:chOff x="0" y="0"/>
+          <a:chExt cx="0" cy="0"/>
+        </a:xfrm>
+      </p:grpSpPr>
+      <p:sp>
+        <p:nvSpPr>
+          <p:cNvPr id="5" name="內容版面配置區 4"/>
+          <p:cNvSpPr>
+            <a:spLocks noGrp="1"/>
+          </p:cNvSpPr>
+          <p:nvPr>
+            <p:ph idx="1"/>
+          </p:nvPr>
+        </p:nvSpPr>
+        <p:spPr>
+          <a:xfrm>
+            <a:off x="0" y="2084851"/>
+            <a:ext cx="12192000" cy="2404863"/>
+          </a:xfrm>
+        </p:spPr>
+        <p:txBody>
+          <a:bodyPr anchor="ctr">
+            <a:normAutofit/>
+          </a:bodyPr>
+          <a:lstStyle/>
           <a:p>
             <a:pPr algn="ctr">
               <a:buNone/>
             </a:pPr>
             <a:r>
-              <a:rPr lang="zh-TW" altLang="en-US" sz="5400" b="1" dirty="0">
+              <a:rPr lang="zh-TW" altLang="en-US" sz="6400" b="1" dirty="0">
                 <a:solidFill>
                   <a:srgbClr val="000066"/>
                 </a:solidFill>
                 <a:latin typeface="微軟正黑體" pitchFamily="34" charset="-120"/>
                 <a:ea typeface="微軟正黑體" pitchFamily="34" charset="-120"/>
               </a:rPr>
-              <a:t>因有祢伴我行</a:t>
-            </a:r>
-            <a:endParaRPr lang="en-US" altLang="zh-TW" sz="5400" b="1" dirty="0">
+              <a:t>慈繩愛索  緊緊索引我</a:t>
+            </a:r>
+            <a:endParaRPr lang="en-US" altLang="zh-TW" sz="6400" b="1" dirty="0">
               <a:solidFill>
                 <a:srgbClr val="000066"/>
               </a:solidFill>
@@ -4283,16 +4220,16 @@
               <a:buNone/>
             </a:pPr>
             <a:r>
-              <a:rPr lang="zh-TW" altLang="en-US" sz="5400" b="1" dirty="0">
+              <a:rPr lang="zh-TW" altLang="en-US" sz="6400" b="1" dirty="0">
                 <a:solidFill>
                   <a:srgbClr val="000066"/>
                 </a:solidFill>
                 <a:latin typeface="微軟正黑體" pitchFamily="34" charset="-120"/>
                 <a:ea typeface="微軟正黑體" pitchFamily="34" charset="-120"/>
               </a:rPr>
-              <a:t>靠着祢能走出黑暗</a:t>
-            </a:r>
-            <a:endParaRPr lang="en-US" altLang="en-US" sz="5400" b="1" dirty="0">
+              <a:t>為我捨生  背起我罪</a:t>
+            </a:r>
+            <a:endParaRPr lang="en-US" altLang="zh-TW" sz="6400" b="1" dirty="0">
               <a:solidFill>
                 <a:srgbClr val="000066"/>
               </a:solidFill>
@@ -4302,18 +4239,575 @@
           </a:p>
         </p:txBody>
       </p:sp>
+      <p:sp>
+        <p:nvSpPr>
+          <p:cNvPr id="3" name="TextBox 2"/>
+          <p:cNvSpPr txBox="1"/>
+          <p:nvPr/>
+        </p:nvSpPr>
+        <p:spPr>
+          <a:xfrm>
+            <a:off x="0" y="5157193"/>
+            <a:ext cx="12192000" cy="584775"/>
+          </a:xfrm>
+          <a:prstGeom prst="rect">
+            <a:avLst/>
+          </a:prstGeom>
+          <a:noFill/>
+        </p:spPr>
+        <p:txBody>
+          <a:bodyPr wrap="square" rtlCol="0">
+            <a:spAutoFit/>
+          </a:bodyPr>
+          <a:lstStyle/>
+          <a:p>
+            <a:pPr algn="ctr"/>
+            <a:r>
+              <a:rPr lang="en-US" sz="3200" b="1" dirty="0">
+                <a:solidFill>
+                  <a:srgbClr val="000066"/>
+                </a:solidFill>
+                <a:latin typeface="Microsoft JhengHei" panose="020B0604030504040204" pitchFamily="34" charset="-120"/>
+                <a:ea typeface="Microsoft JhengHei" panose="020B0604030504040204" pitchFamily="34" charset="-120"/>
+              </a:rPr>
+              <a:t>( </a:t>
+            </a:r>
+            <a:r>
+              <a:rPr lang="zh-CN" altLang="en-US" sz="3200" b="1" dirty="0">
+                <a:solidFill>
+                  <a:srgbClr val="000066"/>
+                </a:solidFill>
+                <a:latin typeface="Microsoft JhengHei" panose="020B0604030504040204" pitchFamily="34" charset="-120"/>
+                <a:ea typeface="Microsoft JhengHei" panose="020B0604030504040204" pitchFamily="34" charset="-120"/>
+              </a:rPr>
+              <a:t>副</a:t>
+            </a:r>
+            <a:r>
+              <a:rPr lang="en-US" sz="3200" b="1" dirty="0">
+                <a:solidFill>
+                  <a:srgbClr val="000066"/>
+                </a:solidFill>
+                <a:latin typeface="Microsoft JhengHei" panose="020B0604030504040204" pitchFamily="34" charset="-120"/>
+                <a:ea typeface="Microsoft JhengHei" panose="020B0604030504040204" pitchFamily="34" charset="-120"/>
+              </a:rPr>
+              <a:t> )</a:t>
+            </a:r>
+            <a:endParaRPr lang="vi-VN" sz="3200" b="1" dirty="0">
+              <a:solidFill>
+                <a:srgbClr val="000066"/>
+              </a:solidFill>
+              <a:ea typeface="Microsoft JhengHei" panose="020B0604030504040204" pitchFamily="34" charset="-120"/>
+            </a:endParaRPr>
+          </a:p>
+        </p:txBody>
+      </p:sp>
     </p:spTree>
+    <p:extLst>
+      <p:ext uri="{BB962C8B-B14F-4D97-AF65-F5344CB8AC3E}">
+        <p14:creationId xmlns:p14="http://schemas.microsoft.com/office/powerpoint/2010/main" val="533766013"/>
+      </p:ext>
+    </p:extLst>
   </p:cSld>
   <p:clrMapOvr>
     <a:masterClrMapping/>
   </p:clrMapOvr>
-  <p:timing>
-    <p:tnLst>
-      <p:par>
-        <p:cTn id="1" dur="indefinite" restart="never" nodeType="tmRoot"/>
-      </p:par>
-    </p:tnLst>
-  </p:timing>
+</p:sld>
+</file>
+
+<file path=ppt/slides/slide7.xml><?xml version="1.0" encoding="utf-8"?>
+<p:sld xmlns:a="http://schemas.openxmlformats.org/drawingml/2006/main" xmlns:r="http://schemas.openxmlformats.org/officeDocument/2006/relationships" xmlns:p="http://schemas.openxmlformats.org/presentationml/2006/main">
+  <p:cSld>
+    <p:spTree>
+      <p:nvGrpSpPr>
+        <p:cNvPr id="1" name=""/>
+        <p:cNvGrpSpPr/>
+        <p:nvPr/>
+      </p:nvGrpSpPr>
+      <p:grpSpPr>
+        <a:xfrm>
+          <a:off x="0" y="0"/>
+          <a:ext cx="0" cy="0"/>
+          <a:chOff x="0" y="0"/>
+          <a:chExt cx="0" cy="0"/>
+        </a:xfrm>
+      </p:grpSpPr>
+      <p:sp>
+        <p:nvSpPr>
+          <p:cNvPr id="5" name="內容版面配置區 4"/>
+          <p:cNvSpPr>
+            <a:spLocks noGrp="1"/>
+          </p:cNvSpPr>
+          <p:nvPr>
+            <p:ph idx="1"/>
+          </p:nvPr>
+        </p:nvSpPr>
+        <p:spPr>
+          <a:xfrm>
+            <a:off x="0" y="2084851"/>
+            <a:ext cx="12192000" cy="2404863"/>
+          </a:xfrm>
+        </p:spPr>
+        <p:txBody>
+          <a:bodyPr anchor="ctr">
+            <a:normAutofit/>
+          </a:bodyPr>
+          <a:lstStyle/>
+          <a:p>
+            <a:pPr algn="ctr">
+              <a:buNone/>
+            </a:pPr>
+            <a:r>
+              <a:rPr lang="zh-TW" altLang="en-US" sz="6400" b="1" dirty="0">
+                <a:solidFill>
+                  <a:srgbClr val="000066"/>
+                </a:solidFill>
+                <a:latin typeface="微軟正黑體" pitchFamily="34" charset="-120"/>
+                <a:ea typeface="微軟正黑體" pitchFamily="34" charset="-120"/>
+              </a:rPr>
+              <a:t>護我一生  飛奔展翅上騰</a:t>
+            </a:r>
+            <a:endParaRPr lang="en-US" altLang="zh-TW" sz="6400" b="1" dirty="0">
+              <a:solidFill>
+                <a:srgbClr val="000066"/>
+              </a:solidFill>
+              <a:latin typeface="微軟正黑體" pitchFamily="34" charset="-120"/>
+              <a:ea typeface="微軟正黑體" pitchFamily="34" charset="-120"/>
+            </a:endParaRPr>
+          </a:p>
+          <a:p>
+            <a:pPr algn="ctr">
+              <a:buNone/>
+            </a:pPr>
+            <a:r>
+              <a:rPr lang="zh-TW" altLang="en-US" sz="6400" b="1" dirty="0">
+                <a:solidFill>
+                  <a:srgbClr val="000066"/>
+                </a:solidFill>
+                <a:latin typeface="微軟正黑體" pitchFamily="34" charset="-120"/>
+                <a:ea typeface="微軟正黑體" pitchFamily="34" charset="-120"/>
+              </a:rPr>
+              <a:t>在主裏能得安穩</a:t>
+            </a:r>
+            <a:endParaRPr lang="en-US" altLang="en-US" sz="6400" b="1" dirty="0">
+              <a:solidFill>
+                <a:srgbClr val="000066"/>
+              </a:solidFill>
+              <a:latin typeface="微軟正黑體" pitchFamily="34" charset="-120"/>
+              <a:ea typeface="微軟正黑體" pitchFamily="34" charset="-120"/>
+            </a:endParaRPr>
+          </a:p>
+        </p:txBody>
+      </p:sp>
+      <p:sp>
+        <p:nvSpPr>
+          <p:cNvPr id="3" name="TextBox 2"/>
+          <p:cNvSpPr txBox="1"/>
+          <p:nvPr/>
+        </p:nvSpPr>
+        <p:spPr>
+          <a:xfrm>
+            <a:off x="0" y="5157193"/>
+            <a:ext cx="12192000" cy="584775"/>
+          </a:xfrm>
+          <a:prstGeom prst="rect">
+            <a:avLst/>
+          </a:prstGeom>
+          <a:noFill/>
+        </p:spPr>
+        <p:txBody>
+          <a:bodyPr wrap="square" rtlCol="0">
+            <a:spAutoFit/>
+          </a:bodyPr>
+          <a:lstStyle/>
+          <a:p>
+            <a:pPr algn="ctr"/>
+            <a:r>
+              <a:rPr lang="en-US" sz="3200" b="1" dirty="0">
+                <a:solidFill>
+                  <a:srgbClr val="000066"/>
+                </a:solidFill>
+                <a:latin typeface="Microsoft JhengHei" panose="020B0604030504040204" pitchFamily="34" charset="-120"/>
+                <a:ea typeface="Microsoft JhengHei" panose="020B0604030504040204" pitchFamily="34" charset="-120"/>
+              </a:rPr>
+              <a:t>( </a:t>
+            </a:r>
+            <a:r>
+              <a:rPr lang="zh-CN" altLang="en-US" sz="3200" b="1" dirty="0">
+                <a:solidFill>
+                  <a:srgbClr val="000066"/>
+                </a:solidFill>
+                <a:latin typeface="Microsoft JhengHei" panose="020B0604030504040204" pitchFamily="34" charset="-120"/>
+                <a:ea typeface="Microsoft JhengHei" panose="020B0604030504040204" pitchFamily="34" charset="-120"/>
+              </a:rPr>
+              <a:t>副</a:t>
+            </a:r>
+            <a:r>
+              <a:rPr lang="en-US" sz="3200" b="1" dirty="0">
+                <a:solidFill>
+                  <a:srgbClr val="000066"/>
+                </a:solidFill>
+                <a:latin typeface="Microsoft JhengHei" panose="020B0604030504040204" pitchFamily="34" charset="-120"/>
+                <a:ea typeface="Microsoft JhengHei" panose="020B0604030504040204" pitchFamily="34" charset="-120"/>
+              </a:rPr>
+              <a:t> )</a:t>
+            </a:r>
+            <a:endParaRPr lang="vi-VN" sz="3200" b="1" dirty="0">
+              <a:solidFill>
+                <a:srgbClr val="000066"/>
+              </a:solidFill>
+              <a:ea typeface="Microsoft JhengHei" panose="020B0604030504040204" pitchFamily="34" charset="-120"/>
+            </a:endParaRPr>
+          </a:p>
+        </p:txBody>
+      </p:sp>
+    </p:spTree>
+    <p:extLst>
+      <p:ext uri="{BB962C8B-B14F-4D97-AF65-F5344CB8AC3E}">
+        <p14:creationId xmlns:p14="http://schemas.microsoft.com/office/powerpoint/2010/main" val="1603887432"/>
+      </p:ext>
+    </p:extLst>
+  </p:cSld>
+  <p:clrMapOvr>
+    <a:masterClrMapping/>
+  </p:clrMapOvr>
+</p:sld>
+</file>
+
+<file path=ppt/slides/slide8.xml><?xml version="1.0" encoding="utf-8"?>
+<p:sld xmlns:a="http://schemas.openxmlformats.org/drawingml/2006/main" xmlns:r="http://schemas.openxmlformats.org/officeDocument/2006/relationships" xmlns:p="http://schemas.openxmlformats.org/presentationml/2006/main">
+  <p:cSld>
+    <p:spTree>
+      <p:nvGrpSpPr>
+        <p:cNvPr id="1" name=""/>
+        <p:cNvGrpSpPr/>
+        <p:nvPr/>
+      </p:nvGrpSpPr>
+      <p:grpSpPr>
+        <a:xfrm>
+          <a:off x="0" y="0"/>
+          <a:ext cx="0" cy="0"/>
+          <a:chOff x="0" y="0"/>
+          <a:chExt cx="0" cy="0"/>
+        </a:xfrm>
+      </p:grpSpPr>
+      <p:sp>
+        <p:nvSpPr>
+          <p:cNvPr id="5" name="內容版面配置區 4"/>
+          <p:cNvSpPr>
+            <a:spLocks noGrp="1"/>
+          </p:cNvSpPr>
+          <p:nvPr>
+            <p:ph idx="1"/>
+          </p:nvPr>
+        </p:nvSpPr>
+        <p:spPr>
+          <a:xfrm>
+            <a:off x="0" y="2084851"/>
+            <a:ext cx="12192000" cy="2404863"/>
+          </a:xfrm>
+        </p:spPr>
+        <p:txBody>
+          <a:bodyPr anchor="ctr">
+            <a:normAutofit/>
+          </a:bodyPr>
+          <a:lstStyle/>
+          <a:p>
+            <a:pPr algn="ctr">
+              <a:buNone/>
+            </a:pPr>
+            <a:r>
+              <a:rPr lang="zh-TW" altLang="en-US" sz="6400" b="1" dirty="0">
+                <a:solidFill>
+                  <a:srgbClr val="000066"/>
+                </a:solidFill>
+                <a:latin typeface="微軟正黑體" pitchFamily="34" charset="-120"/>
+                <a:ea typeface="微軟正黑體" pitchFamily="34" charset="-120"/>
+              </a:rPr>
+              <a:t>我願一生  歇力同行</a:t>
+            </a:r>
+            <a:endParaRPr lang="en-US" altLang="zh-TW" sz="6400" b="1" dirty="0">
+              <a:solidFill>
+                <a:srgbClr val="000066"/>
+              </a:solidFill>
+              <a:latin typeface="微軟正黑體" pitchFamily="34" charset="-120"/>
+              <a:ea typeface="微軟正黑體" pitchFamily="34" charset="-120"/>
+            </a:endParaRPr>
+          </a:p>
+          <a:p>
+            <a:pPr algn="ctr">
+              <a:buNone/>
+            </a:pPr>
+            <a:r>
+              <a:rPr lang="zh-TW" altLang="en-US" sz="6400" b="1" dirty="0">
+                <a:solidFill>
+                  <a:srgbClr val="000066"/>
+                </a:solidFill>
+                <a:latin typeface="微軟正黑體" pitchFamily="34" charset="-120"/>
+                <a:ea typeface="微軟正黑體" pitchFamily="34" charset="-120"/>
+              </a:rPr>
+              <a:t>讓我的心  每天讚頌</a:t>
+            </a:r>
+            <a:endParaRPr lang="en-US" altLang="zh-TW" sz="6400" b="1" dirty="0">
+              <a:solidFill>
+                <a:srgbClr val="000066"/>
+              </a:solidFill>
+              <a:latin typeface="微軟正黑體" pitchFamily="34" charset="-120"/>
+              <a:ea typeface="微軟正黑體" pitchFamily="34" charset="-120"/>
+            </a:endParaRPr>
+          </a:p>
+        </p:txBody>
+      </p:sp>
+      <p:sp>
+        <p:nvSpPr>
+          <p:cNvPr id="3" name="TextBox 2"/>
+          <p:cNvSpPr txBox="1"/>
+          <p:nvPr/>
+        </p:nvSpPr>
+        <p:spPr>
+          <a:xfrm>
+            <a:off x="0" y="5157193"/>
+            <a:ext cx="12192000" cy="584775"/>
+          </a:xfrm>
+          <a:prstGeom prst="rect">
+            <a:avLst/>
+          </a:prstGeom>
+          <a:noFill/>
+        </p:spPr>
+        <p:txBody>
+          <a:bodyPr wrap="square" rtlCol="0">
+            <a:spAutoFit/>
+          </a:bodyPr>
+          <a:lstStyle/>
+          <a:p>
+            <a:pPr algn="ctr"/>
+            <a:r>
+              <a:rPr lang="en-US" sz="3200" b="1" dirty="0">
+                <a:solidFill>
+                  <a:srgbClr val="000066"/>
+                </a:solidFill>
+                <a:latin typeface="Microsoft JhengHei" panose="020B0604030504040204" pitchFamily="34" charset="-120"/>
+                <a:ea typeface="Microsoft JhengHei" panose="020B0604030504040204" pitchFamily="34" charset="-120"/>
+              </a:rPr>
+              <a:t>( </a:t>
+            </a:r>
+            <a:r>
+              <a:rPr lang="zh-CN" altLang="en-US" sz="3200" b="1" dirty="0">
+                <a:solidFill>
+                  <a:srgbClr val="000066"/>
+                </a:solidFill>
+                <a:latin typeface="Microsoft JhengHei" panose="020B0604030504040204" pitchFamily="34" charset="-120"/>
+                <a:ea typeface="Microsoft JhengHei" panose="020B0604030504040204" pitchFamily="34" charset="-120"/>
+              </a:rPr>
+              <a:t>副</a:t>
+            </a:r>
+            <a:r>
+              <a:rPr lang="en-US" sz="3200" b="1" dirty="0">
+                <a:solidFill>
+                  <a:srgbClr val="000066"/>
+                </a:solidFill>
+                <a:latin typeface="Microsoft JhengHei" panose="020B0604030504040204" pitchFamily="34" charset="-120"/>
+                <a:ea typeface="Microsoft JhengHei" panose="020B0604030504040204" pitchFamily="34" charset="-120"/>
+              </a:rPr>
+              <a:t> )</a:t>
+            </a:r>
+            <a:endParaRPr lang="vi-VN" sz="3200" b="1" dirty="0">
+              <a:solidFill>
+                <a:srgbClr val="000066"/>
+              </a:solidFill>
+              <a:ea typeface="Microsoft JhengHei" panose="020B0604030504040204" pitchFamily="34" charset="-120"/>
+            </a:endParaRPr>
+          </a:p>
+        </p:txBody>
+      </p:sp>
+    </p:spTree>
+    <p:extLst>
+      <p:ext uri="{BB962C8B-B14F-4D97-AF65-F5344CB8AC3E}">
+        <p14:creationId xmlns:p14="http://schemas.microsoft.com/office/powerpoint/2010/main" val="822471213"/>
+      </p:ext>
+    </p:extLst>
+  </p:cSld>
+  <p:clrMapOvr>
+    <a:masterClrMapping/>
+  </p:clrMapOvr>
+</p:sld>
+</file>
+
+<file path=ppt/slides/slide9.xml><?xml version="1.0" encoding="utf-8"?>
+<p:sld xmlns:a="http://schemas.openxmlformats.org/drawingml/2006/main" xmlns:r="http://schemas.openxmlformats.org/officeDocument/2006/relationships" xmlns:p="http://schemas.openxmlformats.org/presentationml/2006/main">
+  <p:cSld>
+    <p:spTree>
+      <p:nvGrpSpPr>
+        <p:cNvPr id="1" name=""/>
+        <p:cNvGrpSpPr/>
+        <p:nvPr/>
+      </p:nvGrpSpPr>
+      <p:grpSpPr>
+        <a:xfrm>
+          <a:off x="0" y="0"/>
+          <a:ext cx="0" cy="0"/>
+          <a:chOff x="0" y="0"/>
+          <a:chExt cx="0" cy="0"/>
+        </a:xfrm>
+      </p:grpSpPr>
+      <p:sp>
+        <p:nvSpPr>
+          <p:cNvPr id="5" name="內容版面配置區 4"/>
+          <p:cNvSpPr>
+            <a:spLocks noGrp="1"/>
+          </p:cNvSpPr>
+          <p:nvPr>
+            <p:ph idx="1"/>
+          </p:nvPr>
+        </p:nvSpPr>
+        <p:spPr>
+          <a:xfrm>
+            <a:off x="0" y="2084851"/>
+            <a:ext cx="12192000" cy="2404863"/>
+          </a:xfrm>
+        </p:spPr>
+        <p:txBody>
+          <a:bodyPr anchor="ctr">
+            <a:normAutofit/>
+          </a:bodyPr>
+          <a:lstStyle/>
+          <a:p>
+            <a:pPr algn="ctr">
+              <a:buNone/>
+            </a:pPr>
+            <a:r>
+              <a:rPr lang="zh-TW" altLang="en-US" sz="6400" b="1" dirty="0">
+                <a:solidFill>
+                  <a:srgbClr val="000066"/>
+                </a:solidFill>
+                <a:latin typeface="微軟正黑體" pitchFamily="34" charset="-120"/>
+                <a:ea typeface="微軟正黑體" pitchFamily="34" charset="-120"/>
+              </a:rPr>
+              <a:t>徬徨人生不擔心</a:t>
+            </a:r>
+            <a:r>
+              <a:rPr lang="en-US" altLang="zh-TW" sz="6400" b="1" dirty="0">
+                <a:solidFill>
+                  <a:srgbClr val="000066"/>
+                </a:solidFill>
+                <a:latin typeface="微軟正黑體" pitchFamily="34" charset="-120"/>
+                <a:ea typeface="微軟正黑體" pitchFamily="34" charset="-120"/>
+              </a:rPr>
+              <a:t>  </a:t>
+            </a:r>
+            <a:r>
+              <a:rPr lang="zh-TW" altLang="en-US" sz="6400" b="1" dirty="0">
+                <a:solidFill>
+                  <a:srgbClr val="000066"/>
+                </a:solidFill>
+                <a:latin typeface="微軟正黑體" pitchFamily="34" charset="-120"/>
+                <a:ea typeface="微軟正黑體" pitchFamily="34" charset="-120"/>
+              </a:rPr>
+              <a:t>因有祢伴我行</a:t>
+            </a:r>
+            <a:endParaRPr lang="en-US" altLang="zh-TW" sz="6400" b="1" dirty="0">
+              <a:solidFill>
+                <a:srgbClr val="000066"/>
+              </a:solidFill>
+              <a:latin typeface="微軟正黑體" pitchFamily="34" charset="-120"/>
+              <a:ea typeface="微軟正黑體" pitchFamily="34" charset="-120"/>
+            </a:endParaRPr>
+          </a:p>
+          <a:p>
+            <a:pPr algn="ctr">
+              <a:buNone/>
+            </a:pPr>
+            <a:r>
+              <a:rPr lang="zh-TW" altLang="en-US" sz="6400" b="1" dirty="0">
+                <a:solidFill>
+                  <a:srgbClr val="000066"/>
+                </a:solidFill>
+                <a:latin typeface="微軟正黑體" pitchFamily="34" charset="-120"/>
+                <a:ea typeface="微軟正黑體" pitchFamily="34" charset="-120"/>
+              </a:rPr>
+              <a:t>靠着祢能走出黑暗</a:t>
+            </a:r>
+            <a:endParaRPr lang="en-US" altLang="en-US" sz="6400" b="1" dirty="0">
+              <a:solidFill>
+                <a:srgbClr val="000066"/>
+              </a:solidFill>
+              <a:latin typeface="微軟正黑體" pitchFamily="34" charset="-120"/>
+              <a:ea typeface="微軟正黑體" pitchFamily="34" charset="-120"/>
+            </a:endParaRPr>
+          </a:p>
+        </p:txBody>
+      </p:sp>
+      <p:sp>
+        <p:nvSpPr>
+          <p:cNvPr id="3" name="TextBox 2"/>
+          <p:cNvSpPr txBox="1"/>
+          <p:nvPr/>
+        </p:nvSpPr>
+        <p:spPr>
+          <a:xfrm>
+            <a:off x="0" y="5157193"/>
+            <a:ext cx="12192000" cy="584775"/>
+          </a:xfrm>
+          <a:prstGeom prst="rect">
+            <a:avLst/>
+          </a:prstGeom>
+          <a:noFill/>
+        </p:spPr>
+        <p:txBody>
+          <a:bodyPr wrap="square" rtlCol="0">
+            <a:spAutoFit/>
+          </a:bodyPr>
+          <a:lstStyle/>
+          <a:p>
+            <a:pPr algn="ctr"/>
+            <a:r>
+              <a:rPr lang="en-US" sz="3200" b="1" dirty="0">
+                <a:solidFill>
+                  <a:srgbClr val="000066"/>
+                </a:solidFill>
+                <a:latin typeface="Microsoft JhengHei" panose="020B0604030504040204" pitchFamily="34" charset="-120"/>
+                <a:ea typeface="Microsoft JhengHei" panose="020B0604030504040204" pitchFamily="34" charset="-120"/>
+              </a:rPr>
+              <a:t>( </a:t>
+            </a:r>
+            <a:r>
+              <a:rPr lang="zh-CN" altLang="en-US" sz="3200" b="1" dirty="0">
+                <a:solidFill>
+                  <a:srgbClr val="000066"/>
+                </a:solidFill>
+                <a:latin typeface="Microsoft JhengHei" panose="020B0604030504040204" pitchFamily="34" charset="-120"/>
+                <a:ea typeface="Microsoft JhengHei" panose="020B0604030504040204" pitchFamily="34" charset="-120"/>
+              </a:rPr>
+              <a:t>副</a:t>
+            </a:r>
+            <a:r>
+              <a:rPr lang="en-US" sz="3200" b="1" dirty="0">
+                <a:solidFill>
+                  <a:srgbClr val="000066"/>
+                </a:solidFill>
+                <a:latin typeface="Microsoft JhengHei" panose="020B0604030504040204" pitchFamily="34" charset="-120"/>
+                <a:ea typeface="Microsoft JhengHei" panose="020B0604030504040204" pitchFamily="34" charset="-120"/>
+              </a:rPr>
+              <a:t> )</a:t>
+            </a:r>
+            <a:endParaRPr lang="vi-VN" sz="3200" b="1" dirty="0">
+              <a:solidFill>
+                <a:srgbClr val="000066"/>
+              </a:solidFill>
+              <a:ea typeface="Microsoft JhengHei" panose="020B0604030504040204" pitchFamily="34" charset="-120"/>
+            </a:endParaRPr>
+          </a:p>
+        </p:txBody>
+      </p:sp>
+    </p:spTree>
+    <p:extLst>
+      <p:ext uri="{BB962C8B-B14F-4D97-AF65-F5344CB8AC3E}">
+        <p14:creationId xmlns:p14="http://schemas.microsoft.com/office/powerpoint/2010/main" val="576914179"/>
+      </p:ext>
+    </p:extLst>
+  </p:cSld>
+  <p:clrMapOvr>
+    <a:masterClrMapping/>
+  </p:clrMapOvr>
 </p:sld>
 </file>
 
